--- a/Presentation/OS-Mini-Project-ppt.pptx
+++ b/Presentation/OS-Mini-Project-ppt.pptx
@@ -14,18 +14,18 @@
     <p:sldId id="280" r:id="rId5"/>
     <p:sldId id="281" r:id="rId6"/>
     <p:sldId id="282" r:id="rId7"/>
-    <p:sldId id="283" r:id="rId8"/>
-    <p:sldId id="271" r:id="rId9"/>
-    <p:sldId id="263" r:id="rId10"/>
-    <p:sldId id="265" r:id="rId11"/>
-    <p:sldId id="284" r:id="rId12"/>
-    <p:sldId id="285" r:id="rId13"/>
-    <p:sldId id="274" r:id="rId14"/>
-    <p:sldId id="266" r:id="rId15"/>
-    <p:sldId id="275" r:id="rId16"/>
-    <p:sldId id="286" r:id="rId17"/>
-    <p:sldId id="287" r:id="rId18"/>
-    <p:sldId id="288" r:id="rId19"/>
+    <p:sldId id="271" r:id="rId8"/>
+    <p:sldId id="265" r:id="rId9"/>
+    <p:sldId id="284" r:id="rId10"/>
+    <p:sldId id="285" r:id="rId11"/>
+    <p:sldId id="274" r:id="rId12"/>
+    <p:sldId id="266" r:id="rId13"/>
+    <p:sldId id="286" r:id="rId14"/>
+    <p:sldId id="287" r:id="rId15"/>
+    <p:sldId id="288" r:id="rId16"/>
+    <p:sldId id="289" r:id="rId17"/>
+    <p:sldId id="263" r:id="rId18"/>
+    <p:sldId id="291" r:id="rId19"/>
     <p:sldId id="278" r:id="rId20"/>
   </p:sldIdLst>
   <p:sldSz cx="9144000" cy="6858000" type="screen4x3"/>
@@ -155,7 +155,7 @@
       </p15:notesGuideLst>
     </p:ext>
     <p:ext uri="http://customooxmlschemas.google.com/">
-      <go:slidesCustomData xmlns:go="http://customooxmlschemas.google.com/" xmlns:ahyp="http://schemas.microsoft.com/office/drawing/2018/hyperlinkcolor" xmlns:p15="http://schemas.microsoft.com/office/powerpoint/2012/main" xmlns:p14="http://schemas.microsoft.com/office/powerpoint/2010/main" xmlns:com="http://schemas.openxmlformats.org/drawingml/2006/compatibility" xmlns:pvml="urn:schemas-microsoft-com:office:powerpoint" xmlns:v="urn:schemas-microsoft-com:vml" xmlns:o="urn:schemas-microsoft-com:office:office" xmlns:dgm="http://schemas.openxmlformats.org/drawingml/2006/diagram" xmlns:c="http://schemas.openxmlformats.org/drawingml/2006/chart" xmlns:mv="urn:schemas-microsoft-com:mac:vml" xmlns:mc="http://schemas.openxmlformats.org/markup-compatibility/2006" xmlns="" r:id="rId22" roundtripDataSignature="AMtx7mgOQyjeezvSgIRtsc4P3z7blxV2SQ=="/>
+      <go:slidesCustomData xmlns:go="http://customooxmlschemas.google.com/" xmlns:ahyp="http://schemas.microsoft.com/office/drawing/2018/hyperlinkcolor" xmlns:p15="http://schemas.microsoft.com/office/powerpoint/2012/main" xmlns:p14="http://schemas.microsoft.com/office/powerpoint/2010/main" xmlns:com="http://schemas.openxmlformats.org/drawingml/2006/compatibility" xmlns:pvml="urn:schemas-microsoft-com:office:powerpoint" xmlns:v="urn:schemas-microsoft-com:vml" xmlns:o="urn:schemas-microsoft-com:office:office" xmlns:dgm="http://schemas.openxmlformats.org/drawingml/2006/diagram" xmlns:c="http://schemas.openxmlformats.org/drawingml/2006/chart" xmlns:mv="urn:schemas-microsoft-com:mac:vml" xmlns:mc="http://schemas.openxmlformats.org/markup-compatibility/2006" xmlns="" r:id="rId24" roundtripDataSignature="AMtx7mgOQyjeezvSgIRtsc4P3z7blxV2SQ=="/>
     </p:ext>
   </p:extLst>
 </p:presentation>
@@ -1577,6 +1577,120 @@
 </file>
 
 <file path=ppt/notesSlides/notesSlide3.xml><?xml version="1.0" encoding="utf-8"?>
+<p:notes xmlns:a="http://schemas.openxmlformats.org/drawingml/2006/main" xmlns:r="http://schemas.openxmlformats.org/officeDocument/2006/relationships" xmlns:p="http://schemas.openxmlformats.org/presentationml/2006/main">
+  <p:cSld>
+    <p:spTree>
+      <p:nvGrpSpPr>
+        <p:cNvPr id="1" name=""/>
+        <p:cNvGrpSpPr/>
+        <p:nvPr/>
+      </p:nvGrpSpPr>
+      <p:grpSpPr>
+        <a:xfrm>
+          <a:off x="0" y="0"/>
+          <a:ext cx="0" cy="0"/>
+          <a:chOff x="0" y="0"/>
+          <a:chExt cx="0" cy="0"/>
+        </a:xfrm>
+      </p:grpSpPr>
+      <p:sp>
+        <p:nvSpPr>
+          <p:cNvPr id="2" name="Slide Image Placeholder 1"/>
+          <p:cNvSpPr>
+            <a:spLocks noGrp="1" noRot="1" noChangeAspect="1"/>
+          </p:cNvSpPr>
+          <p:nvPr>
+            <p:ph type="sldImg"/>
+          </p:nvPr>
+        </p:nvSpPr>
+        <p:spPr>
+          <a:xfrm>
+            <a:off x="912813" y="742950"/>
+            <a:ext cx="4954587" cy="3716338"/>
+          </a:xfrm>
+        </p:spPr>
+      </p:sp>
+      <p:sp>
+        <p:nvSpPr>
+          <p:cNvPr id="3" name="Notes Placeholder 2"/>
+          <p:cNvSpPr>
+            <a:spLocks noGrp="1"/>
+          </p:cNvSpPr>
+          <p:nvPr>
+            <p:ph type="body" idx="1"/>
+          </p:nvPr>
+        </p:nvSpPr>
+        <p:spPr/>
+        <p:txBody>
+          <a:bodyPr/>
+          <a:lstStyle/>
+          <a:p>
+            <a:endParaRPr lang="en-IN" dirty="0"/>
+          </a:p>
+        </p:txBody>
+      </p:sp>
+      <p:sp>
+        <p:nvSpPr>
+          <p:cNvPr id="4" name="Slide Number Placeholder 3"/>
+          <p:cNvSpPr>
+            <a:spLocks noGrp="1"/>
+          </p:cNvSpPr>
+          <p:nvPr>
+            <p:ph type="sldNum" idx="12"/>
+          </p:nvPr>
+        </p:nvSpPr>
+        <p:spPr/>
+        <p:txBody>
+          <a:bodyPr/>
+          <a:lstStyle/>
+          <a:p>
+            <a:pPr marL="0" marR="0" lvl="0" indent="0" algn="r" rtl="0">
+              <a:lnSpc>
+                <a:spcPct val="100000"/>
+              </a:lnSpc>
+              <a:spcBef>
+                <a:spcPts val="0"/>
+              </a:spcBef>
+              <a:spcAft>
+                <a:spcPts val="0"/>
+              </a:spcAft>
+              <a:buClr>
+                <a:srgbClr val="000000"/>
+              </a:buClr>
+              <a:buSzPts val="1200"/>
+              <a:buFont typeface="Times New Roman"/>
+              <a:buNone/>
+            </a:pPr>
+            <a:fld id="{00000000-1234-1234-1234-123412341234}" type="slidenum">
+              <a:rPr lang="en-US" sz="1200" b="0" i="0" u="none" strike="noStrike" cap="none" smtClean="0">
+                <a:solidFill>
+                  <a:srgbClr val="000000"/>
+                </a:solidFill>
+                <a:latin typeface="Times New Roman"/>
+                <a:ea typeface="Times New Roman"/>
+                <a:cs typeface="Times New Roman"/>
+                <a:sym typeface="Times New Roman"/>
+              </a:rPr>
+              <a:t>15</a:t>
+            </a:fld>
+            <a:endParaRPr lang="en-US"/>
+          </a:p>
+        </p:txBody>
+      </p:sp>
+    </p:spTree>
+    <p:extLst>
+      <p:ext uri="{BB962C8B-B14F-4D97-AF65-F5344CB8AC3E}">
+        <p14:creationId xmlns:p14="http://schemas.microsoft.com/office/powerpoint/2010/main" val="3833064733"/>
+      </p:ext>
+    </p:extLst>
+  </p:cSld>
+  <p:clrMapOvr>
+    <a:masterClrMapping/>
+  </p:clrMapOvr>
+</p:notes>
+</file>
+
+<file path=ppt/notesSlides/notesSlide4.xml><?xml version="1.0" encoding="utf-8"?>
 <p:notes xmlns:a="http://schemas.openxmlformats.org/drawingml/2006/main" xmlns:r="http://schemas.openxmlformats.org/officeDocument/2006/relationships" xmlns:p="http://schemas.openxmlformats.org/presentationml/2006/main" showMasterSp="0" showMasterPhAnim="0">
   <p:cSld>
     <p:spTree>
@@ -1906,7 +2020,7 @@
           <a:p>
             <a:fld id="{96DFF08F-DC6B-4601-B491-B0F83F6DD2DA}" type="datetimeFigureOut">
               <a:rPr lang="en-US" smtClean="0"/>
-              <a:t>12/17/2022</a:t>
+              <a:t>12/21/2022</a:t>
             </a:fld>
             <a:endParaRPr lang="en-US" dirty="0"/>
           </a:p>
@@ -2123,7 +2237,7 @@
           <a:p>
             <a:fld id="{96DFF08F-DC6B-4601-B491-B0F83F6DD2DA}" type="datetimeFigureOut">
               <a:rPr lang="en-US" smtClean="0"/>
-              <a:t>12/17/2022</a:t>
+              <a:t>12/21/2022</a:t>
             </a:fld>
             <a:endParaRPr lang="en-US" dirty="0"/>
           </a:p>
@@ -2379,7 +2493,7 @@
           <a:p>
             <a:fld id="{96DFF08F-DC6B-4601-B491-B0F83F6DD2DA}" type="datetimeFigureOut">
               <a:rPr lang="en-US" smtClean="0"/>
-              <a:t>12/17/2022</a:t>
+              <a:t>12/21/2022</a:t>
             </a:fld>
             <a:endParaRPr lang="en-US" dirty="0"/>
           </a:p>
@@ -2549,7 +2663,7 @@
           <a:p>
             <a:fld id="{A3E28D29-1ECB-41DF-951B-2A23F95AD026}" type="datetimeFigureOut">
               <a:rPr lang="en-US" smtClean="0"/>
-              <a:t>12/17/2022</a:t>
+              <a:t>12/21/2022</a:t>
             </a:fld>
             <a:endParaRPr lang="en-US" dirty="0"/>
           </a:p>
@@ -2892,7 +3006,7 @@
           <a:p>
             <a:fld id="{96DFF08F-DC6B-4601-B491-B0F83F6DD2DA}" type="datetimeFigureOut">
               <a:rPr lang="en-US" smtClean="0"/>
-              <a:t>12/17/2022</a:t>
+              <a:t>12/21/2022</a:t>
             </a:fld>
             <a:endParaRPr lang="en-US" dirty="0"/>
           </a:p>
@@ -3167,7 +3281,7 @@
           <a:p>
             <a:fld id="{96DFF08F-DC6B-4601-B491-B0F83F6DD2DA}" type="datetimeFigureOut">
               <a:rPr lang="en-US" smtClean="0"/>
-              <a:t>12/17/2022</a:t>
+              <a:t>12/21/2022</a:t>
             </a:fld>
             <a:endParaRPr lang="en-US" dirty="0"/>
           </a:p>
@@ -3546,7 +3660,7 @@
           <a:p>
             <a:fld id="{96DFF08F-DC6B-4601-B491-B0F83F6DD2DA}" type="datetimeFigureOut">
               <a:rPr lang="en-US" smtClean="0"/>
-              <a:t>12/17/2022</a:t>
+              <a:t>12/21/2022</a:t>
             </a:fld>
             <a:endParaRPr lang="en-US" dirty="0"/>
           </a:p>
@@ -3664,7 +3778,7 @@
           <a:p>
             <a:fld id="{96DFF08F-DC6B-4601-B491-B0F83F6DD2DA}" type="datetimeFigureOut">
               <a:rPr lang="en-US" smtClean="0"/>
-              <a:t>12/17/2022</a:t>
+              <a:t>12/21/2022</a:t>
             </a:fld>
             <a:endParaRPr lang="en-US" dirty="0"/>
           </a:p>
@@ -3836,7 +3950,7 @@
             <a:fld id="{96DFF08F-DC6B-4601-B491-B0F83F6DD2DA}" type="datetimeFigureOut">
               <a:rPr lang="en-US" smtClean="0"/>
               <a:pPr/>
-              <a:t>12/17/2022</a:t>
+              <a:t>12/21/2022</a:t>
             </a:fld>
             <a:endParaRPr lang="en-US" dirty="0"/>
           </a:p>
@@ -4192,7 +4306,7 @@
             <a:fld id="{96DFF08F-DC6B-4601-B491-B0F83F6DD2DA}" type="datetimeFigureOut">
               <a:rPr lang="en-US" smtClean="0"/>
               <a:pPr/>
-              <a:t>12/17/2022</a:t>
+              <a:t>12/21/2022</a:t>
             </a:fld>
             <a:endParaRPr lang="en-US" dirty="0"/>
           </a:p>
@@ -4570,7 +4684,7 @@
           <a:p>
             <a:fld id="{96DFF08F-DC6B-4601-B491-B0F83F6DD2DA}" type="datetimeFigureOut">
               <a:rPr lang="en-US" smtClean="0"/>
-              <a:t>12/17/2022</a:t>
+              <a:t>12/21/2022</a:t>
             </a:fld>
             <a:endParaRPr lang="en-US" dirty="0"/>
           </a:p>
@@ -4872,7 +4986,7 @@
             <a:fld id="{96DFF08F-DC6B-4601-B491-B0F83F6DD2DA}" type="datetimeFigureOut">
               <a:rPr lang="en-US" smtClean="0"/>
               <a:pPr/>
-              <a:t>12/17/2022</a:t>
+              <a:t>12/21/2022</a:t>
             </a:fld>
             <a:endParaRPr lang="en-US" dirty="0"/>
           </a:p>
@@ -6169,2622 +6283,6 @@
 </file>
 
 <file path=ppt/slides/slide10.xml><?xml version="1.0" encoding="utf-8"?>
-<p:sld xmlns:a="http://schemas.openxmlformats.org/drawingml/2006/main" xmlns:r="http://schemas.openxmlformats.org/officeDocument/2006/relationships" xmlns:p="http://schemas.openxmlformats.org/presentationml/2006/main">
-  <p:cSld>
-    <p:spTree>
-      <p:nvGrpSpPr>
-        <p:cNvPr id="1" name=""/>
-        <p:cNvGrpSpPr/>
-        <p:nvPr/>
-      </p:nvGrpSpPr>
-      <p:grpSpPr>
-        <a:xfrm>
-          <a:off x="0" y="0"/>
-          <a:ext cx="0" cy="0"/>
-          <a:chOff x="0" y="0"/>
-          <a:chExt cx="0" cy="0"/>
-        </a:xfrm>
-      </p:grpSpPr>
-      <p:sp>
-        <p:nvSpPr>
-          <p:cNvPr id="7" name="Flowchart: Process 6">
-            <a:extLst>
-              <a:ext uri="{FF2B5EF4-FFF2-40B4-BE49-F238E27FC236}">
-                <a16:creationId xmlns:a16="http://schemas.microsoft.com/office/drawing/2014/main" id="{5FF32576-4F4D-20A3-3B03-1DAA3FA8BCA0}"/>
-              </a:ext>
-            </a:extLst>
-          </p:cNvPr>
-          <p:cNvSpPr/>
-          <p:nvPr/>
-        </p:nvSpPr>
-        <p:spPr>
-          <a:xfrm>
-            <a:off x="729465" y="2583417"/>
-            <a:ext cx="8121098" cy="2214614"/>
-          </a:xfrm>
-          <a:prstGeom prst="flowChartProcess">
-            <a:avLst/>
-          </a:prstGeom>
-          <a:noFill/>
-          <a:ln>
-            <a:solidFill>
-              <a:schemeClr val="tx1"/>
-            </a:solidFill>
-          </a:ln>
-          <a:effectLst>
-            <a:glow rad="63500">
-              <a:schemeClr val="accent5">
-                <a:satMod val="175000"/>
-                <a:alpha val="40000"/>
-              </a:schemeClr>
-            </a:glow>
-            <a:outerShdw blurRad="40000" dist="20000" dir="5400000" rotWithShape="0">
-              <a:srgbClr val="000000">
-                <a:alpha val="38000"/>
-              </a:srgbClr>
-            </a:outerShdw>
-          </a:effectLst>
-          <a:scene3d>
-            <a:camera prst="perspectiveFront"/>
-            <a:lightRig rig="threePt" dir="t"/>
-          </a:scene3d>
-        </p:spPr>
-        <p:style>
-          <a:lnRef idx="1">
-            <a:schemeClr val="accent2"/>
-          </a:lnRef>
-          <a:fillRef idx="2">
-            <a:schemeClr val="accent2"/>
-          </a:fillRef>
-          <a:effectRef idx="1">
-            <a:schemeClr val="accent2"/>
-          </a:effectRef>
-          <a:fontRef idx="minor">
-            <a:schemeClr val="dk1"/>
-          </a:fontRef>
-        </p:style>
-        <p:txBody>
-          <a:bodyPr rtlCol="0" anchor="ctr"/>
-          <a:lstStyle/>
-          <a:p>
-            <a:pPr algn="ctr"/>
-            <a:r>
-              <a:rPr lang="en-US" sz="2400" i="0" dirty="0">
-                <a:solidFill>
-                  <a:schemeClr val="tx1"/>
-                </a:solidFill>
-                <a:effectLst/>
-                <a:latin typeface="Times New Roman" panose="02020603050405020304" pitchFamily="18" charset="0"/>
-                <a:cs typeface="Times New Roman" panose="02020603050405020304" pitchFamily="18" charset="0"/>
-              </a:rPr>
-              <a:t>Least Recently Used algorithm is a page replacement technique used for memory management. According to this method, that page is replaced which is least recently used . Thus in memory any page that has been unused for a longer period of time than the others is replaced.</a:t>
-            </a:r>
-            <a:endParaRPr lang="en-IN" sz="2400" dirty="0">
-              <a:solidFill>
-                <a:schemeClr val="tx1"/>
-              </a:solidFill>
-              <a:latin typeface="Times New Roman" panose="02020603050405020304" pitchFamily="18" charset="0"/>
-              <a:cs typeface="Times New Roman" panose="02020603050405020304" pitchFamily="18" charset="0"/>
-            </a:endParaRPr>
-          </a:p>
-        </p:txBody>
-      </p:sp>
-      <p:sp>
-        <p:nvSpPr>
-          <p:cNvPr id="16" name="Ribbon: Tilted Down 15">
-            <a:extLst>
-              <a:ext uri="{FF2B5EF4-FFF2-40B4-BE49-F238E27FC236}">
-                <a16:creationId xmlns:a16="http://schemas.microsoft.com/office/drawing/2014/main" id="{CAE00CF1-76F1-BAB0-2F25-64B10DCD8AB6}"/>
-              </a:ext>
-            </a:extLst>
-          </p:cNvPr>
-          <p:cNvSpPr/>
-          <p:nvPr/>
-        </p:nvSpPr>
-        <p:spPr>
-          <a:xfrm>
-            <a:off x="0" y="1841863"/>
-            <a:ext cx="3066585" cy="741554"/>
-          </a:xfrm>
-          <a:prstGeom prst="ribbon">
-            <a:avLst>
-              <a:gd name="adj1" fmla="val 18267"/>
-              <a:gd name="adj2" fmla="val 64035"/>
-            </a:avLst>
-          </a:prstGeom>
-          <a:solidFill>
-            <a:schemeClr val="accent2">
-              <a:lumMod val="20000"/>
-              <a:lumOff val="80000"/>
-            </a:schemeClr>
-          </a:solidFill>
-          <a:ln>
-            <a:solidFill>
-              <a:schemeClr val="tx1"/>
-            </a:solidFill>
-          </a:ln>
-        </p:spPr>
-        <p:style>
-          <a:lnRef idx="3">
-            <a:schemeClr val="lt1"/>
-          </a:lnRef>
-          <a:fillRef idx="1">
-            <a:schemeClr val="accent6"/>
-          </a:fillRef>
-          <a:effectRef idx="1">
-            <a:schemeClr val="accent6"/>
-          </a:effectRef>
-          <a:fontRef idx="minor">
-            <a:schemeClr val="lt1"/>
-          </a:fontRef>
-        </p:style>
-        <p:txBody>
-          <a:bodyPr rtlCol="0" anchor="ctr"/>
-          <a:lstStyle/>
-          <a:p>
-            <a:pPr algn="ctr"/>
-            <a:r>
-              <a:rPr lang="en-US" sz="2000" b="1" dirty="0">
-                <a:solidFill>
-                  <a:schemeClr val="tx1"/>
-                </a:solidFill>
-                <a:latin typeface="Times New Roman" panose="02020603050405020304" pitchFamily="18" charset="0"/>
-                <a:cs typeface="Times New Roman" panose="02020603050405020304" pitchFamily="18" charset="0"/>
-              </a:rPr>
-              <a:t>Algorithm</a:t>
-            </a:r>
-            <a:endParaRPr lang="en-IN" sz="2000" b="1" dirty="0">
-              <a:solidFill>
-                <a:schemeClr val="tx1"/>
-              </a:solidFill>
-              <a:latin typeface="Times New Roman" panose="02020603050405020304" pitchFamily="18" charset="0"/>
-              <a:cs typeface="Times New Roman" panose="02020603050405020304" pitchFamily="18" charset="0"/>
-            </a:endParaRPr>
-          </a:p>
-        </p:txBody>
-      </p:sp>
-      <p:sp>
-        <p:nvSpPr>
-          <p:cNvPr id="3" name="TextBox 2">
-            <a:extLst>
-              <a:ext uri="{FF2B5EF4-FFF2-40B4-BE49-F238E27FC236}">
-                <a16:creationId xmlns:a16="http://schemas.microsoft.com/office/drawing/2014/main" id="{2AE9B832-3862-8AC4-BC30-1A5A4EDCCDF0}"/>
-              </a:ext>
-            </a:extLst>
-          </p:cNvPr>
-          <p:cNvSpPr txBox="1"/>
-          <p:nvPr/>
-        </p:nvSpPr>
-        <p:spPr>
-          <a:xfrm>
-            <a:off x="1103970" y="0"/>
-            <a:ext cx="6936060" cy="646331"/>
-          </a:xfrm>
-          <a:prstGeom prst="rect">
-            <a:avLst/>
-          </a:prstGeom>
-          <a:noFill/>
-        </p:spPr>
-        <p:txBody>
-          <a:bodyPr wrap="square">
-            <a:spAutoFit/>
-          </a:bodyPr>
-          <a:lstStyle/>
-          <a:p>
-            <a:pPr algn="ctr"/>
-            <a:r>
-              <a:rPr lang="en-US" sz="3600" b="1" dirty="0">
-                <a:ln w="0"/>
-                <a:effectLst>
-                  <a:outerShdw blurRad="38100" dist="25400" dir="5400000" algn="ctr" rotWithShape="0">
-                    <a:srgbClr val="6E747A">
-                      <a:alpha val="43000"/>
-                    </a:srgbClr>
-                  </a:outerShdw>
-                </a:effectLst>
-                <a:latin typeface="Times New Roman" panose="02020603050405020304" pitchFamily="18" charset="0"/>
-                <a:cs typeface="Times New Roman" panose="02020603050405020304" pitchFamily="18" charset="0"/>
-              </a:rPr>
-              <a:t>LEAST </a:t>
-            </a:r>
-            <a:r>
-              <a:rPr lang="en-US" sz="3600" b="1" cap="none" spc="0" dirty="0">
-                <a:ln w="0"/>
-                <a:effectLst>
-                  <a:outerShdw blurRad="38100" dist="25400" dir="5400000" algn="ctr" rotWithShape="0">
-                    <a:srgbClr val="6E747A">
-                      <a:alpha val="43000"/>
-                    </a:srgbClr>
-                  </a:outerShdw>
-                </a:effectLst>
-                <a:latin typeface="Times New Roman" panose="02020603050405020304" pitchFamily="18" charset="0"/>
-                <a:cs typeface="Times New Roman" panose="02020603050405020304" pitchFamily="18" charset="0"/>
-              </a:rPr>
-              <a:t>PAGE REPLACEMENT</a:t>
-            </a:r>
-          </a:p>
-        </p:txBody>
-      </p:sp>
-    </p:spTree>
-    <p:extLst>
-      <p:ext uri="{BB962C8B-B14F-4D97-AF65-F5344CB8AC3E}">
-        <p14:creationId xmlns:p14="http://schemas.microsoft.com/office/powerpoint/2010/main" val="3335191982"/>
-      </p:ext>
-    </p:extLst>
-  </p:cSld>
-  <p:clrMapOvr>
-    <a:masterClrMapping/>
-  </p:clrMapOvr>
-  <mc:AlternateContent xmlns:mc="http://schemas.openxmlformats.org/markup-compatibility/2006" xmlns:p14="http://schemas.microsoft.com/office/powerpoint/2010/main">
-    <mc:Choice Requires="p14">
-      <p:transition spd="med" p14:dur="700">
-        <p:fade/>
-      </p:transition>
-    </mc:Choice>
-    <mc:Fallback xmlns="">
-      <p:transition spd="med">
-        <p:fade/>
-      </p:transition>
-    </mc:Fallback>
-  </mc:AlternateContent>
-  <p:timing>
-    <p:tnLst>
-      <p:par>
-        <p:cTn id="1" dur="indefinite" restart="never" nodeType="tmRoot">
-          <p:childTnLst>
-            <p:seq concurrent="1" nextAc="seek">
-              <p:cTn id="2" dur="indefinite" nodeType="mainSeq">
-                <p:childTnLst>
-                  <p:par>
-                    <p:cTn id="3" fill="hold">
-                      <p:stCondLst>
-                        <p:cond delay="indefinite"/>
-                        <p:cond evt="onBegin" delay="0">
-                          <p:tn val="2"/>
-                        </p:cond>
-                      </p:stCondLst>
-                      <p:childTnLst>
-                        <p:par>
-                          <p:cTn id="4" fill="hold">
-                            <p:stCondLst>
-                              <p:cond delay="0"/>
-                            </p:stCondLst>
-                            <p:childTnLst>
-                              <p:par>
-                                <p:cTn id="5" presetID="53" presetClass="entr" presetSubtype="16" fill="hold" grpId="0" nodeType="withEffect">
-                                  <p:stCondLst>
-                                    <p:cond delay="0"/>
-                                  </p:stCondLst>
-                                  <p:childTnLst>
-                                    <p:set>
-                                      <p:cBhvr>
-                                        <p:cTn id="6" dur="1" fill="hold">
-                                          <p:stCondLst>
-                                            <p:cond delay="0"/>
-                                          </p:stCondLst>
-                                        </p:cTn>
-                                        <p:tgtEl>
-                                          <p:spTgt spid="16"/>
-                                        </p:tgtEl>
-                                        <p:attrNameLst>
-                                          <p:attrName>style.visibility</p:attrName>
-                                        </p:attrNameLst>
-                                      </p:cBhvr>
-                                      <p:to>
-                                        <p:strVal val="visible"/>
-                                      </p:to>
-                                    </p:set>
-                                    <p:anim calcmode="lin" valueType="num">
-                                      <p:cBhvr>
-                                        <p:cTn id="7" dur="500" fill="hold"/>
-                                        <p:tgtEl>
-                                          <p:spTgt spid="16"/>
-                                        </p:tgtEl>
-                                        <p:attrNameLst>
-                                          <p:attrName>ppt_w</p:attrName>
-                                        </p:attrNameLst>
-                                      </p:cBhvr>
-                                      <p:tavLst>
-                                        <p:tav tm="0">
-                                          <p:val>
-                                            <p:fltVal val="0"/>
-                                          </p:val>
-                                        </p:tav>
-                                        <p:tav tm="100000">
-                                          <p:val>
-                                            <p:strVal val="#ppt_w"/>
-                                          </p:val>
-                                        </p:tav>
-                                      </p:tavLst>
-                                    </p:anim>
-                                    <p:anim calcmode="lin" valueType="num">
-                                      <p:cBhvr>
-                                        <p:cTn id="8" dur="500" fill="hold"/>
-                                        <p:tgtEl>
-                                          <p:spTgt spid="16"/>
-                                        </p:tgtEl>
-                                        <p:attrNameLst>
-                                          <p:attrName>ppt_h</p:attrName>
-                                        </p:attrNameLst>
-                                      </p:cBhvr>
-                                      <p:tavLst>
-                                        <p:tav tm="0">
-                                          <p:val>
-                                            <p:fltVal val="0"/>
-                                          </p:val>
-                                        </p:tav>
-                                        <p:tav tm="100000">
-                                          <p:val>
-                                            <p:strVal val="#ppt_h"/>
-                                          </p:val>
-                                        </p:tav>
-                                      </p:tavLst>
-                                    </p:anim>
-                                    <p:animEffect transition="in" filter="fade">
-                                      <p:cBhvr>
-                                        <p:cTn id="9" dur="500"/>
-                                        <p:tgtEl>
-                                          <p:spTgt spid="16"/>
-                                        </p:tgtEl>
-                                      </p:cBhvr>
-                                    </p:animEffect>
-                                  </p:childTnLst>
-                                </p:cTn>
-                              </p:par>
-                            </p:childTnLst>
-                          </p:cTn>
-                        </p:par>
-                      </p:childTnLst>
-                    </p:cTn>
-                  </p:par>
-                </p:childTnLst>
-              </p:cTn>
-              <p:prevCondLst>
-                <p:cond evt="onPrev" delay="0">
-                  <p:tgtEl>
-                    <p:sldTgt/>
-                  </p:tgtEl>
-                </p:cond>
-              </p:prevCondLst>
-              <p:nextCondLst>
-                <p:cond evt="onNext" delay="0">
-                  <p:tgtEl>
-                    <p:sldTgt/>
-                  </p:tgtEl>
-                </p:cond>
-              </p:nextCondLst>
-            </p:seq>
-          </p:childTnLst>
-        </p:cTn>
-      </p:par>
-    </p:tnLst>
-    <p:bldLst>
-      <p:bldP spid="16" grpId="0" animBg="1"/>
-    </p:bldLst>
-  </p:timing>
-</p:sld>
-</file>
-
-<file path=ppt/slides/slide11.xml><?xml version="1.0" encoding="utf-8"?>
-<p:sld xmlns:a="http://schemas.openxmlformats.org/drawingml/2006/main" xmlns:r="http://schemas.openxmlformats.org/officeDocument/2006/relationships" xmlns:p="http://schemas.openxmlformats.org/presentationml/2006/main">
-  <p:cSld>
-    <p:spTree>
-      <p:nvGrpSpPr>
-        <p:cNvPr id="1" name=""/>
-        <p:cNvGrpSpPr/>
-        <p:nvPr/>
-      </p:nvGrpSpPr>
-      <p:grpSpPr>
-        <a:xfrm>
-          <a:off x="0" y="0"/>
-          <a:ext cx="0" cy="0"/>
-          <a:chOff x="0" y="0"/>
-          <a:chExt cx="0" cy="0"/>
-        </a:xfrm>
-      </p:grpSpPr>
-      <p:sp>
-        <p:nvSpPr>
-          <p:cNvPr id="2" name="Title 1">
-            <a:extLst>
-              <a:ext uri="{FF2B5EF4-FFF2-40B4-BE49-F238E27FC236}">
-                <a16:creationId xmlns:a16="http://schemas.microsoft.com/office/drawing/2014/main" id="{3018B333-8609-6A41-9D31-5E89AF6113D1}"/>
-              </a:ext>
-            </a:extLst>
-          </p:cNvPr>
-          <p:cNvSpPr>
-            <a:spLocks noGrp="1"/>
-          </p:cNvSpPr>
-          <p:nvPr>
-            <p:ph type="title"/>
-          </p:nvPr>
-        </p:nvSpPr>
-        <p:spPr/>
-        <p:txBody>
-          <a:bodyPr/>
-          <a:lstStyle/>
-          <a:p>
-            <a:r>
-              <a:rPr lang="en-IN" b="1" dirty="0">
-                <a:latin typeface="Times New Roman" panose="02020603050405020304" pitchFamily="18" charset="0"/>
-                <a:cs typeface="Times New Roman" panose="02020603050405020304" pitchFamily="18" charset="0"/>
-              </a:rPr>
-              <a:t>Example</a:t>
-            </a:r>
-          </a:p>
-        </p:txBody>
-      </p:sp>
-      <p:graphicFrame>
-        <p:nvGraphicFramePr>
-          <p:cNvPr id="4" name="Table 4">
-            <a:extLst>
-              <a:ext uri="{FF2B5EF4-FFF2-40B4-BE49-F238E27FC236}">
-                <a16:creationId xmlns:a16="http://schemas.microsoft.com/office/drawing/2014/main" id="{9E2AAA53-20CD-E4BD-9CC8-45A29F15FCAC}"/>
-              </a:ext>
-            </a:extLst>
-          </p:cNvPr>
-          <p:cNvGraphicFramePr>
-            <a:graphicFrameLocks noGrp="1"/>
-          </p:cNvGraphicFramePr>
-          <p:nvPr>
-            <p:ph idx="1"/>
-            <p:extLst>
-              <p:ext uri="{D42A27DB-BD31-4B8C-83A1-F6EECF244321}">
-                <p14:modId xmlns:p14="http://schemas.microsoft.com/office/powerpoint/2010/main" val="1147201774"/>
-              </p:ext>
-            </p:extLst>
-          </p:nvPr>
-        </p:nvGraphicFramePr>
-        <p:xfrm>
-          <a:off x="822960" y="2925049"/>
-          <a:ext cx="7920984" cy="2407239"/>
-        </p:xfrm>
-        <a:graphic>
-          <a:graphicData uri="http://schemas.openxmlformats.org/drawingml/2006/table">
-            <a:tbl>
-              <a:tblPr firstRow="1" bandRow="1">
-                <a:tableStyleId>{D7AC3CCA-C797-4891-BE02-D94E43425B78}</a:tableStyleId>
-              </a:tblPr>
-              <a:tblGrid>
-                <a:gridCol w="990123">
-                  <a:extLst>
-                    <a:ext uri="{9D8B030D-6E8A-4147-A177-3AD203B41FA5}">
-                      <a16:colId xmlns:a16="http://schemas.microsoft.com/office/drawing/2014/main" val="1054678124"/>
-                    </a:ext>
-                  </a:extLst>
-                </a:gridCol>
-                <a:gridCol w="990123">
-                  <a:extLst>
-                    <a:ext uri="{9D8B030D-6E8A-4147-A177-3AD203B41FA5}">
-                      <a16:colId xmlns:a16="http://schemas.microsoft.com/office/drawing/2014/main" val="4003542621"/>
-                    </a:ext>
-                  </a:extLst>
-                </a:gridCol>
-                <a:gridCol w="990123">
-                  <a:extLst>
-                    <a:ext uri="{9D8B030D-6E8A-4147-A177-3AD203B41FA5}">
-                      <a16:colId xmlns:a16="http://schemas.microsoft.com/office/drawing/2014/main" val="1140716483"/>
-                    </a:ext>
-                  </a:extLst>
-                </a:gridCol>
-                <a:gridCol w="990123">
-                  <a:extLst>
-                    <a:ext uri="{9D8B030D-6E8A-4147-A177-3AD203B41FA5}">
-                      <a16:colId xmlns:a16="http://schemas.microsoft.com/office/drawing/2014/main" val="4193832787"/>
-                    </a:ext>
-                  </a:extLst>
-                </a:gridCol>
-                <a:gridCol w="990123">
-                  <a:extLst>
-                    <a:ext uri="{9D8B030D-6E8A-4147-A177-3AD203B41FA5}">
-                      <a16:colId xmlns:a16="http://schemas.microsoft.com/office/drawing/2014/main" val="3358983340"/>
-                    </a:ext>
-                  </a:extLst>
-                </a:gridCol>
-                <a:gridCol w="990123">
-                  <a:extLst>
-                    <a:ext uri="{9D8B030D-6E8A-4147-A177-3AD203B41FA5}">
-                      <a16:colId xmlns:a16="http://schemas.microsoft.com/office/drawing/2014/main" val="3845818185"/>
-                    </a:ext>
-                  </a:extLst>
-                </a:gridCol>
-                <a:gridCol w="990123">
-                  <a:extLst>
-                    <a:ext uri="{9D8B030D-6E8A-4147-A177-3AD203B41FA5}">
-                      <a16:colId xmlns:a16="http://schemas.microsoft.com/office/drawing/2014/main" val="515684843"/>
-                    </a:ext>
-                  </a:extLst>
-                </a:gridCol>
-                <a:gridCol w="990123">
-                  <a:extLst>
-                    <a:ext uri="{9D8B030D-6E8A-4147-A177-3AD203B41FA5}">
-                      <a16:colId xmlns:a16="http://schemas.microsoft.com/office/drawing/2014/main" val="2216464724"/>
-                    </a:ext>
-                  </a:extLst>
-                </a:gridCol>
-              </a:tblGrid>
-              <a:tr h="802413">
-                <a:tc>
-                  <a:txBody>
-                    <a:bodyPr/>
-                    <a:lstStyle/>
-                    <a:p>
-                      <a:endParaRPr lang="en-IN" dirty="0"/>
-                    </a:p>
-                  </a:txBody>
-                  <a:tcPr/>
-                </a:tc>
-                <a:tc>
-                  <a:txBody>
-                    <a:bodyPr/>
-                    <a:lstStyle/>
-                    <a:p>
-                      <a:endParaRPr lang="en-IN"/>
-                    </a:p>
-                  </a:txBody>
-                  <a:tcPr/>
-                </a:tc>
-                <a:tc>
-                  <a:txBody>
-                    <a:bodyPr/>
-                    <a:lstStyle/>
-                    <a:p>
-                      <a:endParaRPr lang="en-IN"/>
-                    </a:p>
-                  </a:txBody>
-                  <a:tcPr/>
-                </a:tc>
-                <a:tc>
-                  <a:txBody>
-                    <a:bodyPr/>
-                    <a:lstStyle/>
-                    <a:p>
-                      <a:endParaRPr lang="en-IN"/>
-                    </a:p>
-                  </a:txBody>
-                  <a:tcPr/>
-                </a:tc>
-                <a:tc>
-                  <a:txBody>
-                    <a:bodyPr/>
-                    <a:lstStyle/>
-                    <a:p>
-                      <a:endParaRPr lang="en-IN"/>
-                    </a:p>
-                  </a:txBody>
-                  <a:tcPr/>
-                </a:tc>
-                <a:tc>
-                  <a:txBody>
-                    <a:bodyPr/>
-                    <a:lstStyle/>
-                    <a:p>
-                      <a:endParaRPr lang="en-IN"/>
-                    </a:p>
-                  </a:txBody>
-                  <a:tcPr/>
-                </a:tc>
-                <a:tc>
-                  <a:txBody>
-                    <a:bodyPr/>
-                    <a:lstStyle/>
-                    <a:p>
-                      <a:endParaRPr lang="en-IN"/>
-                    </a:p>
-                  </a:txBody>
-                  <a:tcPr/>
-                </a:tc>
-                <a:tc>
-                  <a:txBody>
-                    <a:bodyPr/>
-                    <a:lstStyle/>
-                    <a:p>
-                      <a:endParaRPr lang="en-IN"/>
-                    </a:p>
-                  </a:txBody>
-                  <a:tcPr/>
-                </a:tc>
-                <a:extLst>
-                  <a:ext uri="{0D108BD9-81ED-4DB2-BD59-A6C34878D82A}">
-                    <a16:rowId xmlns:a16="http://schemas.microsoft.com/office/drawing/2014/main" val="2314344416"/>
-                  </a:ext>
-                </a:extLst>
-              </a:tr>
-              <a:tr h="802413">
-                <a:tc>
-                  <a:txBody>
-                    <a:bodyPr/>
-                    <a:lstStyle/>
-                    <a:p>
-                      <a:endParaRPr lang="en-IN"/>
-                    </a:p>
-                  </a:txBody>
-                  <a:tcPr/>
-                </a:tc>
-                <a:tc>
-                  <a:txBody>
-                    <a:bodyPr/>
-                    <a:lstStyle/>
-                    <a:p>
-                      <a:endParaRPr lang="en-IN"/>
-                    </a:p>
-                  </a:txBody>
-                  <a:tcPr/>
-                </a:tc>
-                <a:tc>
-                  <a:txBody>
-                    <a:bodyPr/>
-                    <a:lstStyle/>
-                    <a:p>
-                      <a:endParaRPr lang="en-IN"/>
-                    </a:p>
-                  </a:txBody>
-                  <a:tcPr/>
-                </a:tc>
-                <a:tc>
-                  <a:txBody>
-                    <a:bodyPr/>
-                    <a:lstStyle/>
-                    <a:p>
-                      <a:endParaRPr lang="en-IN"/>
-                    </a:p>
-                  </a:txBody>
-                  <a:tcPr/>
-                </a:tc>
-                <a:tc>
-                  <a:txBody>
-                    <a:bodyPr/>
-                    <a:lstStyle/>
-                    <a:p>
-                      <a:endParaRPr lang="en-IN"/>
-                    </a:p>
-                  </a:txBody>
-                  <a:tcPr/>
-                </a:tc>
-                <a:tc>
-                  <a:txBody>
-                    <a:bodyPr/>
-                    <a:lstStyle/>
-                    <a:p>
-                      <a:endParaRPr lang="en-IN"/>
-                    </a:p>
-                  </a:txBody>
-                  <a:tcPr/>
-                </a:tc>
-                <a:tc>
-                  <a:txBody>
-                    <a:bodyPr/>
-                    <a:lstStyle/>
-                    <a:p>
-                      <a:endParaRPr lang="en-IN"/>
-                    </a:p>
-                  </a:txBody>
-                  <a:tcPr/>
-                </a:tc>
-                <a:tc>
-                  <a:txBody>
-                    <a:bodyPr/>
-                    <a:lstStyle/>
-                    <a:p>
-                      <a:endParaRPr lang="en-IN"/>
-                    </a:p>
-                  </a:txBody>
-                  <a:tcPr/>
-                </a:tc>
-                <a:extLst>
-                  <a:ext uri="{0D108BD9-81ED-4DB2-BD59-A6C34878D82A}">
-                    <a16:rowId xmlns:a16="http://schemas.microsoft.com/office/drawing/2014/main" val="4163419670"/>
-                  </a:ext>
-                </a:extLst>
-              </a:tr>
-              <a:tr h="802413">
-                <a:tc>
-                  <a:txBody>
-                    <a:bodyPr/>
-                    <a:lstStyle/>
-                    <a:p>
-                      <a:endParaRPr lang="en-IN"/>
-                    </a:p>
-                  </a:txBody>
-                  <a:tcPr/>
-                </a:tc>
-                <a:tc>
-                  <a:txBody>
-                    <a:bodyPr/>
-                    <a:lstStyle/>
-                    <a:p>
-                      <a:endParaRPr lang="en-IN" dirty="0"/>
-                    </a:p>
-                  </a:txBody>
-                  <a:tcPr/>
-                </a:tc>
-                <a:tc>
-                  <a:txBody>
-                    <a:bodyPr/>
-                    <a:lstStyle/>
-                    <a:p>
-                      <a:endParaRPr lang="en-IN"/>
-                    </a:p>
-                  </a:txBody>
-                  <a:tcPr/>
-                </a:tc>
-                <a:tc>
-                  <a:txBody>
-                    <a:bodyPr/>
-                    <a:lstStyle/>
-                    <a:p>
-                      <a:endParaRPr lang="en-IN"/>
-                    </a:p>
-                  </a:txBody>
-                  <a:tcPr/>
-                </a:tc>
-                <a:tc>
-                  <a:txBody>
-                    <a:bodyPr/>
-                    <a:lstStyle/>
-                    <a:p>
-                      <a:endParaRPr lang="en-IN"/>
-                    </a:p>
-                  </a:txBody>
-                  <a:tcPr/>
-                </a:tc>
-                <a:tc>
-                  <a:txBody>
-                    <a:bodyPr/>
-                    <a:lstStyle/>
-                    <a:p>
-                      <a:endParaRPr lang="en-IN"/>
-                    </a:p>
-                  </a:txBody>
-                  <a:tcPr/>
-                </a:tc>
-                <a:tc>
-                  <a:txBody>
-                    <a:bodyPr/>
-                    <a:lstStyle/>
-                    <a:p>
-                      <a:endParaRPr lang="en-IN"/>
-                    </a:p>
-                  </a:txBody>
-                  <a:tcPr/>
-                </a:tc>
-                <a:tc>
-                  <a:txBody>
-                    <a:bodyPr/>
-                    <a:lstStyle/>
-                    <a:p>
-                      <a:endParaRPr lang="en-IN" dirty="0"/>
-                    </a:p>
-                  </a:txBody>
-                  <a:tcPr/>
-                </a:tc>
-                <a:extLst>
-                  <a:ext uri="{0D108BD9-81ED-4DB2-BD59-A6C34878D82A}">
-                    <a16:rowId xmlns:a16="http://schemas.microsoft.com/office/drawing/2014/main" val="644729442"/>
-                  </a:ext>
-                </a:extLst>
-              </a:tr>
-            </a:tbl>
-          </a:graphicData>
-        </a:graphic>
-      </p:graphicFrame>
-      <p:sp>
-        <p:nvSpPr>
-          <p:cNvPr id="5" name="TextBox 4">
-            <a:extLst>
-              <a:ext uri="{FF2B5EF4-FFF2-40B4-BE49-F238E27FC236}">
-                <a16:creationId xmlns:a16="http://schemas.microsoft.com/office/drawing/2014/main" id="{645784F4-DC30-81B9-53AD-DD7590F00074}"/>
-              </a:ext>
-            </a:extLst>
-          </p:cNvPr>
-          <p:cNvSpPr txBox="1"/>
-          <p:nvPr/>
-        </p:nvSpPr>
-        <p:spPr>
-          <a:xfrm>
-            <a:off x="1808252" y="2106202"/>
-            <a:ext cx="5291191" cy="523220"/>
-          </a:xfrm>
-          <a:prstGeom prst="rect">
-            <a:avLst/>
-          </a:prstGeom>
-          <a:noFill/>
-        </p:spPr>
-        <p:txBody>
-          <a:bodyPr wrap="square" rtlCol="0">
-            <a:spAutoFit/>
-          </a:bodyPr>
-          <a:lstStyle/>
-          <a:p>
-            <a:pPr algn="ctr"/>
-            <a:r>
-              <a:rPr lang="en-IN" sz="2800" dirty="0"/>
-              <a:t>&lt; </a:t>
-            </a:r>
-            <a:r>
-              <a:rPr lang="en-US" sz="2800" b="1" dirty="0">
-                <a:solidFill>
-                  <a:srgbClr val="000000"/>
-                </a:solidFill>
-                <a:latin typeface="Arial"/>
-                <a:ea typeface="Arial"/>
-                <a:cs typeface="Arial"/>
-                <a:sym typeface="Arial"/>
-              </a:rPr>
-              <a:t>3, 2, 1, 3, 4, 1, 6, 2</a:t>
-            </a:r>
-            <a:r>
-              <a:rPr lang="en-US" sz="2800" dirty="0">
-                <a:solidFill>
-                  <a:srgbClr val="000000"/>
-                </a:solidFill>
-                <a:latin typeface="Arial"/>
-                <a:ea typeface="Arial"/>
-                <a:cs typeface="Arial"/>
-                <a:sym typeface="Arial"/>
-              </a:rPr>
-              <a:t> </a:t>
-            </a:r>
-            <a:r>
-              <a:rPr lang="en-IN" sz="2800" b="0" i="0" dirty="0">
-                <a:solidFill>
-                  <a:srgbClr val="333333"/>
-                </a:solidFill>
-                <a:effectLst/>
-                <a:latin typeface="PT Serif" panose="020B0604020202020204" pitchFamily="18" charset="0"/>
-              </a:rPr>
-              <a:t>&gt;</a:t>
-            </a:r>
-            <a:endParaRPr lang="en-IN" sz="2800" dirty="0"/>
-          </a:p>
-        </p:txBody>
-      </p:sp>
-      <p:sp>
-        <p:nvSpPr>
-          <p:cNvPr id="6" name="TextBox 5">
-            <a:extLst>
-              <a:ext uri="{FF2B5EF4-FFF2-40B4-BE49-F238E27FC236}">
-                <a16:creationId xmlns:a16="http://schemas.microsoft.com/office/drawing/2014/main" id="{E7B064B5-176E-95A9-2BFD-91991122CD70}"/>
-              </a:ext>
-            </a:extLst>
-          </p:cNvPr>
-          <p:cNvSpPr txBox="1"/>
-          <p:nvPr/>
-        </p:nvSpPr>
-        <p:spPr>
-          <a:xfrm>
-            <a:off x="199147" y="3148930"/>
-            <a:ext cx="482886" cy="369332"/>
-          </a:xfrm>
-          <a:prstGeom prst="rect">
-            <a:avLst/>
-          </a:prstGeom>
-          <a:noFill/>
-        </p:spPr>
-        <p:txBody>
-          <a:bodyPr wrap="square" rtlCol="0">
-            <a:spAutoFit/>
-          </a:bodyPr>
-          <a:lstStyle/>
-          <a:p>
-            <a:r>
-              <a:rPr lang="en-IN" dirty="0"/>
-              <a:t>1</a:t>
-            </a:r>
-          </a:p>
-        </p:txBody>
-      </p:sp>
-      <p:sp>
-        <p:nvSpPr>
-          <p:cNvPr id="7" name="TextBox 6">
-            <a:extLst>
-              <a:ext uri="{FF2B5EF4-FFF2-40B4-BE49-F238E27FC236}">
-                <a16:creationId xmlns:a16="http://schemas.microsoft.com/office/drawing/2014/main" id="{577423C4-531B-FE6F-34FF-67E54E4595B4}"/>
-              </a:ext>
-            </a:extLst>
-          </p:cNvPr>
-          <p:cNvSpPr txBox="1"/>
-          <p:nvPr/>
-        </p:nvSpPr>
-        <p:spPr>
-          <a:xfrm>
-            <a:off x="203771" y="4795483"/>
-            <a:ext cx="482886" cy="369332"/>
-          </a:xfrm>
-          <a:prstGeom prst="rect">
-            <a:avLst/>
-          </a:prstGeom>
-          <a:noFill/>
-        </p:spPr>
-        <p:txBody>
-          <a:bodyPr wrap="square" rtlCol="0">
-            <a:spAutoFit/>
-          </a:bodyPr>
-          <a:lstStyle/>
-          <a:p>
-            <a:r>
-              <a:rPr lang="en-IN" dirty="0"/>
-              <a:t>3</a:t>
-            </a:r>
-          </a:p>
-        </p:txBody>
-      </p:sp>
-      <p:sp>
-        <p:nvSpPr>
-          <p:cNvPr id="8" name="TextBox 7">
-            <a:extLst>
-              <a:ext uri="{FF2B5EF4-FFF2-40B4-BE49-F238E27FC236}">
-                <a16:creationId xmlns:a16="http://schemas.microsoft.com/office/drawing/2014/main" id="{B733C093-C4F3-0294-F33F-96C5EF6CA314}"/>
-              </a:ext>
-            </a:extLst>
-          </p:cNvPr>
-          <p:cNvSpPr txBox="1"/>
-          <p:nvPr/>
-        </p:nvSpPr>
-        <p:spPr>
-          <a:xfrm>
-            <a:off x="199147" y="3944002"/>
-            <a:ext cx="482886" cy="369332"/>
-          </a:xfrm>
-          <a:prstGeom prst="rect">
-            <a:avLst/>
-          </a:prstGeom>
-          <a:noFill/>
-        </p:spPr>
-        <p:txBody>
-          <a:bodyPr wrap="square" rtlCol="0">
-            <a:spAutoFit/>
-          </a:bodyPr>
-          <a:lstStyle/>
-          <a:p>
-            <a:r>
-              <a:rPr lang="en-IN" dirty="0"/>
-              <a:t>2</a:t>
-            </a:r>
-          </a:p>
-        </p:txBody>
-      </p:sp>
-      <p:sp>
-        <p:nvSpPr>
-          <p:cNvPr id="9" name="TextBox 8">
-            <a:extLst>
-              <a:ext uri="{FF2B5EF4-FFF2-40B4-BE49-F238E27FC236}">
-                <a16:creationId xmlns:a16="http://schemas.microsoft.com/office/drawing/2014/main" id="{47A2D9E8-61C0-AE6E-98D5-8C59B7D1F7E7}"/>
-              </a:ext>
-            </a:extLst>
-          </p:cNvPr>
-          <p:cNvSpPr txBox="1"/>
-          <p:nvPr/>
-        </p:nvSpPr>
-        <p:spPr>
-          <a:xfrm>
-            <a:off x="-292556" y="3102763"/>
-            <a:ext cx="421240" cy="461665"/>
-          </a:xfrm>
-          <a:prstGeom prst="rect">
-            <a:avLst/>
-          </a:prstGeom>
-          <a:noFill/>
-        </p:spPr>
-        <p:txBody>
-          <a:bodyPr wrap="square" rtlCol="0">
-            <a:spAutoFit/>
-          </a:bodyPr>
-          <a:lstStyle/>
-          <a:p>
-            <a:r>
-              <a:rPr lang="en-IN" sz="2400" dirty="0"/>
-              <a:t>3</a:t>
-            </a:r>
-          </a:p>
-        </p:txBody>
-      </p:sp>
-      <p:sp>
-        <p:nvSpPr>
-          <p:cNvPr id="10" name="TextBox 9">
-            <a:extLst>
-              <a:ext uri="{FF2B5EF4-FFF2-40B4-BE49-F238E27FC236}">
-                <a16:creationId xmlns:a16="http://schemas.microsoft.com/office/drawing/2014/main" id="{CE22EAA6-F6EA-14D5-01CB-CB5D4FE1D92A}"/>
-              </a:ext>
-            </a:extLst>
-          </p:cNvPr>
-          <p:cNvSpPr txBox="1"/>
-          <p:nvPr/>
-        </p:nvSpPr>
-        <p:spPr>
-          <a:xfrm>
-            <a:off x="-310665" y="4749316"/>
-            <a:ext cx="421240" cy="461665"/>
-          </a:xfrm>
-          <a:prstGeom prst="rect">
-            <a:avLst/>
-          </a:prstGeom>
-          <a:noFill/>
-        </p:spPr>
-        <p:txBody>
-          <a:bodyPr wrap="square" rtlCol="0">
-            <a:spAutoFit/>
-          </a:bodyPr>
-          <a:lstStyle/>
-          <a:p>
-            <a:r>
-              <a:rPr lang="en-IN" sz="2400" dirty="0"/>
-              <a:t>1</a:t>
-            </a:r>
-          </a:p>
-        </p:txBody>
-      </p:sp>
-      <p:sp>
-        <p:nvSpPr>
-          <p:cNvPr id="11" name="TextBox 10">
-            <a:extLst>
-              <a:ext uri="{FF2B5EF4-FFF2-40B4-BE49-F238E27FC236}">
-                <a16:creationId xmlns:a16="http://schemas.microsoft.com/office/drawing/2014/main" id="{9F4F963C-FAAC-F687-6D40-33ADD33E3B31}"/>
-              </a:ext>
-            </a:extLst>
-          </p:cNvPr>
-          <p:cNvSpPr txBox="1"/>
-          <p:nvPr/>
-        </p:nvSpPr>
-        <p:spPr>
-          <a:xfrm>
-            <a:off x="-503176" y="3897835"/>
-            <a:ext cx="421240" cy="461665"/>
-          </a:xfrm>
-          <a:prstGeom prst="rect">
-            <a:avLst/>
-          </a:prstGeom>
-          <a:noFill/>
-        </p:spPr>
-        <p:txBody>
-          <a:bodyPr wrap="square" rtlCol="0">
-            <a:spAutoFit/>
-          </a:bodyPr>
-          <a:lstStyle/>
-          <a:p>
-            <a:r>
-              <a:rPr lang="en-IN" sz="2400" dirty="0"/>
-              <a:t>2</a:t>
-            </a:r>
-          </a:p>
-        </p:txBody>
-      </p:sp>
-      <p:sp>
-        <p:nvSpPr>
-          <p:cNvPr id="12" name="TextBox 11">
-            <a:extLst>
-              <a:ext uri="{FF2B5EF4-FFF2-40B4-BE49-F238E27FC236}">
-                <a16:creationId xmlns:a16="http://schemas.microsoft.com/office/drawing/2014/main" id="{2F07EA2A-05A7-D3CA-A2E7-0AB4A396863A}"/>
-              </a:ext>
-            </a:extLst>
-          </p:cNvPr>
-          <p:cNvSpPr txBox="1"/>
-          <p:nvPr/>
-        </p:nvSpPr>
-        <p:spPr>
-          <a:xfrm>
-            <a:off x="-644103" y="3102762"/>
-            <a:ext cx="421240" cy="461665"/>
-          </a:xfrm>
-          <a:prstGeom prst="rect">
-            <a:avLst/>
-          </a:prstGeom>
-          <a:noFill/>
-        </p:spPr>
-        <p:txBody>
-          <a:bodyPr wrap="square" rtlCol="0">
-            <a:spAutoFit/>
-          </a:bodyPr>
-          <a:lstStyle/>
-          <a:p>
-            <a:r>
-              <a:rPr lang="en-IN" sz="2400" dirty="0"/>
-              <a:t>3</a:t>
-            </a:r>
-          </a:p>
-        </p:txBody>
-      </p:sp>
-      <p:sp>
-        <p:nvSpPr>
-          <p:cNvPr id="13" name="TextBox 12">
-            <a:extLst>
-              <a:ext uri="{FF2B5EF4-FFF2-40B4-BE49-F238E27FC236}">
-                <a16:creationId xmlns:a16="http://schemas.microsoft.com/office/drawing/2014/main" id="{A380C566-F1CE-AD81-2C3D-EF79B2A75C59}"/>
-              </a:ext>
-            </a:extLst>
-          </p:cNvPr>
-          <p:cNvSpPr txBox="1"/>
-          <p:nvPr/>
-        </p:nvSpPr>
-        <p:spPr>
-          <a:xfrm>
-            <a:off x="-310665" y="3897835"/>
-            <a:ext cx="421240" cy="461665"/>
-          </a:xfrm>
-          <a:prstGeom prst="rect">
-            <a:avLst/>
-          </a:prstGeom>
-          <a:noFill/>
-        </p:spPr>
-        <p:txBody>
-          <a:bodyPr wrap="square" rtlCol="0">
-            <a:spAutoFit/>
-          </a:bodyPr>
-          <a:lstStyle/>
-          <a:p>
-            <a:r>
-              <a:rPr lang="en-IN" sz="2400" dirty="0"/>
-              <a:t>2</a:t>
-            </a:r>
-          </a:p>
-        </p:txBody>
-      </p:sp>
-      <p:sp>
-        <p:nvSpPr>
-          <p:cNvPr id="14" name="TextBox 13">
-            <a:extLst>
-              <a:ext uri="{FF2B5EF4-FFF2-40B4-BE49-F238E27FC236}">
-                <a16:creationId xmlns:a16="http://schemas.microsoft.com/office/drawing/2014/main" id="{1291E6CB-5598-024B-C590-AE11317BE5AF}"/>
-              </a:ext>
-            </a:extLst>
-          </p:cNvPr>
-          <p:cNvSpPr txBox="1"/>
-          <p:nvPr/>
-        </p:nvSpPr>
-        <p:spPr>
-          <a:xfrm>
-            <a:off x="-481899" y="3102763"/>
-            <a:ext cx="421240" cy="461665"/>
-          </a:xfrm>
-          <a:prstGeom prst="rect">
-            <a:avLst/>
-          </a:prstGeom>
-          <a:noFill/>
-        </p:spPr>
-        <p:txBody>
-          <a:bodyPr wrap="square" rtlCol="0">
-            <a:spAutoFit/>
-          </a:bodyPr>
-          <a:lstStyle/>
-          <a:p>
-            <a:r>
-              <a:rPr lang="en-IN" sz="2400" dirty="0"/>
-              <a:t>3</a:t>
-            </a:r>
-          </a:p>
-        </p:txBody>
-      </p:sp>
-      <p:sp>
-        <p:nvSpPr>
-          <p:cNvPr id="15" name="TextBox 14">
-            <a:extLst>
-              <a:ext uri="{FF2B5EF4-FFF2-40B4-BE49-F238E27FC236}">
-                <a16:creationId xmlns:a16="http://schemas.microsoft.com/office/drawing/2014/main" id="{3BA2CFE5-B8A4-1584-2538-FF1868B47F1F}"/>
-              </a:ext>
-            </a:extLst>
-          </p:cNvPr>
-          <p:cNvSpPr txBox="1"/>
-          <p:nvPr/>
-        </p:nvSpPr>
-        <p:spPr>
-          <a:xfrm>
-            <a:off x="-720560" y="4749315"/>
-            <a:ext cx="421240" cy="461665"/>
-          </a:xfrm>
-          <a:prstGeom prst="rect">
-            <a:avLst/>
-          </a:prstGeom>
-          <a:noFill/>
-        </p:spPr>
-        <p:txBody>
-          <a:bodyPr wrap="square" rtlCol="0">
-            <a:spAutoFit/>
-          </a:bodyPr>
-          <a:lstStyle/>
-          <a:p>
-            <a:r>
-              <a:rPr lang="en-IN" sz="2400" dirty="0"/>
-              <a:t>1</a:t>
-            </a:r>
-          </a:p>
-        </p:txBody>
-      </p:sp>
-      <p:sp>
-        <p:nvSpPr>
-          <p:cNvPr id="16" name="TextBox 15">
-            <a:extLst>
-              <a:ext uri="{FF2B5EF4-FFF2-40B4-BE49-F238E27FC236}">
-                <a16:creationId xmlns:a16="http://schemas.microsoft.com/office/drawing/2014/main" id="{8530E749-4692-D5BD-1BCF-507327270505}"/>
-              </a:ext>
-            </a:extLst>
-          </p:cNvPr>
-          <p:cNvSpPr txBox="1"/>
-          <p:nvPr/>
-        </p:nvSpPr>
-        <p:spPr>
-          <a:xfrm>
-            <a:off x="-462080" y="4749316"/>
-            <a:ext cx="421240" cy="461665"/>
-          </a:xfrm>
-          <a:prstGeom prst="rect">
-            <a:avLst/>
-          </a:prstGeom>
-          <a:noFill/>
-        </p:spPr>
-        <p:txBody>
-          <a:bodyPr wrap="square" rtlCol="0">
-            <a:spAutoFit/>
-          </a:bodyPr>
-          <a:lstStyle/>
-          <a:p>
-            <a:r>
-              <a:rPr lang="en-IN" sz="2400" dirty="0"/>
-              <a:t>1</a:t>
-            </a:r>
-          </a:p>
-        </p:txBody>
-      </p:sp>
-      <p:sp>
-        <p:nvSpPr>
-          <p:cNvPr id="17" name="TextBox 16">
-            <a:extLst>
-              <a:ext uri="{FF2B5EF4-FFF2-40B4-BE49-F238E27FC236}">
-                <a16:creationId xmlns:a16="http://schemas.microsoft.com/office/drawing/2014/main" id="{EC1AB392-8910-39F8-CB7C-DDF4A55F451B}"/>
-              </a:ext>
-            </a:extLst>
-          </p:cNvPr>
-          <p:cNvSpPr txBox="1"/>
-          <p:nvPr/>
-        </p:nvSpPr>
-        <p:spPr>
-          <a:xfrm>
-            <a:off x="-669510" y="3897835"/>
-            <a:ext cx="421240" cy="461665"/>
-          </a:xfrm>
-          <a:prstGeom prst="rect">
-            <a:avLst/>
-          </a:prstGeom>
-          <a:noFill/>
-        </p:spPr>
-        <p:txBody>
-          <a:bodyPr wrap="square" rtlCol="0">
-            <a:spAutoFit/>
-          </a:bodyPr>
-          <a:lstStyle/>
-          <a:p>
-            <a:r>
-              <a:rPr lang="en-IN" sz="2400" dirty="0"/>
-              <a:t>2</a:t>
-            </a:r>
-          </a:p>
-        </p:txBody>
-      </p:sp>
-      <p:sp>
-        <p:nvSpPr>
-          <p:cNvPr id="18" name="TextBox 17">
-            <a:extLst>
-              <a:ext uri="{FF2B5EF4-FFF2-40B4-BE49-F238E27FC236}">
-                <a16:creationId xmlns:a16="http://schemas.microsoft.com/office/drawing/2014/main" id="{A67AD823-5F2F-0954-999C-E1B622F9AB47}"/>
-              </a:ext>
-            </a:extLst>
-          </p:cNvPr>
-          <p:cNvSpPr txBox="1"/>
-          <p:nvPr/>
-        </p:nvSpPr>
-        <p:spPr>
-          <a:xfrm>
-            <a:off x="-834645" y="3102762"/>
-            <a:ext cx="421240" cy="461665"/>
-          </a:xfrm>
-          <a:prstGeom prst="rect">
-            <a:avLst/>
-          </a:prstGeom>
-          <a:noFill/>
-        </p:spPr>
-        <p:txBody>
-          <a:bodyPr wrap="square" rtlCol="0">
-            <a:spAutoFit/>
-          </a:bodyPr>
-          <a:lstStyle/>
-          <a:p>
-            <a:r>
-              <a:rPr lang="en-IN" sz="2400" dirty="0"/>
-              <a:t>3</a:t>
-            </a:r>
-          </a:p>
-        </p:txBody>
-      </p:sp>
-      <p:sp>
-        <p:nvSpPr>
-          <p:cNvPr id="19" name="TextBox 18">
-            <a:extLst>
-              <a:ext uri="{FF2B5EF4-FFF2-40B4-BE49-F238E27FC236}">
-                <a16:creationId xmlns:a16="http://schemas.microsoft.com/office/drawing/2014/main" id="{F876DFB7-6DF0-7830-6E68-7A65DADA3BCA}"/>
-              </a:ext>
-            </a:extLst>
-          </p:cNvPr>
-          <p:cNvSpPr txBox="1"/>
-          <p:nvPr/>
-        </p:nvSpPr>
-        <p:spPr>
-          <a:xfrm>
-            <a:off x="-1039379" y="3897834"/>
-            <a:ext cx="421240" cy="461665"/>
-          </a:xfrm>
-          <a:prstGeom prst="rect">
-            <a:avLst/>
-          </a:prstGeom>
-          <a:noFill/>
-        </p:spPr>
-        <p:txBody>
-          <a:bodyPr wrap="square" rtlCol="0">
-            <a:spAutoFit/>
-          </a:bodyPr>
-          <a:lstStyle/>
-          <a:p>
-            <a:r>
-              <a:rPr lang="en-IN" sz="2400" dirty="0"/>
-              <a:t>4</a:t>
-            </a:r>
-          </a:p>
-        </p:txBody>
-      </p:sp>
-      <p:sp>
-        <p:nvSpPr>
-          <p:cNvPr id="20" name="TextBox 19">
-            <a:extLst>
-              <a:ext uri="{FF2B5EF4-FFF2-40B4-BE49-F238E27FC236}">
-                <a16:creationId xmlns:a16="http://schemas.microsoft.com/office/drawing/2014/main" id="{DF777DE3-EAC9-9EA5-0FE5-BA99A047738D}"/>
-              </a:ext>
-            </a:extLst>
-          </p:cNvPr>
-          <p:cNvSpPr txBox="1"/>
-          <p:nvPr/>
-        </p:nvSpPr>
-        <p:spPr>
-          <a:xfrm>
-            <a:off x="-1196469" y="3102761"/>
-            <a:ext cx="421240" cy="461665"/>
-          </a:xfrm>
-          <a:prstGeom prst="rect">
-            <a:avLst/>
-          </a:prstGeom>
-          <a:noFill/>
-        </p:spPr>
-        <p:txBody>
-          <a:bodyPr wrap="square" rtlCol="0">
-            <a:spAutoFit/>
-          </a:bodyPr>
-          <a:lstStyle/>
-          <a:p>
-            <a:r>
-              <a:rPr lang="en-IN" sz="2400" dirty="0"/>
-              <a:t>3</a:t>
-            </a:r>
-          </a:p>
-        </p:txBody>
-      </p:sp>
-      <p:sp>
-        <p:nvSpPr>
-          <p:cNvPr id="21" name="TextBox 20">
-            <a:extLst>
-              <a:ext uri="{FF2B5EF4-FFF2-40B4-BE49-F238E27FC236}">
-                <a16:creationId xmlns:a16="http://schemas.microsoft.com/office/drawing/2014/main" id="{44EFDAB6-E0D3-1C35-E65F-CB5B238AE563}"/>
-              </a:ext>
-            </a:extLst>
-          </p:cNvPr>
-          <p:cNvSpPr txBox="1"/>
-          <p:nvPr/>
-        </p:nvSpPr>
-        <p:spPr>
-          <a:xfrm>
-            <a:off x="-589917" y="4749316"/>
-            <a:ext cx="421240" cy="461665"/>
-          </a:xfrm>
-          <a:prstGeom prst="rect">
-            <a:avLst/>
-          </a:prstGeom>
-          <a:noFill/>
-        </p:spPr>
-        <p:txBody>
-          <a:bodyPr wrap="square" rtlCol="0">
-            <a:spAutoFit/>
-          </a:bodyPr>
-          <a:lstStyle/>
-          <a:p>
-            <a:r>
-              <a:rPr lang="en-IN" sz="2400" dirty="0"/>
-              <a:t>1</a:t>
-            </a:r>
-          </a:p>
-        </p:txBody>
-      </p:sp>
-      <p:sp>
-        <p:nvSpPr>
-          <p:cNvPr id="22" name="TextBox 21">
-            <a:extLst>
-              <a:ext uri="{FF2B5EF4-FFF2-40B4-BE49-F238E27FC236}">
-                <a16:creationId xmlns:a16="http://schemas.microsoft.com/office/drawing/2014/main" id="{A375F974-8865-2749-F029-BDFAC8646171}"/>
-              </a:ext>
-            </a:extLst>
-          </p:cNvPr>
-          <p:cNvSpPr txBox="1"/>
-          <p:nvPr/>
-        </p:nvSpPr>
-        <p:spPr>
-          <a:xfrm>
-            <a:off x="-860308" y="3897834"/>
-            <a:ext cx="421240" cy="461665"/>
-          </a:xfrm>
-          <a:prstGeom prst="rect">
-            <a:avLst/>
-          </a:prstGeom>
-          <a:noFill/>
-        </p:spPr>
-        <p:txBody>
-          <a:bodyPr wrap="square" rtlCol="0">
-            <a:spAutoFit/>
-          </a:bodyPr>
-          <a:lstStyle/>
-          <a:p>
-            <a:r>
-              <a:rPr lang="en-IN" sz="2400" dirty="0"/>
-              <a:t>4</a:t>
-            </a:r>
-          </a:p>
-        </p:txBody>
-      </p:sp>
-      <p:sp>
-        <p:nvSpPr>
-          <p:cNvPr id="23" name="TextBox 22">
-            <a:extLst>
-              <a:ext uri="{FF2B5EF4-FFF2-40B4-BE49-F238E27FC236}">
-                <a16:creationId xmlns:a16="http://schemas.microsoft.com/office/drawing/2014/main" id="{7506D045-CC34-7A76-008E-F7F4CC782BAD}"/>
-              </a:ext>
-            </a:extLst>
-          </p:cNvPr>
-          <p:cNvSpPr txBox="1"/>
-          <p:nvPr/>
-        </p:nvSpPr>
-        <p:spPr>
-          <a:xfrm>
-            <a:off x="-1025703" y="3091725"/>
-            <a:ext cx="421240" cy="461665"/>
-          </a:xfrm>
-          <a:prstGeom prst="rect">
-            <a:avLst/>
-          </a:prstGeom>
-          <a:noFill/>
-        </p:spPr>
-        <p:txBody>
-          <a:bodyPr wrap="square" rtlCol="0">
-            <a:spAutoFit/>
-          </a:bodyPr>
-          <a:lstStyle/>
-          <a:p>
-            <a:r>
-              <a:rPr lang="en-IN" sz="2400" dirty="0"/>
-              <a:t>3</a:t>
-            </a:r>
-          </a:p>
-        </p:txBody>
-      </p:sp>
-      <p:sp>
-        <p:nvSpPr>
-          <p:cNvPr id="24" name="TextBox 23">
-            <a:extLst>
-              <a:ext uri="{FF2B5EF4-FFF2-40B4-BE49-F238E27FC236}">
-                <a16:creationId xmlns:a16="http://schemas.microsoft.com/office/drawing/2014/main" id="{72D79CBA-CF9D-98F3-2E55-5F67F5E128DE}"/>
-              </a:ext>
-            </a:extLst>
-          </p:cNvPr>
-          <p:cNvSpPr txBox="1"/>
-          <p:nvPr/>
-        </p:nvSpPr>
-        <p:spPr>
-          <a:xfrm>
-            <a:off x="-1394973" y="3897833"/>
-            <a:ext cx="421240" cy="461665"/>
-          </a:xfrm>
-          <a:prstGeom prst="rect">
-            <a:avLst/>
-          </a:prstGeom>
-          <a:noFill/>
-        </p:spPr>
-        <p:txBody>
-          <a:bodyPr wrap="square" rtlCol="0">
-            <a:spAutoFit/>
-          </a:bodyPr>
-          <a:lstStyle/>
-          <a:p>
-            <a:r>
-              <a:rPr lang="en-IN" sz="2400" dirty="0"/>
-              <a:t>2</a:t>
-            </a:r>
-          </a:p>
-        </p:txBody>
-      </p:sp>
-      <p:sp>
-        <p:nvSpPr>
-          <p:cNvPr id="25" name="TextBox 24">
-            <a:extLst>
-              <a:ext uri="{FF2B5EF4-FFF2-40B4-BE49-F238E27FC236}">
-                <a16:creationId xmlns:a16="http://schemas.microsoft.com/office/drawing/2014/main" id="{B97EEA9E-F3AF-A6E7-CBDF-989C8478F6F7}"/>
-              </a:ext>
-            </a:extLst>
-          </p:cNvPr>
-          <p:cNvSpPr txBox="1"/>
-          <p:nvPr/>
-        </p:nvSpPr>
-        <p:spPr>
-          <a:xfrm>
-            <a:off x="-849607" y="4749314"/>
-            <a:ext cx="421240" cy="461665"/>
-          </a:xfrm>
-          <a:prstGeom prst="rect">
-            <a:avLst/>
-          </a:prstGeom>
-          <a:noFill/>
-        </p:spPr>
-        <p:txBody>
-          <a:bodyPr wrap="square" rtlCol="0">
-            <a:spAutoFit/>
-          </a:bodyPr>
-          <a:lstStyle/>
-          <a:p>
-            <a:r>
-              <a:rPr lang="en-IN" sz="2400" dirty="0"/>
-              <a:t>1</a:t>
-            </a:r>
-          </a:p>
-        </p:txBody>
-      </p:sp>
-      <p:sp>
-        <p:nvSpPr>
-          <p:cNvPr id="26" name="TextBox 25">
-            <a:extLst>
-              <a:ext uri="{FF2B5EF4-FFF2-40B4-BE49-F238E27FC236}">
-                <a16:creationId xmlns:a16="http://schemas.microsoft.com/office/drawing/2014/main" id="{5890B4EF-4E11-78F7-FD11-1E5A0D6F4B72}"/>
-              </a:ext>
-            </a:extLst>
-          </p:cNvPr>
-          <p:cNvSpPr txBox="1"/>
-          <p:nvPr/>
-        </p:nvSpPr>
-        <p:spPr>
-          <a:xfrm>
-            <a:off x="-959027" y="4749314"/>
-            <a:ext cx="421240" cy="461665"/>
-          </a:xfrm>
-          <a:prstGeom prst="rect">
-            <a:avLst/>
-          </a:prstGeom>
-          <a:noFill/>
-        </p:spPr>
-        <p:txBody>
-          <a:bodyPr wrap="square" rtlCol="0">
-            <a:spAutoFit/>
-          </a:bodyPr>
-          <a:lstStyle/>
-          <a:p>
-            <a:r>
-              <a:rPr lang="en-IN" sz="2400" dirty="0"/>
-              <a:t>1</a:t>
-            </a:r>
-          </a:p>
-        </p:txBody>
-      </p:sp>
-      <p:sp>
-        <p:nvSpPr>
-          <p:cNvPr id="27" name="TextBox 26">
-            <a:extLst>
-              <a:ext uri="{FF2B5EF4-FFF2-40B4-BE49-F238E27FC236}">
-                <a16:creationId xmlns:a16="http://schemas.microsoft.com/office/drawing/2014/main" id="{6F2A2BA2-C4A9-7432-D153-D00AB19ED09B}"/>
-              </a:ext>
-            </a:extLst>
-          </p:cNvPr>
-          <p:cNvSpPr txBox="1"/>
-          <p:nvPr/>
-        </p:nvSpPr>
-        <p:spPr>
-          <a:xfrm>
-            <a:off x="-1234996" y="3897834"/>
-            <a:ext cx="421240" cy="461665"/>
-          </a:xfrm>
-          <a:prstGeom prst="rect">
-            <a:avLst/>
-          </a:prstGeom>
-          <a:noFill/>
-        </p:spPr>
-        <p:txBody>
-          <a:bodyPr wrap="square" rtlCol="0">
-            <a:spAutoFit/>
-          </a:bodyPr>
-          <a:lstStyle/>
-          <a:p>
-            <a:r>
-              <a:rPr lang="en-IN" sz="2400" dirty="0"/>
-              <a:t>4</a:t>
-            </a:r>
-          </a:p>
-        </p:txBody>
-      </p:sp>
-      <p:sp>
-        <p:nvSpPr>
-          <p:cNvPr id="28" name="TextBox 27">
-            <a:extLst>
-              <a:ext uri="{FF2B5EF4-FFF2-40B4-BE49-F238E27FC236}">
-                <a16:creationId xmlns:a16="http://schemas.microsoft.com/office/drawing/2014/main" id="{C6857890-957F-EE30-1176-812BFD53FFCF}"/>
-              </a:ext>
-            </a:extLst>
-          </p:cNvPr>
-          <p:cNvSpPr txBox="1"/>
-          <p:nvPr/>
-        </p:nvSpPr>
-        <p:spPr>
-          <a:xfrm>
-            <a:off x="-1548943" y="3080687"/>
-            <a:ext cx="421240" cy="461665"/>
-          </a:xfrm>
-          <a:prstGeom prst="rect">
-            <a:avLst/>
-          </a:prstGeom>
-          <a:noFill/>
-        </p:spPr>
-        <p:txBody>
-          <a:bodyPr wrap="square" rtlCol="0">
-            <a:spAutoFit/>
-          </a:bodyPr>
-          <a:lstStyle/>
-          <a:p>
-            <a:r>
-              <a:rPr lang="en-IN" sz="2400" dirty="0"/>
-              <a:t>6</a:t>
-            </a:r>
-          </a:p>
-        </p:txBody>
-      </p:sp>
-      <p:sp>
-        <p:nvSpPr>
-          <p:cNvPr id="29" name="TextBox 28">
-            <a:extLst>
-              <a:ext uri="{FF2B5EF4-FFF2-40B4-BE49-F238E27FC236}">
-                <a16:creationId xmlns:a16="http://schemas.microsoft.com/office/drawing/2014/main" id="{1B85E9F0-EF1E-88E0-F6E1-5B05A0D938A1}"/>
-              </a:ext>
-            </a:extLst>
-          </p:cNvPr>
-          <p:cNvSpPr txBox="1"/>
-          <p:nvPr/>
-        </p:nvSpPr>
-        <p:spPr>
-          <a:xfrm>
-            <a:off x="-1361346" y="3091724"/>
-            <a:ext cx="421240" cy="461665"/>
-          </a:xfrm>
-          <a:prstGeom prst="rect">
-            <a:avLst/>
-          </a:prstGeom>
-          <a:noFill/>
-        </p:spPr>
-        <p:txBody>
-          <a:bodyPr wrap="square" rtlCol="0">
-            <a:spAutoFit/>
-          </a:bodyPr>
-          <a:lstStyle/>
-          <a:p>
-            <a:r>
-              <a:rPr lang="en-IN" sz="2400" dirty="0"/>
-              <a:t>6</a:t>
-            </a:r>
-          </a:p>
-        </p:txBody>
-      </p:sp>
-    </p:spTree>
-    <p:extLst>
-      <p:ext uri="{BB962C8B-B14F-4D97-AF65-F5344CB8AC3E}">
-        <p14:creationId xmlns:p14="http://schemas.microsoft.com/office/powerpoint/2010/main" val="3582010604"/>
-      </p:ext>
-    </p:extLst>
-  </p:cSld>
-  <p:clrMapOvr>
-    <a:masterClrMapping/>
-  </p:clrMapOvr>
-  <p:timing>
-    <p:tnLst>
-      <p:par>
-        <p:cTn id="1" dur="indefinite" restart="never" nodeType="tmRoot">
-          <p:childTnLst>
-            <p:seq concurrent="1" nextAc="seek">
-              <p:cTn id="2" dur="indefinite" nodeType="mainSeq">
-                <p:childTnLst>
-                  <p:par>
-                    <p:cTn id="3" fill="hold">
-                      <p:stCondLst>
-                        <p:cond delay="indefinite"/>
-                      </p:stCondLst>
-                      <p:childTnLst>
-                        <p:par>
-                          <p:cTn id="4" fill="hold">
-                            <p:stCondLst>
-                              <p:cond delay="0"/>
-                            </p:stCondLst>
-                            <p:childTnLst>
-                              <p:par>
-                                <p:cTn id="5" presetID="42" presetClass="path" presetSubtype="0" accel="50000" decel="50000" fill="hold" grpId="0" nodeType="clickEffect">
-                                  <p:stCondLst>
-                                    <p:cond delay="0"/>
-                                  </p:stCondLst>
-                                  <p:childTnLst>
-                                    <p:animMotion origin="layout" path="M 4.16667E-6 3.7037E-7 L 0.16614 -0.00347 " pathEditMode="relative" rAng="0" ptsTypes="AA">
-                                      <p:cBhvr>
-                                        <p:cTn id="6" dur="2000" fill="hold"/>
-                                        <p:tgtEl>
-                                          <p:spTgt spid="9"/>
-                                        </p:tgtEl>
-                                        <p:attrNameLst>
-                                          <p:attrName>ppt_x</p:attrName>
-                                          <p:attrName>ppt_y</p:attrName>
-                                        </p:attrNameLst>
-                                      </p:cBhvr>
-                                      <p:rCtr x="8299" y="-185"/>
-                                    </p:animMotion>
-                                  </p:childTnLst>
-                                </p:cTn>
-                              </p:par>
-                            </p:childTnLst>
-                          </p:cTn>
-                        </p:par>
-                      </p:childTnLst>
-                    </p:cTn>
-                  </p:par>
-                  <p:par>
-                    <p:cTn id="7" fill="hold">
-                      <p:stCondLst>
-                        <p:cond delay="indefinite"/>
-                      </p:stCondLst>
-                      <p:childTnLst>
-                        <p:par>
-                          <p:cTn id="8" fill="hold">
-                            <p:stCondLst>
-                              <p:cond delay="0"/>
-                            </p:stCondLst>
-                            <p:childTnLst>
-                              <p:par>
-                                <p:cTn id="9" presetID="42" presetClass="path" presetSubtype="0" accel="50000" decel="50000" fill="hold" grpId="0" nodeType="clickEffect">
-                                  <p:stCondLst>
-                                    <p:cond delay="0"/>
-                                  </p:stCondLst>
-                                  <p:childTnLst>
-                                    <p:animMotion origin="layout" path="M -2.5E-6 3.7037E-7 L 0.29705 -0.00509 " pathEditMode="relative" rAng="0" ptsTypes="AA">
-                                      <p:cBhvr>
-                                        <p:cTn id="10" dur="2000" fill="hold"/>
-                                        <p:tgtEl>
-                                          <p:spTgt spid="14"/>
-                                        </p:tgtEl>
-                                        <p:attrNameLst>
-                                          <p:attrName>ppt_x</p:attrName>
-                                          <p:attrName>ppt_y</p:attrName>
-                                        </p:attrNameLst>
-                                      </p:cBhvr>
-                                      <p:rCtr x="14844" y="-255"/>
-                                    </p:animMotion>
-                                  </p:childTnLst>
-                                </p:cTn>
-                              </p:par>
-                            </p:childTnLst>
-                          </p:cTn>
-                        </p:par>
-                      </p:childTnLst>
-                    </p:cTn>
-                  </p:par>
-                  <p:par>
-                    <p:cTn id="11" fill="hold">
-                      <p:stCondLst>
-                        <p:cond delay="indefinite"/>
-                      </p:stCondLst>
-                      <p:childTnLst>
-                        <p:par>
-                          <p:cTn id="12" fill="hold">
-                            <p:stCondLst>
-                              <p:cond delay="0"/>
-                            </p:stCondLst>
-                            <p:childTnLst>
-                              <p:par>
-                                <p:cTn id="13" presetID="42" presetClass="path" presetSubtype="0" accel="50000" decel="50000" fill="hold" grpId="0" nodeType="clickEffect">
-                                  <p:stCondLst>
-                                    <p:cond delay="0"/>
-                                  </p:stCondLst>
-                                  <p:childTnLst>
-                                    <p:animMotion origin="layout" path="M -2.5E-6 -1.85185E-6 L 0.2783 0.00046 " pathEditMode="relative" rAng="0" ptsTypes="AA">
-                                      <p:cBhvr>
-                                        <p:cTn id="14" dur="2000" fill="hold"/>
-                                        <p:tgtEl>
-                                          <p:spTgt spid="13"/>
-                                        </p:tgtEl>
-                                        <p:attrNameLst>
-                                          <p:attrName>ppt_x</p:attrName>
-                                          <p:attrName>ppt_y</p:attrName>
-                                        </p:attrNameLst>
-                                      </p:cBhvr>
-                                      <p:rCtr x="13906" y="23"/>
-                                    </p:animMotion>
-                                  </p:childTnLst>
-                                </p:cTn>
-                              </p:par>
-                            </p:childTnLst>
-                          </p:cTn>
-                        </p:par>
-                      </p:childTnLst>
-                    </p:cTn>
-                  </p:par>
-                  <p:par>
-                    <p:cTn id="15" fill="hold">
-                      <p:stCondLst>
-                        <p:cond delay="indefinite"/>
-                      </p:stCondLst>
-                      <p:childTnLst>
-                        <p:par>
-                          <p:cTn id="16" fill="hold">
-                            <p:stCondLst>
-                              <p:cond delay="0"/>
-                            </p:stCondLst>
-                            <p:childTnLst>
-                              <p:par>
-                                <p:cTn id="17" presetID="42" presetClass="path" presetSubtype="0" accel="50000" decel="50000" fill="hold" grpId="0" nodeType="clickEffect">
-                                  <p:stCondLst>
-                                    <p:cond delay="0"/>
-                                  </p:stCondLst>
-                                  <p:childTnLst>
-                                    <p:animMotion origin="layout" path="M -4.16667E-6 3.7037E-7 L 0.41598 -0.00509 " pathEditMode="relative" rAng="0" ptsTypes="AA">
-                                      <p:cBhvr>
-                                        <p:cTn id="18" dur="2000" fill="hold"/>
-                                        <p:tgtEl>
-                                          <p:spTgt spid="12"/>
-                                        </p:tgtEl>
-                                        <p:attrNameLst>
-                                          <p:attrName>ppt_x</p:attrName>
-                                          <p:attrName>ppt_y</p:attrName>
-                                        </p:attrNameLst>
-                                      </p:cBhvr>
-                                      <p:rCtr x="20799" y="-255"/>
-                                    </p:animMotion>
-                                  </p:childTnLst>
-                                </p:cTn>
-                              </p:par>
-                            </p:childTnLst>
-                          </p:cTn>
-                        </p:par>
-                      </p:childTnLst>
-                    </p:cTn>
-                  </p:par>
-                  <p:par>
-                    <p:cTn id="19" fill="hold">
-                      <p:stCondLst>
-                        <p:cond delay="indefinite"/>
-                      </p:stCondLst>
-                      <p:childTnLst>
-                        <p:par>
-                          <p:cTn id="20" fill="hold">
-                            <p:stCondLst>
-                              <p:cond delay="0"/>
-                            </p:stCondLst>
-                            <p:childTnLst>
-                              <p:par>
-                                <p:cTn id="21" presetID="42" presetClass="path" presetSubtype="0" accel="50000" decel="50000" fill="hold" grpId="0" nodeType="clickEffect">
-                                  <p:stCondLst>
-                                    <p:cond delay="0"/>
-                                  </p:stCondLst>
-                                  <p:childTnLst>
-                                    <p:animMotion origin="layout" path="M 4.44444E-6 -1.85185E-6 L 0.40503 -0.00116 " pathEditMode="relative" rAng="0" ptsTypes="AA">
-                                      <p:cBhvr>
-                                        <p:cTn id="22" dur="2000" fill="hold"/>
-                                        <p:tgtEl>
-                                          <p:spTgt spid="11"/>
-                                        </p:tgtEl>
-                                        <p:attrNameLst>
-                                          <p:attrName>ppt_x</p:attrName>
-                                          <p:attrName>ppt_y</p:attrName>
-                                        </p:attrNameLst>
-                                      </p:cBhvr>
-                                      <p:rCtr x="20243" y="-69"/>
-                                    </p:animMotion>
-                                  </p:childTnLst>
-                                </p:cTn>
-                              </p:par>
-                            </p:childTnLst>
-                          </p:cTn>
-                        </p:par>
-                      </p:childTnLst>
-                    </p:cTn>
-                  </p:par>
-                  <p:par>
-                    <p:cTn id="23" fill="hold">
-                      <p:stCondLst>
-                        <p:cond delay="indefinite"/>
-                      </p:stCondLst>
-                      <p:childTnLst>
-                        <p:par>
-                          <p:cTn id="24" fill="hold">
-                            <p:stCondLst>
-                              <p:cond delay="0"/>
-                            </p:stCondLst>
-                            <p:childTnLst>
-                              <p:par>
-                                <p:cTn id="25" presetID="42" presetClass="path" presetSubtype="0" accel="50000" decel="50000" fill="hold" grpId="0" nodeType="clickEffect">
-                                  <p:stCondLst>
-                                    <p:cond delay="0"/>
-                                  </p:stCondLst>
-                                  <p:childTnLst>
-                                    <p:animMotion origin="layout" path="M -2.5E-6 2.59259E-6 L 0.38733 -0.00417 " pathEditMode="relative" rAng="0" ptsTypes="AA">
-                                      <p:cBhvr>
-                                        <p:cTn id="26" dur="2000" fill="hold"/>
-                                        <p:tgtEl>
-                                          <p:spTgt spid="10"/>
-                                        </p:tgtEl>
-                                        <p:attrNameLst>
-                                          <p:attrName>ppt_x</p:attrName>
-                                          <p:attrName>ppt_y</p:attrName>
-                                        </p:attrNameLst>
-                                      </p:cBhvr>
-                                      <p:rCtr x="19358" y="-208"/>
-                                    </p:animMotion>
-                                  </p:childTnLst>
-                                </p:cTn>
-                              </p:par>
-                            </p:childTnLst>
-                          </p:cTn>
-                        </p:par>
-                      </p:childTnLst>
-                    </p:cTn>
-                  </p:par>
-                  <p:par>
-                    <p:cTn id="27" fill="hold">
-                      <p:stCondLst>
-                        <p:cond delay="indefinite"/>
-                      </p:stCondLst>
-                      <p:childTnLst>
-                        <p:par>
-                          <p:cTn id="28" fill="hold">
-                            <p:stCondLst>
-                              <p:cond delay="0"/>
-                            </p:stCondLst>
-                            <p:childTnLst>
-                              <p:par>
-                                <p:cTn id="29" presetID="42" presetClass="path" presetSubtype="0" accel="50000" decel="50000" fill="hold" grpId="0" nodeType="clickEffect">
-                                  <p:stCondLst>
-                                    <p:cond delay="0"/>
-                                  </p:stCondLst>
-                                  <p:childTnLst>
-                                    <p:animMotion origin="layout" path="M -8.33333E-7 3.7037E-7 L 0.54913 -0.00509 " pathEditMode="relative" rAng="0" ptsTypes="AA">
-                                      <p:cBhvr>
-                                        <p:cTn id="30" dur="2000" fill="hold"/>
-                                        <p:tgtEl>
-                                          <p:spTgt spid="18"/>
-                                        </p:tgtEl>
-                                        <p:attrNameLst>
-                                          <p:attrName>ppt_x</p:attrName>
-                                          <p:attrName>ppt_y</p:attrName>
-                                        </p:attrNameLst>
-                                      </p:cBhvr>
-                                      <p:rCtr x="27448" y="-255"/>
-                                    </p:animMotion>
-                                  </p:childTnLst>
-                                </p:cTn>
-                              </p:par>
-                            </p:childTnLst>
-                          </p:cTn>
-                        </p:par>
-                      </p:childTnLst>
-                    </p:cTn>
-                  </p:par>
-                  <p:par>
-                    <p:cTn id="31" fill="hold">
-                      <p:stCondLst>
-                        <p:cond delay="indefinite"/>
-                      </p:stCondLst>
-                      <p:childTnLst>
-                        <p:par>
-                          <p:cTn id="32" fill="hold">
-                            <p:stCondLst>
-                              <p:cond delay="0"/>
-                            </p:stCondLst>
-                            <p:childTnLst>
-                              <p:par>
-                                <p:cTn id="33" presetID="42" presetClass="path" presetSubtype="0" accel="50000" decel="50000" fill="hold" grpId="0" nodeType="clickEffect">
-                                  <p:stCondLst>
-                                    <p:cond delay="0"/>
-                                  </p:stCondLst>
-                                  <p:childTnLst>
-                                    <p:animMotion origin="layout" path="M 3.61111E-6 -1.85185E-6 L 0.53559 0.00046 " pathEditMode="relative" rAng="0" ptsTypes="AA">
-                                      <p:cBhvr>
-                                        <p:cTn id="34" dur="2000" fill="hold"/>
-                                        <p:tgtEl>
-                                          <p:spTgt spid="17"/>
-                                        </p:tgtEl>
-                                        <p:attrNameLst>
-                                          <p:attrName>ppt_x</p:attrName>
-                                          <p:attrName>ppt_y</p:attrName>
-                                        </p:attrNameLst>
-                                      </p:cBhvr>
-                                      <p:rCtr x="26771" y="23"/>
-                                    </p:animMotion>
-                                  </p:childTnLst>
-                                </p:cTn>
-                              </p:par>
-                            </p:childTnLst>
-                          </p:cTn>
-                        </p:par>
-                      </p:childTnLst>
-                    </p:cTn>
-                  </p:par>
-                  <p:par>
-                    <p:cTn id="35" fill="hold">
-                      <p:stCondLst>
-                        <p:cond delay="indefinite"/>
-                      </p:stCondLst>
-                      <p:childTnLst>
-                        <p:par>
-                          <p:cTn id="36" fill="hold">
-                            <p:stCondLst>
-                              <p:cond delay="0"/>
-                            </p:stCondLst>
-                            <p:childTnLst>
-                              <p:par>
-                                <p:cTn id="37" presetID="42" presetClass="path" presetSubtype="0" accel="50000" decel="50000" fill="hold" grpId="0" nodeType="clickEffect">
-                                  <p:stCondLst>
-                                    <p:cond delay="0"/>
-                                  </p:stCondLst>
-                                  <p:childTnLst>
-                                    <p:animMotion origin="layout" path="M 5.55556E-7 2.59259E-6 L 0.51736 -0.00695 " pathEditMode="relative" rAng="0" ptsTypes="AA">
-                                      <p:cBhvr>
-                                        <p:cTn id="38" dur="2000" fill="hold"/>
-                                        <p:tgtEl>
-                                          <p:spTgt spid="16"/>
-                                        </p:tgtEl>
-                                        <p:attrNameLst>
-                                          <p:attrName>ppt_x</p:attrName>
-                                          <p:attrName>ppt_y</p:attrName>
-                                        </p:attrNameLst>
-                                      </p:cBhvr>
-                                      <p:rCtr x="25868" y="-347"/>
-                                    </p:animMotion>
-                                  </p:childTnLst>
-                                </p:cTn>
-                              </p:par>
-                            </p:childTnLst>
-                          </p:cTn>
-                        </p:par>
-                      </p:childTnLst>
-                    </p:cTn>
-                  </p:par>
-                  <p:par>
-                    <p:cTn id="39" fill="hold">
-                      <p:stCondLst>
-                        <p:cond delay="indefinite"/>
-                      </p:stCondLst>
-                      <p:childTnLst>
-                        <p:par>
-                          <p:cTn id="40" fill="hold">
-                            <p:stCondLst>
-                              <p:cond delay="0"/>
-                            </p:stCondLst>
-                            <p:childTnLst>
-                              <p:par>
-                                <p:cTn id="41" presetID="42" presetClass="path" presetSubtype="0" accel="50000" decel="50000" fill="hold" grpId="0" nodeType="clickEffect">
-                                  <p:stCondLst>
-                                    <p:cond delay="0"/>
-                                  </p:stCondLst>
-                                  <p:childTnLst>
-                                    <p:animMotion origin="layout" path="M 2.5E-6 -7.40741E-7 L 0.68576 -0.00648 " pathEditMode="relative" rAng="0" ptsTypes="AA">
-                                      <p:cBhvr>
-                                        <p:cTn id="42" dur="2000" fill="hold"/>
-                                        <p:tgtEl>
-                                          <p:spTgt spid="23"/>
-                                        </p:tgtEl>
-                                        <p:attrNameLst>
-                                          <p:attrName>ppt_x</p:attrName>
-                                          <p:attrName>ppt_y</p:attrName>
-                                        </p:attrNameLst>
-                                      </p:cBhvr>
-                                      <p:rCtr x="34288" y="-324"/>
-                                    </p:animMotion>
-                                  </p:childTnLst>
-                                </p:cTn>
-                              </p:par>
-                            </p:childTnLst>
-                          </p:cTn>
-                        </p:par>
-                      </p:childTnLst>
-                    </p:cTn>
-                  </p:par>
-                  <p:par>
-                    <p:cTn id="43" fill="hold">
-                      <p:stCondLst>
-                        <p:cond delay="indefinite"/>
-                      </p:stCondLst>
-                      <p:childTnLst>
-                        <p:par>
-                          <p:cTn id="44" fill="hold">
-                            <p:stCondLst>
-                              <p:cond delay="0"/>
-                            </p:stCondLst>
-                            <p:childTnLst>
-                              <p:par>
-                                <p:cTn id="45" presetID="42" presetClass="path" presetSubtype="0" accel="50000" decel="50000" fill="hold" grpId="0" nodeType="clickEffect">
-                                  <p:stCondLst>
-                                    <p:cond delay="0"/>
-                                  </p:stCondLst>
-                                  <p:childTnLst>
-                                    <p:animMotion origin="layout" path="M -3.05556E-6 -1.85185E-6 L 0.66545 0.00185 " pathEditMode="relative" rAng="0" ptsTypes="AA">
-                                      <p:cBhvr>
-                                        <p:cTn id="46" dur="2000" fill="hold"/>
-                                        <p:tgtEl>
-                                          <p:spTgt spid="22"/>
-                                        </p:tgtEl>
-                                        <p:attrNameLst>
-                                          <p:attrName>ppt_x</p:attrName>
-                                          <p:attrName>ppt_y</p:attrName>
-                                        </p:attrNameLst>
-                                      </p:cBhvr>
-                                      <p:rCtr x="33264" y="93"/>
-                                    </p:animMotion>
-                                  </p:childTnLst>
-                                </p:cTn>
-                              </p:par>
-                            </p:childTnLst>
-                          </p:cTn>
-                        </p:par>
-                      </p:childTnLst>
-                    </p:cTn>
-                  </p:par>
-                  <p:par>
-                    <p:cTn id="47" fill="hold">
-                      <p:stCondLst>
-                        <p:cond delay="indefinite"/>
-                      </p:stCondLst>
-                      <p:childTnLst>
-                        <p:par>
-                          <p:cTn id="48" fill="hold">
-                            <p:stCondLst>
-                              <p:cond delay="0"/>
-                            </p:stCondLst>
-                            <p:childTnLst>
-                              <p:par>
-                                <p:cTn id="49" presetID="42" presetClass="path" presetSubtype="0" accel="50000" decel="50000" fill="hold" grpId="0" nodeType="clickEffect">
-                                  <p:stCondLst>
-                                    <p:cond delay="0"/>
-                                  </p:stCondLst>
-                                  <p:childTnLst>
-                                    <p:animMotion origin="layout" path="M 3.05556E-6 2.59259E-6 L 0.63593 -0.00857 " pathEditMode="relative" rAng="0" ptsTypes="AA">
-                                      <p:cBhvr>
-                                        <p:cTn id="50" dur="2000" fill="hold"/>
-                                        <p:tgtEl>
-                                          <p:spTgt spid="21"/>
-                                        </p:tgtEl>
-                                        <p:attrNameLst>
-                                          <p:attrName>ppt_x</p:attrName>
-                                          <p:attrName>ppt_y</p:attrName>
-                                        </p:attrNameLst>
-                                      </p:cBhvr>
-                                      <p:rCtr x="31788" y="-440"/>
-                                    </p:animMotion>
-                                  </p:childTnLst>
-                                </p:cTn>
-                              </p:par>
-                            </p:childTnLst>
-                          </p:cTn>
-                        </p:par>
-                      </p:childTnLst>
-                    </p:cTn>
-                  </p:par>
-                  <p:par>
-                    <p:cTn id="51" fill="hold">
-                      <p:stCondLst>
-                        <p:cond delay="indefinite"/>
-                      </p:stCondLst>
-                      <p:childTnLst>
-                        <p:par>
-                          <p:cTn id="52" fill="hold">
-                            <p:stCondLst>
-                              <p:cond delay="0"/>
-                            </p:stCondLst>
-                            <p:childTnLst>
-                              <p:par>
-                                <p:cTn id="53" presetID="42" presetClass="path" presetSubtype="0" accel="50000" decel="50000" fill="hold" grpId="0" nodeType="clickEffect">
-                                  <p:stCondLst>
-                                    <p:cond delay="0"/>
-                                  </p:stCondLst>
-                                  <p:childTnLst>
-                                    <p:animMotion origin="layout" path="M 2.5E-6 3.7037E-7 L 0.80885 -0.00509 " pathEditMode="relative" rAng="0" ptsTypes="AA">
-                                      <p:cBhvr>
-                                        <p:cTn id="54" dur="2000" fill="hold"/>
-                                        <p:tgtEl>
-                                          <p:spTgt spid="20"/>
-                                        </p:tgtEl>
-                                        <p:attrNameLst>
-                                          <p:attrName>ppt_x</p:attrName>
-                                          <p:attrName>ppt_y</p:attrName>
-                                        </p:attrNameLst>
-                                      </p:cBhvr>
-                                      <p:rCtr x="40434" y="-255"/>
-                                    </p:animMotion>
-                                  </p:childTnLst>
-                                </p:cTn>
-                              </p:par>
-                            </p:childTnLst>
-                          </p:cTn>
-                        </p:par>
-                      </p:childTnLst>
-                    </p:cTn>
-                  </p:par>
-                  <p:par>
-                    <p:cTn id="55" fill="hold">
-                      <p:stCondLst>
-                        <p:cond delay="indefinite"/>
-                      </p:stCondLst>
-                      <p:childTnLst>
-                        <p:par>
-                          <p:cTn id="56" fill="hold">
-                            <p:stCondLst>
-                              <p:cond delay="0"/>
-                            </p:stCondLst>
-                            <p:childTnLst>
-                              <p:par>
-                                <p:cTn id="57" presetID="42" presetClass="path" presetSubtype="0" accel="50000" decel="50000" fill="hold" grpId="0" nodeType="clickEffect">
-                                  <p:stCondLst>
-                                    <p:cond delay="0"/>
-                                  </p:stCondLst>
-                                  <p:childTnLst>
-                                    <p:animMotion origin="layout" path="M -5E-6 -1.85185E-6 L 0.78959 0.00347 " pathEditMode="relative" rAng="0" ptsTypes="AA">
-                                      <p:cBhvr>
-                                        <p:cTn id="58" dur="2000" fill="hold"/>
-                                        <p:tgtEl>
-                                          <p:spTgt spid="19"/>
-                                        </p:tgtEl>
-                                        <p:attrNameLst>
-                                          <p:attrName>ppt_x</p:attrName>
-                                          <p:attrName>ppt_y</p:attrName>
-                                        </p:attrNameLst>
-                                      </p:cBhvr>
-                                      <p:rCtr x="39479" y="162"/>
-                                    </p:animMotion>
-                                  </p:childTnLst>
-                                </p:cTn>
-                              </p:par>
-                            </p:childTnLst>
-                          </p:cTn>
-                        </p:par>
-                      </p:childTnLst>
-                    </p:cTn>
-                  </p:par>
-                  <p:par>
-                    <p:cTn id="59" fill="hold">
-                      <p:stCondLst>
-                        <p:cond delay="indefinite"/>
-                      </p:stCondLst>
-                      <p:childTnLst>
-                        <p:par>
-                          <p:cTn id="60" fill="hold">
-                            <p:stCondLst>
-                              <p:cond delay="0"/>
-                            </p:stCondLst>
-                            <p:childTnLst>
-                              <p:par>
-                                <p:cTn id="61" presetID="42" presetClass="path" presetSubtype="0" accel="50000" decel="50000" fill="hold" grpId="0" nodeType="clickEffect">
-                                  <p:stCondLst>
-                                    <p:cond delay="0"/>
-                                  </p:stCondLst>
-                                  <p:childTnLst>
-                                    <p:animMotion origin="layout" path="M -8.33333E-7 2.59259E-6 L 0.76024 -0.00417 " pathEditMode="relative" rAng="0" ptsTypes="AA">
-                                      <p:cBhvr>
-                                        <p:cTn id="62" dur="2000" fill="hold"/>
-                                        <p:tgtEl>
-                                          <p:spTgt spid="15"/>
-                                        </p:tgtEl>
-                                        <p:attrNameLst>
-                                          <p:attrName>ppt_x</p:attrName>
-                                          <p:attrName>ppt_y</p:attrName>
-                                        </p:attrNameLst>
-                                      </p:cBhvr>
-                                      <p:rCtr x="38003" y="-208"/>
-                                    </p:animMotion>
-                                  </p:childTnLst>
-                                </p:cTn>
-                              </p:par>
-                            </p:childTnLst>
-                          </p:cTn>
-                        </p:par>
-                      </p:childTnLst>
-                    </p:cTn>
-                  </p:par>
-                  <p:par>
-                    <p:cTn id="63" fill="hold">
-                      <p:stCondLst>
-                        <p:cond delay="indefinite"/>
-                      </p:stCondLst>
-                      <p:childTnLst>
-                        <p:par>
-                          <p:cTn id="64" fill="hold">
-                            <p:stCondLst>
-                              <p:cond delay="0"/>
-                            </p:stCondLst>
-                            <p:childTnLst>
-                              <p:par>
-                                <p:cTn id="65" presetID="42" presetClass="path" presetSubtype="0" accel="50000" decel="50000" fill="hold" grpId="0" nodeType="clickEffect">
-                                  <p:stCondLst>
-                                    <p:cond delay="0"/>
-                                  </p:stCondLst>
-                                  <p:childTnLst>
-                                    <p:animMotion origin="layout" path="M -1.94444E-6 -7.40741E-7 L 0.94045 -0.0037 " pathEditMode="relative" rAng="0" ptsTypes="AA">
-                                      <p:cBhvr>
-                                        <p:cTn id="66" dur="2000" fill="hold"/>
-                                        <p:tgtEl>
-                                          <p:spTgt spid="29"/>
-                                        </p:tgtEl>
-                                        <p:attrNameLst>
-                                          <p:attrName>ppt_x</p:attrName>
-                                          <p:attrName>ppt_y</p:attrName>
-                                        </p:attrNameLst>
-                                      </p:cBhvr>
-                                      <p:rCtr x="47014" y="-185"/>
-                                    </p:animMotion>
-                                  </p:childTnLst>
-                                </p:cTn>
-                              </p:par>
-                            </p:childTnLst>
-                          </p:cTn>
-                        </p:par>
-                      </p:childTnLst>
-                    </p:cTn>
-                  </p:par>
-                  <p:par>
-                    <p:cTn id="67" fill="hold">
-                      <p:stCondLst>
-                        <p:cond delay="indefinite"/>
-                      </p:stCondLst>
-                      <p:childTnLst>
-                        <p:par>
-                          <p:cTn id="68" fill="hold">
-                            <p:stCondLst>
-                              <p:cond delay="0"/>
-                            </p:stCondLst>
-                            <p:childTnLst>
-                              <p:par>
-                                <p:cTn id="69" presetID="42" presetClass="path" presetSubtype="0" accel="50000" decel="50000" fill="hold" grpId="0" nodeType="clickEffect">
-                                  <p:stCondLst>
-                                    <p:cond delay="0"/>
-                                  </p:stCondLst>
-                                  <p:childTnLst>
-                                    <p:animMotion origin="layout" path="M -8.33333E-7 -1.85185E-6 L 0.92205 0.00347 " pathEditMode="relative" rAng="0" ptsTypes="AA">
-                                      <p:cBhvr>
-                                        <p:cTn id="70" dur="2000" fill="hold"/>
-                                        <p:tgtEl>
-                                          <p:spTgt spid="27"/>
-                                        </p:tgtEl>
-                                        <p:attrNameLst>
-                                          <p:attrName>ppt_x</p:attrName>
-                                          <p:attrName>ppt_y</p:attrName>
-                                        </p:attrNameLst>
-                                      </p:cBhvr>
-                                      <p:rCtr x="46094" y="162"/>
-                                    </p:animMotion>
-                                  </p:childTnLst>
-                                </p:cTn>
-                              </p:par>
-                            </p:childTnLst>
-                          </p:cTn>
-                        </p:par>
-                      </p:childTnLst>
-                    </p:cTn>
-                  </p:par>
-                  <p:par>
-                    <p:cTn id="71" fill="hold">
-                      <p:stCondLst>
-                        <p:cond delay="indefinite"/>
-                      </p:stCondLst>
-                      <p:childTnLst>
-                        <p:par>
-                          <p:cTn id="72" fill="hold">
-                            <p:stCondLst>
-                              <p:cond delay="0"/>
-                            </p:stCondLst>
-                            <p:childTnLst>
-                              <p:par>
-                                <p:cTn id="73" presetID="42" presetClass="path" presetSubtype="0" accel="50000" decel="50000" fill="hold" grpId="0" nodeType="clickEffect">
-                                  <p:stCondLst>
-                                    <p:cond delay="0"/>
-                                  </p:stCondLst>
-                                  <p:childTnLst>
-                                    <p:animMotion origin="layout" path="M 1.66667E-6 2.59259E-6 L 0.87986 -0.00556 " pathEditMode="relative" rAng="0" ptsTypes="AA">
-                                      <p:cBhvr>
-                                        <p:cTn id="74" dur="2000" fill="hold"/>
-                                        <p:tgtEl>
-                                          <p:spTgt spid="25"/>
-                                        </p:tgtEl>
-                                        <p:attrNameLst>
-                                          <p:attrName>ppt_x</p:attrName>
-                                          <p:attrName>ppt_y</p:attrName>
-                                        </p:attrNameLst>
-                                      </p:cBhvr>
-                                      <p:rCtr x="43993" y="-278"/>
-                                    </p:animMotion>
-                                  </p:childTnLst>
-                                </p:cTn>
-                              </p:par>
-                            </p:childTnLst>
-                          </p:cTn>
-                        </p:par>
-                      </p:childTnLst>
-                    </p:cTn>
-                  </p:par>
-                  <p:par>
-                    <p:cTn id="75" fill="hold">
-                      <p:stCondLst>
-                        <p:cond delay="indefinite"/>
-                      </p:stCondLst>
-                      <p:childTnLst>
-                        <p:par>
-                          <p:cTn id="76" fill="hold">
-                            <p:stCondLst>
-                              <p:cond delay="0"/>
-                            </p:stCondLst>
-                            <p:childTnLst>
-                              <p:par>
-                                <p:cTn id="77" presetID="42" presetClass="path" presetSubtype="0" accel="50000" decel="50000" fill="hold" grpId="0" nodeType="clickEffect">
-                                  <p:stCondLst>
-                                    <p:cond delay="0"/>
-                                  </p:stCondLst>
-                                  <p:childTnLst>
-                                    <p:animMotion origin="layout" path="M 0.00017 0.00301 L 1.06128 -0.00208 " pathEditMode="relative" rAng="0" ptsTypes="AA">
-                                      <p:cBhvr>
-                                        <p:cTn id="78" dur="2000" fill="hold"/>
-                                        <p:tgtEl>
-                                          <p:spTgt spid="28"/>
-                                        </p:tgtEl>
-                                        <p:attrNameLst>
-                                          <p:attrName>ppt_x</p:attrName>
-                                          <p:attrName>ppt_y</p:attrName>
-                                        </p:attrNameLst>
-                                      </p:cBhvr>
-                                      <p:rCtr x="53056" y="-255"/>
-                                    </p:animMotion>
-                                  </p:childTnLst>
-                                </p:cTn>
-                              </p:par>
-                            </p:childTnLst>
-                          </p:cTn>
-                        </p:par>
-                      </p:childTnLst>
-                    </p:cTn>
-                  </p:par>
-                  <p:par>
-                    <p:cTn id="79" fill="hold">
-                      <p:stCondLst>
-                        <p:cond delay="indefinite"/>
-                      </p:stCondLst>
-                      <p:childTnLst>
-                        <p:par>
-                          <p:cTn id="80" fill="hold">
-                            <p:stCondLst>
-                              <p:cond delay="0"/>
-                            </p:stCondLst>
-                            <p:childTnLst>
-                              <p:par>
-                                <p:cTn id="81" presetID="42" presetClass="path" presetSubtype="0" accel="50000" decel="50000" fill="hold" grpId="0" nodeType="clickEffect">
-                                  <p:stCondLst>
-                                    <p:cond delay="0"/>
-                                  </p:stCondLst>
-                                  <p:childTnLst>
-                                    <p:animMotion origin="layout" path="M 3.88889E-6 -1.85185E-6 L 1.04444 0.00347 " pathEditMode="relative" rAng="0" ptsTypes="AA">
-                                      <p:cBhvr>
-                                        <p:cTn id="82" dur="2000" fill="hold"/>
-                                        <p:tgtEl>
-                                          <p:spTgt spid="24"/>
-                                        </p:tgtEl>
-                                        <p:attrNameLst>
-                                          <p:attrName>ppt_x</p:attrName>
-                                          <p:attrName>ppt_y</p:attrName>
-                                        </p:attrNameLst>
-                                      </p:cBhvr>
-                                      <p:rCtr x="52222" y="162"/>
-                                    </p:animMotion>
-                                  </p:childTnLst>
-                                </p:cTn>
-                              </p:par>
-                            </p:childTnLst>
-                          </p:cTn>
-                        </p:par>
-                      </p:childTnLst>
-                    </p:cTn>
-                  </p:par>
-                  <p:par>
-                    <p:cTn id="83" fill="hold">
-                      <p:stCondLst>
-                        <p:cond delay="indefinite"/>
-                      </p:stCondLst>
-                      <p:childTnLst>
-                        <p:par>
-                          <p:cTn id="84" fill="hold">
-                            <p:stCondLst>
-                              <p:cond delay="0"/>
-                            </p:stCondLst>
-                            <p:childTnLst>
-                              <p:par>
-                                <p:cTn id="85" presetID="42" presetClass="path" presetSubtype="0" accel="50000" decel="50000" fill="hold" grpId="0" nodeType="clickEffect">
-                                  <p:stCondLst>
-                                    <p:cond delay="0"/>
-                                  </p:stCondLst>
-                                  <p:childTnLst>
-                                    <p:animMotion origin="layout" path="M 8.33333E-7 2.59259E-6 L 1.00642 -0.00417 " pathEditMode="relative" rAng="0" ptsTypes="AA">
-                                      <p:cBhvr>
-                                        <p:cTn id="86" dur="2000" fill="hold"/>
-                                        <p:tgtEl>
-                                          <p:spTgt spid="26"/>
-                                        </p:tgtEl>
-                                        <p:attrNameLst>
-                                          <p:attrName>ppt_x</p:attrName>
-                                          <p:attrName>ppt_y</p:attrName>
-                                        </p:attrNameLst>
-                                      </p:cBhvr>
-                                      <p:rCtr x="50313" y="-208"/>
-                                    </p:animMotion>
-                                  </p:childTnLst>
-                                </p:cTn>
-                              </p:par>
-                            </p:childTnLst>
-                          </p:cTn>
-                        </p:par>
-                      </p:childTnLst>
-                    </p:cTn>
-                  </p:par>
-                </p:childTnLst>
-              </p:cTn>
-              <p:prevCondLst>
-                <p:cond evt="onPrev" delay="0">
-                  <p:tgtEl>
-                    <p:sldTgt/>
-                  </p:tgtEl>
-                </p:cond>
-              </p:prevCondLst>
-              <p:nextCondLst>
-                <p:cond evt="onNext" delay="0">
-                  <p:tgtEl>
-                    <p:sldTgt/>
-                  </p:tgtEl>
-                </p:cond>
-              </p:nextCondLst>
-            </p:seq>
-          </p:childTnLst>
-        </p:cTn>
-      </p:par>
-    </p:tnLst>
-    <p:bldLst>
-      <p:bldP spid="9" grpId="0"/>
-      <p:bldP spid="10" grpId="0"/>
-      <p:bldP spid="11" grpId="0"/>
-      <p:bldP spid="12" grpId="0"/>
-      <p:bldP spid="13" grpId="0"/>
-      <p:bldP spid="14" grpId="0"/>
-      <p:bldP spid="15" grpId="0"/>
-      <p:bldP spid="16" grpId="0"/>
-      <p:bldP spid="17" grpId="0"/>
-      <p:bldP spid="18" grpId="0"/>
-      <p:bldP spid="19" grpId="0"/>
-      <p:bldP spid="20" grpId="0"/>
-      <p:bldP spid="21" grpId="0"/>
-      <p:bldP spid="22" grpId="0"/>
-      <p:bldP spid="23" grpId="0"/>
-      <p:bldP spid="24" grpId="0"/>
-      <p:bldP spid="25" grpId="0"/>
-      <p:bldP spid="26" grpId="0"/>
-      <p:bldP spid="27" grpId="0"/>
-      <p:bldP spid="28" grpId="0"/>
-      <p:bldP spid="29" grpId="0"/>
-    </p:bldLst>
-  </p:timing>
-</p:sld>
-</file>
-
-<file path=ppt/slides/slide12.xml><?xml version="1.0" encoding="utf-8"?>
 <p:sld xmlns:a="http://schemas.openxmlformats.org/drawingml/2006/main" xmlns:r="http://schemas.openxmlformats.org/officeDocument/2006/relationships" xmlns:p="http://schemas.openxmlformats.org/presentationml/2006/main">
   <p:cSld>
     <p:spTree>
@@ -10112,7 +7610,7 @@
 </p:sld>
 </file>
 
-<file path=ppt/slides/slide13.xml><?xml version="1.0" encoding="utf-8"?>
+<file path=ppt/slides/slide11.xml><?xml version="1.0" encoding="utf-8"?>
 <p:sld xmlns:a="http://schemas.openxmlformats.org/drawingml/2006/main" xmlns:r="http://schemas.openxmlformats.org/officeDocument/2006/relationships" xmlns:p="http://schemas.openxmlformats.org/presentationml/2006/main">
   <p:cSld>
     <p:spTree>
@@ -10177,13 +7675,10 @@
             </a:lvl1pPr>
           </a:lstStyle>
           <a:p>
-            <a:r>
-              <a:rPr lang="en-US" b="1" dirty="0">
-                <a:latin typeface="Times New Roman" panose="02020603050405020304" pitchFamily="18" charset="0"/>
-                <a:cs typeface="Times New Roman" panose="02020603050405020304" pitchFamily="18" charset="0"/>
-              </a:rPr>
-              <a:t>Pseudo Code</a:t>
-            </a:r>
+            <a:endParaRPr lang="en-US" b="1" dirty="0">
+              <a:latin typeface="Times New Roman" panose="02020603050405020304" pitchFamily="18" charset="0"/>
+              <a:cs typeface="Times New Roman" panose="02020603050405020304" pitchFamily="18" charset="0"/>
+            </a:endParaRPr>
           </a:p>
         </p:txBody>
       </p:sp>
@@ -10463,8 +7958,89 @@
               <a:buFont typeface="+mj-lt"/>
               <a:buAutoNum type="arabicPeriod"/>
             </a:pPr>
-            <a:r>
-              <a:rPr lang="en-US" sz="1800" dirty="0">
+            <a:endParaRPr lang="en-US" sz="1800" dirty="0">
+              <a:solidFill>
+                <a:schemeClr val="tx1"/>
+              </a:solidFill>
+              <a:latin typeface="Times New Roman" panose="02020603050405020304" pitchFamily="18" charset="0"/>
+              <a:cs typeface="Times New Roman" panose="02020603050405020304" pitchFamily="18" charset="0"/>
+            </a:endParaRPr>
+          </a:p>
+        </p:txBody>
+      </p:sp>
+      <p:sp>
+        <p:nvSpPr>
+          <p:cNvPr id="5" name="Title 4">
+            <a:extLst>
+              <a:ext uri="{FF2B5EF4-FFF2-40B4-BE49-F238E27FC236}">
+                <a16:creationId xmlns:a16="http://schemas.microsoft.com/office/drawing/2014/main" id="{A1FE9E4B-5F83-E691-E10E-875F1D4E7DC6}"/>
+              </a:ext>
+            </a:extLst>
+          </p:cNvPr>
+          <p:cNvSpPr>
+            <a:spLocks noGrp="1"/>
+          </p:cNvSpPr>
+          <p:nvPr>
+            <p:ph type="title"/>
+          </p:nvPr>
+        </p:nvSpPr>
+        <p:spPr>
+          <a:xfrm>
+            <a:off x="966797" y="363893"/>
+            <a:ext cx="7543800" cy="1380848"/>
+          </a:xfrm>
+        </p:spPr>
+        <p:txBody>
+          <a:bodyPr>
+            <a:normAutofit/>
+          </a:bodyPr>
+          <a:lstStyle/>
+          <a:p>
+            <a:pPr algn="ctr"/>
+            <a:r>
+              <a:rPr lang="en-US" b="1" dirty="0">
+                <a:latin typeface="Times New Roman" panose="02020603050405020304" pitchFamily="18" charset="0"/>
+                <a:cs typeface="Times New Roman" panose="02020603050405020304" pitchFamily="18" charset="0"/>
+              </a:rPr>
+              <a:t>Pseudo Code</a:t>
+            </a:r>
+            <a:endParaRPr lang="en-IN" dirty="0"/>
+          </a:p>
+        </p:txBody>
+      </p:sp>
+      <p:sp>
+        <p:nvSpPr>
+          <p:cNvPr id="6" name="Content Placeholder 5">
+            <a:extLst>
+              <a:ext uri="{FF2B5EF4-FFF2-40B4-BE49-F238E27FC236}">
+                <a16:creationId xmlns:a16="http://schemas.microsoft.com/office/drawing/2014/main" id="{B5F274BA-BD63-75D8-A739-72CF137E7FCE}"/>
+              </a:ext>
+            </a:extLst>
+          </p:cNvPr>
+          <p:cNvSpPr>
+            <a:spLocks noGrp="1"/>
+          </p:cNvSpPr>
+          <p:nvPr>
+            <p:ph idx="1"/>
+          </p:nvPr>
+        </p:nvSpPr>
+        <p:spPr>
+          <a:xfrm>
+            <a:off x="966797" y="1852431"/>
+            <a:ext cx="7971720" cy="4496997"/>
+          </a:xfrm>
+        </p:spPr>
+        <p:txBody>
+          <a:bodyPr>
+            <a:normAutofit fontScale="32500" lnSpcReduction="20000"/>
+          </a:bodyPr>
+          <a:lstStyle/>
+          <a:p>
+            <a:pPr marL="0" indent="0">
+              <a:buNone/>
+            </a:pPr>
+            <a:r>
+              <a:rPr lang="en-US" sz="4900" dirty="0">
                 <a:solidFill>
                   <a:schemeClr val="tx1"/>
                 </a:solidFill>
@@ -10475,12 +8051,11 @@
             </a:r>
           </a:p>
           <a:p>
-            <a:pPr marL="800100" lvl="1" indent="-342900">
-              <a:buFont typeface="+mj-lt"/>
-              <a:buAutoNum type="alphaUcPeriod"/>
+            <a:pPr marL="0" indent="0">
+              <a:buNone/>
             </a:pPr>
             <a:r>
-              <a:rPr lang="en-US" dirty="0">
+              <a:rPr lang="en-US" sz="4900" dirty="0">
                 <a:solidFill>
                   <a:schemeClr val="tx1"/>
                 </a:solidFill>
@@ -10491,12 +8066,11 @@
             </a:r>
           </a:p>
           <a:p>
-            <a:pPr marL="1314450" lvl="2" indent="-400050">
-              <a:buFont typeface="+mj-lt"/>
-              <a:buAutoNum type="romanUcPeriod"/>
+            <a:pPr marL="0" indent="0">
+              <a:buNone/>
             </a:pPr>
             <a:r>
-              <a:rPr lang="en-US" sz="1800" dirty="0">
+              <a:rPr lang="en-US" sz="4900" dirty="0">
                 <a:solidFill>
                   <a:schemeClr val="tx1"/>
                 </a:solidFill>
@@ -10507,12 +8081,11 @@
             </a:r>
           </a:p>
           <a:p>
-            <a:pPr marL="1314450" lvl="2" indent="-400050">
-              <a:buFont typeface="+mj-lt"/>
-              <a:buAutoNum type="romanUcPeriod"/>
+            <a:pPr marL="0" indent="0">
+              <a:buNone/>
             </a:pPr>
             <a:r>
-              <a:rPr lang="en-US" sz="1800" dirty="0">
+              <a:rPr lang="en-US" sz="4900" dirty="0">
                 <a:solidFill>
                   <a:schemeClr val="tx1"/>
                 </a:solidFill>
@@ -10523,12 +8096,11 @@
             </a:r>
           </a:p>
           <a:p>
-            <a:pPr marL="1314450" lvl="2" indent="-400050">
-              <a:buFont typeface="+mj-lt"/>
-              <a:buAutoNum type="romanUcPeriod"/>
+            <a:pPr marL="0" indent="0">
+              <a:buNone/>
             </a:pPr>
             <a:r>
-              <a:rPr lang="en-US" sz="1800" dirty="0">
+              <a:rPr lang="en-US" sz="4900" dirty="0">
                 <a:solidFill>
                   <a:schemeClr val="tx1"/>
                 </a:solidFill>
@@ -10539,12 +8111,11 @@
             </a:r>
           </a:p>
           <a:p>
-            <a:pPr marL="800100" lvl="1" indent="-342900">
-              <a:buFont typeface="+mj-lt"/>
-              <a:buAutoNum type="alphaUcPeriod"/>
+            <a:pPr marL="0" indent="0">
+              <a:buNone/>
             </a:pPr>
             <a:r>
-              <a:rPr lang="en-US" dirty="0">
+              <a:rPr lang="en-US" sz="4900" dirty="0">
                 <a:solidFill>
                   <a:schemeClr val="tx1"/>
                 </a:solidFill>
@@ -10555,12 +8126,11 @@
             </a:r>
           </a:p>
           <a:p>
-            <a:pPr marL="1314450" lvl="2" indent="-400050">
-              <a:buFont typeface="+mj-lt"/>
-              <a:buAutoNum type="romanUcPeriod"/>
+            <a:pPr marL="0" indent="0">
+              <a:buNone/>
             </a:pPr>
             <a:r>
-              <a:rPr lang="en-US" sz="1800" dirty="0">
+              <a:rPr lang="en-US" sz="4900" dirty="0">
                 <a:solidFill>
                   <a:schemeClr val="tx1"/>
                 </a:solidFill>
@@ -10571,12 +8141,11 @@
             </a:r>
           </a:p>
           <a:p>
-            <a:pPr marL="1314450" lvl="2" indent="-400050">
-              <a:buFont typeface="+mj-lt"/>
-              <a:buAutoNum type="romanUcPeriod"/>
+            <a:pPr marL="0" indent="0">
+              <a:buNone/>
             </a:pPr>
             <a:r>
-              <a:rPr lang="en-US" sz="1800" dirty="0">
+              <a:rPr lang="en-US" sz="4900" dirty="0">
                 <a:solidFill>
                   <a:schemeClr val="tx1"/>
                 </a:solidFill>
@@ -10587,12 +8156,11 @@
             </a:r>
           </a:p>
           <a:p>
-            <a:pPr marL="1771650" lvl="3" indent="-400050">
-              <a:buFont typeface="+mj-lt"/>
-              <a:buAutoNum type="alphaLcPeriod"/>
+            <a:pPr marL="0" indent="0">
+              <a:buNone/>
             </a:pPr>
             <a:r>
-              <a:rPr lang="en-US" sz="1800" dirty="0">
+              <a:rPr lang="en-US" sz="4900" dirty="0">
                 <a:solidFill>
                   <a:schemeClr val="tx1"/>
                 </a:solidFill>
@@ -10603,12 +8171,11 @@
             </a:r>
           </a:p>
           <a:p>
-            <a:pPr marL="1314450" lvl="2" indent="-400050">
-              <a:buFont typeface="+mj-lt"/>
-              <a:buAutoNum type="romanUcPeriod"/>
+            <a:pPr marL="0" indent="0">
+              <a:buNone/>
             </a:pPr>
             <a:r>
-              <a:rPr lang="en-US" sz="1800" dirty="0">
+              <a:rPr lang="en-US" sz="4900" dirty="0">
                 <a:solidFill>
                   <a:schemeClr val="tx1"/>
                 </a:solidFill>
@@ -10619,12 +8186,11 @@
             </a:r>
           </a:p>
           <a:p>
-            <a:pPr marL="1771650" lvl="3" indent="-400050">
-              <a:buFont typeface="+mj-lt"/>
-              <a:buAutoNum type="alphaLcPeriod"/>
+            <a:pPr marL="0" indent="0">
+              <a:buNone/>
             </a:pPr>
             <a:r>
-              <a:rPr lang="en-US" sz="1800" dirty="0">
+              <a:rPr lang="en-US" sz="4900" dirty="0">
                 <a:solidFill>
                   <a:schemeClr val="tx1"/>
                 </a:solidFill>
@@ -10635,12 +8201,11 @@
             </a:r>
           </a:p>
           <a:p>
-            <a:pPr marL="1771650" lvl="3" indent="-400050">
-              <a:buFont typeface="+mj-lt"/>
-              <a:buAutoNum type="alphaLcPeriod"/>
+            <a:pPr marL="0" indent="0">
+              <a:buNone/>
             </a:pPr>
             <a:r>
-              <a:rPr lang="en-US" sz="1800" dirty="0">
+              <a:rPr lang="en-US" sz="4900" dirty="0">
                 <a:solidFill>
                   <a:schemeClr val="tx1"/>
                 </a:solidFill>
@@ -10651,12 +8216,11 @@
             </a:r>
           </a:p>
           <a:p>
-            <a:pPr>
-              <a:buFont typeface="+mj-lt"/>
-              <a:buAutoNum type="arabicPeriod"/>
+            <a:pPr marL="0" indent="0">
+              <a:buNone/>
             </a:pPr>
             <a:r>
-              <a:rPr lang="en-US" sz="1800" dirty="0">
+              <a:rPr lang="en-US" sz="4900" dirty="0">
                 <a:solidFill>
                   <a:schemeClr val="tx1"/>
                 </a:solidFill>
@@ -10665,6 +8229,12 @@
               </a:rPr>
               <a:t>Return the number of page hits and page faults.</a:t>
             </a:r>
+          </a:p>
+          <a:p>
+            <a:pPr marL="0" indent="0">
+              <a:buNone/>
+            </a:pPr>
+            <a:endParaRPr lang="en-IN" dirty="0"/>
           </a:p>
         </p:txBody>
       </p:sp>
@@ -10684,19 +8254,14 @@
             <p:ph type="sldNum" sz="quarter" idx="12"/>
           </p:nvPr>
         </p:nvSpPr>
-        <p:spPr>
-          <a:xfrm>
-            <a:off x="7923388" y="278781"/>
-            <a:ext cx="987552" cy="274320"/>
-          </a:xfrm>
-        </p:spPr>
+        <p:spPr/>
         <p:txBody>
           <a:bodyPr/>
           <a:lstStyle/>
           <a:p>
             <a:fld id="{48F63A3B-78C7-47BE-AE5E-E10140E04643}" type="slidenum">
               <a:rPr lang="en-US" smtClean="0"/>
-              <a:t>13</a:t>
+              <a:t>11</a:t>
             </a:fld>
             <a:endParaRPr lang="en-US" dirty="0"/>
           </a:p>
@@ -10727,7 +8292,7 @@
 </p:sld>
 </file>
 
-<file path=ppt/slides/slide14.xml><?xml version="1.0" encoding="utf-8"?>
+<file path=ppt/slides/slide12.xml><?xml version="1.0" encoding="utf-8"?>
 <p:sld xmlns:a="http://schemas.openxmlformats.org/drawingml/2006/main" xmlns:r="http://schemas.openxmlformats.org/officeDocument/2006/relationships" xmlns:p="http://schemas.openxmlformats.org/presentationml/2006/main">
   <p:cSld>
     <p:spTree>
@@ -11559,7 +9124,7 @@
 </p:sld>
 </file>
 
-<file path=ppt/slides/slide15.xml><?xml version="1.0" encoding="utf-8"?>
+<file path=ppt/slides/slide13.xml><?xml version="1.0" encoding="utf-8"?>
 <p:sld xmlns:a="http://schemas.openxmlformats.org/drawingml/2006/main" xmlns:r="http://schemas.openxmlformats.org/officeDocument/2006/relationships" xmlns:p="http://schemas.openxmlformats.org/presentationml/2006/main">
   <p:cSld>
     <p:spTree>
@@ -11576,221 +9141,6 @@
           <a:chExt cx="0" cy="0"/>
         </a:xfrm>
       </p:grpSpPr>
-      <p:pic>
-        <p:nvPicPr>
-          <p:cNvPr id="1026" name="Picture 2">
-            <a:extLst>
-              <a:ext uri="{FF2B5EF4-FFF2-40B4-BE49-F238E27FC236}">
-                <a16:creationId xmlns:a16="http://schemas.microsoft.com/office/drawing/2014/main" id="{EBDDD507-0F5D-01B1-BA2E-DCC08B8BEFBC}"/>
-              </a:ext>
-            </a:extLst>
-          </p:cNvPr>
-          <p:cNvPicPr>
-            <a:picLocks noChangeAspect="1" noChangeArrowheads="1"/>
-          </p:cNvPicPr>
-          <p:nvPr/>
-        </p:nvPicPr>
-        <p:blipFill>
-          <a:blip r:embed="rId2">
-            <a:extLst>
-              <a:ext uri="{28A0092B-C50C-407E-A947-70E740481C1C}">
-                <a14:useLocalDpi xmlns:a14="http://schemas.microsoft.com/office/drawing/2010/main" val="0"/>
-              </a:ext>
-            </a:extLst>
-          </a:blip>
-          <a:srcRect/>
-          <a:stretch>
-            <a:fillRect/>
-          </a:stretch>
-        </p:blipFill>
-        <p:spPr bwMode="auto">
-          <a:xfrm>
-            <a:off x="2082897" y="1353530"/>
-            <a:ext cx="4978206" cy="4561081"/>
-          </a:xfrm>
-          <a:prstGeom prst="rect">
-            <a:avLst/>
-          </a:prstGeom>
-          <a:noFill/>
-          <a:extLst>
-            <a:ext uri="{909E8E84-426E-40DD-AFC4-6F175D3DCCD1}">
-              <a14:hiddenFill xmlns:a14="http://schemas.microsoft.com/office/drawing/2010/main">
-                <a:solidFill>
-                  <a:srgbClr val="FFFFFF"/>
-                </a:solidFill>
-              </a14:hiddenFill>
-            </a:ext>
-          </a:extLst>
-        </p:spPr>
-      </p:pic>
-      <p:sp>
-        <p:nvSpPr>
-          <p:cNvPr id="2" name="Rectangle 1">
-            <a:extLst>
-              <a:ext uri="{FF2B5EF4-FFF2-40B4-BE49-F238E27FC236}">
-                <a16:creationId xmlns:a16="http://schemas.microsoft.com/office/drawing/2014/main" id="{3C3691C3-0320-C574-1E7F-4521E3B5DE65}"/>
-              </a:ext>
-            </a:extLst>
-          </p:cNvPr>
-          <p:cNvSpPr/>
-          <p:nvPr/>
-        </p:nvSpPr>
-        <p:spPr>
-          <a:xfrm>
-            <a:off x="1135307" y="430200"/>
-            <a:ext cx="6694974" cy="830997"/>
-          </a:xfrm>
-          <a:prstGeom prst="rect">
-            <a:avLst/>
-          </a:prstGeom>
-          <a:noFill/>
-        </p:spPr>
-        <p:txBody>
-          <a:bodyPr wrap="none" lIns="91440" tIns="45720" rIns="91440" bIns="45720">
-            <a:spAutoFit/>
-          </a:bodyPr>
-          <a:lstStyle/>
-          <a:p>
-            <a:pPr algn="ctr"/>
-            <a:r>
-              <a:rPr lang="en-US" sz="4800" b="1" cap="none" spc="0" dirty="0">
-                <a:ln w="0"/>
-                <a:latin typeface="Times New Roman" panose="02020603050405020304" pitchFamily="18" charset="0"/>
-                <a:cs typeface="Times New Roman" panose="02020603050405020304" pitchFamily="18" charset="0"/>
-              </a:rPr>
-              <a:t>FLOWCHART OF LRU</a:t>
-            </a:r>
-          </a:p>
-        </p:txBody>
-      </p:sp>
-    </p:spTree>
-    <p:extLst>
-      <p:ext uri="{BB962C8B-B14F-4D97-AF65-F5344CB8AC3E}">
-        <p14:creationId xmlns:p14="http://schemas.microsoft.com/office/powerpoint/2010/main" val="3282979746"/>
-      </p:ext>
-    </p:extLst>
-  </p:cSld>
-  <p:clrMapOvr>
-    <a:masterClrMapping/>
-  </p:clrMapOvr>
-  <mc:AlternateContent xmlns:mc="http://schemas.openxmlformats.org/markup-compatibility/2006" xmlns:p14="http://schemas.microsoft.com/office/powerpoint/2010/main">
-    <mc:Choice Requires="p14">
-      <p:transition spd="med" p14:dur="700">
-        <p:fade/>
-      </p:transition>
-    </mc:Choice>
-    <mc:Fallback xmlns="">
-      <p:transition spd="med">
-        <p:fade/>
-      </p:transition>
-    </mc:Fallback>
-  </mc:AlternateContent>
-  <p:timing>
-    <p:tnLst>
-      <p:par>
-        <p:cTn id="1" dur="indefinite" restart="never" nodeType="tmRoot">
-          <p:childTnLst>
-            <p:seq concurrent="1" nextAc="seek">
-              <p:cTn id="2" dur="indefinite" nodeType="mainSeq">
-                <p:childTnLst>
-                  <p:par>
-                    <p:cTn id="3" fill="hold">
-                      <p:stCondLst>
-                        <p:cond delay="indefinite"/>
-                        <p:cond evt="onBegin" delay="0">
-                          <p:tn val="2"/>
-                        </p:cond>
-                      </p:stCondLst>
-                      <p:childTnLst>
-                        <p:par>
-                          <p:cTn id="4" fill="hold">
-                            <p:stCondLst>
-                              <p:cond delay="0"/>
-                            </p:stCondLst>
-                            <p:childTnLst>
-                              <p:par>
-                                <p:cTn id="5" presetID="21" presetClass="exit" presetSubtype="1" fill="hold" nodeType="withEffect">
-                                  <p:stCondLst>
-                                    <p:cond delay="0"/>
-                                  </p:stCondLst>
-                                  <p:childTnLst>
-                                    <p:animEffect transition="out" filter="wheel(1)">
-                                      <p:cBhvr>
-                                        <p:cTn id="6" dur="2000"/>
-                                        <p:tgtEl>
-                                          <p:spTgt spid="1026"/>
-                                        </p:tgtEl>
-                                      </p:cBhvr>
-                                    </p:animEffect>
-                                    <p:set>
-                                      <p:cBhvr>
-                                        <p:cTn id="7" dur="1" fill="hold">
-                                          <p:stCondLst>
-                                            <p:cond delay="1999"/>
-                                          </p:stCondLst>
-                                        </p:cTn>
-                                        <p:tgtEl>
-                                          <p:spTgt spid="1026"/>
-                                        </p:tgtEl>
-                                        <p:attrNameLst>
-                                          <p:attrName>style.visibility</p:attrName>
-                                        </p:attrNameLst>
-                                      </p:cBhvr>
-                                      <p:to>
-                                        <p:strVal val="hidden"/>
-                                      </p:to>
-                                    </p:set>
-                                  </p:childTnLst>
-                                </p:cTn>
-                              </p:par>
-                            </p:childTnLst>
-                          </p:cTn>
-                        </p:par>
-                      </p:childTnLst>
-                    </p:cTn>
-                  </p:par>
-                </p:childTnLst>
-              </p:cTn>
-              <p:prevCondLst>
-                <p:cond evt="onPrev" delay="0">
-                  <p:tgtEl>
-                    <p:sldTgt/>
-                  </p:tgtEl>
-                </p:cond>
-              </p:prevCondLst>
-              <p:nextCondLst>
-                <p:cond evt="onNext" delay="0">
-                  <p:tgtEl>
-                    <p:sldTgt/>
-                  </p:tgtEl>
-                </p:cond>
-              </p:nextCondLst>
-            </p:seq>
-          </p:childTnLst>
-        </p:cTn>
-      </p:par>
-    </p:tnLst>
-  </p:timing>
-</p:sld>
-</file>
-
-<file path=ppt/slides/slide16.xml><?xml version="1.0" encoding="utf-8"?>
-<p:sld xmlns:a="http://schemas.openxmlformats.org/drawingml/2006/main" xmlns:r="http://schemas.openxmlformats.org/officeDocument/2006/relationships" xmlns:p="http://schemas.openxmlformats.org/presentationml/2006/main">
-  <p:cSld>
-    <p:spTree>
-      <p:nvGrpSpPr>
-        <p:cNvPr id="1" name=""/>
-        <p:cNvGrpSpPr/>
-        <p:nvPr/>
-      </p:nvGrpSpPr>
-      <p:grpSpPr>
-        <a:xfrm>
-          <a:off x="0" y="0"/>
-          <a:ext cx="0" cy="0"/>
-          <a:chOff x="0" y="0"/>
-          <a:chExt cx="0" cy="0"/>
-        </a:xfrm>
-      </p:grpSpPr>
       <p:sp>
         <p:nvSpPr>
           <p:cNvPr id="2" name="Title 1">
@@ -11809,8 +9159,8 @@
         </p:nvSpPr>
         <p:spPr>
           <a:xfrm>
-            <a:off x="979897" y="0"/>
-            <a:ext cx="7184205" cy="770954"/>
+            <a:off x="979487" y="390418"/>
+            <a:ext cx="7185025" cy="771525"/>
           </a:xfrm>
         </p:spPr>
         <p:txBody>
@@ -12132,7 +9482,7 @@
 </p:sld>
 </file>
 
-<file path=ppt/slides/slide17.xml><?xml version="1.0" encoding="utf-8"?>
+<file path=ppt/slides/slide14.xml><?xml version="1.0" encoding="utf-8"?>
 <p:sld xmlns:a="http://schemas.openxmlformats.org/drawingml/2006/main" xmlns:r="http://schemas.openxmlformats.org/officeDocument/2006/relationships" xmlns:p="http://schemas.openxmlformats.org/presentationml/2006/main">
   <p:cSld>
     <p:spTree>
@@ -12469,7 +9819,7 @@
                     <a:bodyPr/>
                     <a:lstStyle/>
                     <a:p>
-                      <a:endParaRPr lang="en-IN"/>
+                      <a:endParaRPr lang="en-IN" dirty="0"/>
                     </a:p>
                   </a:txBody>
                   <a:tcPr/>
@@ -12710,6 +10060,741 @@
           </a:p>
         </p:txBody>
       </p:sp>
+      <p:sp>
+        <p:nvSpPr>
+          <p:cNvPr id="3" name="TextBox 2">
+            <a:extLst>
+              <a:ext uri="{FF2B5EF4-FFF2-40B4-BE49-F238E27FC236}">
+                <a16:creationId xmlns:a16="http://schemas.microsoft.com/office/drawing/2014/main" id="{EEBF1F23-3F9E-BF23-F1FF-AF11FB1A6386}"/>
+              </a:ext>
+            </a:extLst>
+          </p:cNvPr>
+          <p:cNvSpPr txBox="1"/>
+          <p:nvPr/>
+        </p:nvSpPr>
+        <p:spPr>
+          <a:xfrm>
+            <a:off x="-1211667" y="3167390"/>
+            <a:ext cx="513708" cy="523220"/>
+          </a:xfrm>
+          <a:prstGeom prst="rect">
+            <a:avLst/>
+          </a:prstGeom>
+          <a:noFill/>
+        </p:spPr>
+        <p:txBody>
+          <a:bodyPr wrap="square" rtlCol="0">
+            <a:spAutoFit/>
+          </a:bodyPr>
+          <a:lstStyle/>
+          <a:p>
+            <a:r>
+              <a:rPr lang="en-IN" sz="2800" dirty="0"/>
+              <a:t>3</a:t>
+            </a:r>
+          </a:p>
+        </p:txBody>
+      </p:sp>
+      <p:sp>
+        <p:nvSpPr>
+          <p:cNvPr id="5" name="TextBox 4">
+            <a:extLst>
+              <a:ext uri="{FF2B5EF4-FFF2-40B4-BE49-F238E27FC236}">
+                <a16:creationId xmlns:a16="http://schemas.microsoft.com/office/drawing/2014/main" id="{FFA3210F-7CF0-EBE7-FB0E-50E168CB57B0}"/>
+              </a:ext>
+            </a:extLst>
+          </p:cNvPr>
+          <p:cNvSpPr txBox="1"/>
+          <p:nvPr/>
+        </p:nvSpPr>
+        <p:spPr>
+          <a:xfrm>
+            <a:off x="-960292" y="3167390"/>
+            <a:ext cx="513708" cy="523220"/>
+          </a:xfrm>
+          <a:prstGeom prst="rect">
+            <a:avLst/>
+          </a:prstGeom>
+          <a:noFill/>
+        </p:spPr>
+        <p:txBody>
+          <a:bodyPr wrap="square" rtlCol="0">
+            <a:spAutoFit/>
+          </a:bodyPr>
+          <a:lstStyle/>
+          <a:p>
+            <a:r>
+              <a:rPr lang="en-IN" sz="2800" dirty="0"/>
+              <a:t>3</a:t>
+            </a:r>
+          </a:p>
+        </p:txBody>
+      </p:sp>
+      <p:sp>
+        <p:nvSpPr>
+          <p:cNvPr id="8" name="TextBox 7">
+            <a:extLst>
+              <a:ext uri="{FF2B5EF4-FFF2-40B4-BE49-F238E27FC236}">
+                <a16:creationId xmlns:a16="http://schemas.microsoft.com/office/drawing/2014/main" id="{FEC054AB-9D01-5FA6-2DF8-7997966E87CA}"/>
+              </a:ext>
+            </a:extLst>
+          </p:cNvPr>
+          <p:cNvSpPr txBox="1"/>
+          <p:nvPr/>
+        </p:nvSpPr>
+        <p:spPr>
+          <a:xfrm>
+            <a:off x="-720904" y="3167390"/>
+            <a:ext cx="513708" cy="523220"/>
+          </a:xfrm>
+          <a:prstGeom prst="rect">
+            <a:avLst/>
+          </a:prstGeom>
+          <a:noFill/>
+        </p:spPr>
+        <p:txBody>
+          <a:bodyPr wrap="square" rtlCol="0">
+            <a:spAutoFit/>
+          </a:bodyPr>
+          <a:lstStyle/>
+          <a:p>
+            <a:r>
+              <a:rPr lang="en-IN" sz="2800" dirty="0"/>
+              <a:t>3</a:t>
+            </a:r>
+          </a:p>
+        </p:txBody>
+      </p:sp>
+      <p:sp>
+        <p:nvSpPr>
+          <p:cNvPr id="9" name="TextBox 8">
+            <a:extLst>
+              <a:ext uri="{FF2B5EF4-FFF2-40B4-BE49-F238E27FC236}">
+                <a16:creationId xmlns:a16="http://schemas.microsoft.com/office/drawing/2014/main" id="{E3A1D80F-2454-9FE5-ACC0-B856187C55CB}"/>
+              </a:ext>
+            </a:extLst>
+          </p:cNvPr>
+          <p:cNvSpPr txBox="1"/>
+          <p:nvPr/>
+        </p:nvSpPr>
+        <p:spPr>
+          <a:xfrm>
+            <a:off x="-464050" y="3167390"/>
+            <a:ext cx="513708" cy="523220"/>
+          </a:xfrm>
+          <a:prstGeom prst="rect">
+            <a:avLst/>
+          </a:prstGeom>
+          <a:noFill/>
+        </p:spPr>
+        <p:txBody>
+          <a:bodyPr wrap="square" rtlCol="0">
+            <a:spAutoFit/>
+          </a:bodyPr>
+          <a:lstStyle/>
+          <a:p>
+            <a:r>
+              <a:rPr lang="en-IN" sz="2800" dirty="0"/>
+              <a:t>3</a:t>
+            </a:r>
+          </a:p>
+        </p:txBody>
+      </p:sp>
+      <p:sp>
+        <p:nvSpPr>
+          <p:cNvPr id="12" name="TextBox 11">
+            <a:extLst>
+              <a:ext uri="{FF2B5EF4-FFF2-40B4-BE49-F238E27FC236}">
+                <a16:creationId xmlns:a16="http://schemas.microsoft.com/office/drawing/2014/main" id="{BA02D336-1EAA-C58C-C2AF-40D47F93342A}"/>
+              </a:ext>
+            </a:extLst>
+          </p:cNvPr>
+          <p:cNvSpPr txBox="1"/>
+          <p:nvPr/>
+        </p:nvSpPr>
+        <p:spPr>
+          <a:xfrm>
+            <a:off x="-2460664" y="3166629"/>
+            <a:ext cx="513708" cy="523220"/>
+          </a:xfrm>
+          <a:prstGeom prst="rect">
+            <a:avLst/>
+          </a:prstGeom>
+          <a:noFill/>
+        </p:spPr>
+        <p:txBody>
+          <a:bodyPr wrap="square" rtlCol="0">
+            <a:spAutoFit/>
+          </a:bodyPr>
+          <a:lstStyle/>
+          <a:p>
+            <a:r>
+              <a:rPr lang="en-IN" sz="2800" dirty="0"/>
+              <a:t>4</a:t>
+            </a:r>
+          </a:p>
+        </p:txBody>
+      </p:sp>
+      <p:sp>
+        <p:nvSpPr>
+          <p:cNvPr id="13" name="TextBox 12">
+            <a:extLst>
+              <a:ext uri="{FF2B5EF4-FFF2-40B4-BE49-F238E27FC236}">
+                <a16:creationId xmlns:a16="http://schemas.microsoft.com/office/drawing/2014/main" id="{A6547EF1-7EF0-A133-BE8B-5BD134F1C6AD}"/>
+              </a:ext>
+            </a:extLst>
+          </p:cNvPr>
+          <p:cNvSpPr txBox="1"/>
+          <p:nvPr/>
+        </p:nvSpPr>
+        <p:spPr>
+          <a:xfrm>
+            <a:off x="-2169990" y="3166629"/>
+            <a:ext cx="513708" cy="523220"/>
+          </a:xfrm>
+          <a:prstGeom prst="rect">
+            <a:avLst/>
+          </a:prstGeom>
+          <a:noFill/>
+        </p:spPr>
+        <p:txBody>
+          <a:bodyPr wrap="square" rtlCol="0">
+            <a:spAutoFit/>
+          </a:bodyPr>
+          <a:lstStyle/>
+          <a:p>
+            <a:r>
+              <a:rPr lang="en-IN" sz="2800" dirty="0"/>
+              <a:t>4</a:t>
+            </a:r>
+          </a:p>
+        </p:txBody>
+      </p:sp>
+      <p:sp>
+        <p:nvSpPr>
+          <p:cNvPr id="14" name="TextBox 13">
+            <a:extLst>
+              <a:ext uri="{FF2B5EF4-FFF2-40B4-BE49-F238E27FC236}">
+                <a16:creationId xmlns:a16="http://schemas.microsoft.com/office/drawing/2014/main" id="{D9E11FA8-963E-E2AC-9944-37D8F279F414}"/>
+              </a:ext>
+            </a:extLst>
+          </p:cNvPr>
+          <p:cNvSpPr txBox="1"/>
+          <p:nvPr/>
+        </p:nvSpPr>
+        <p:spPr>
+          <a:xfrm>
+            <a:off x="-1815615" y="3166629"/>
+            <a:ext cx="513708" cy="523220"/>
+          </a:xfrm>
+          <a:prstGeom prst="rect">
+            <a:avLst/>
+          </a:prstGeom>
+          <a:noFill/>
+        </p:spPr>
+        <p:txBody>
+          <a:bodyPr wrap="square" rtlCol="0">
+            <a:spAutoFit/>
+          </a:bodyPr>
+          <a:lstStyle/>
+          <a:p>
+            <a:r>
+              <a:rPr lang="en-IN" sz="2800" dirty="0"/>
+              <a:t>4</a:t>
+            </a:r>
+          </a:p>
+        </p:txBody>
+      </p:sp>
+      <p:sp>
+        <p:nvSpPr>
+          <p:cNvPr id="15" name="TextBox 14">
+            <a:extLst>
+              <a:ext uri="{FF2B5EF4-FFF2-40B4-BE49-F238E27FC236}">
+                <a16:creationId xmlns:a16="http://schemas.microsoft.com/office/drawing/2014/main" id="{EFD04CA8-CF41-9796-FF63-07EB550B41BF}"/>
+              </a:ext>
+            </a:extLst>
+          </p:cNvPr>
+          <p:cNvSpPr txBox="1"/>
+          <p:nvPr/>
+        </p:nvSpPr>
+        <p:spPr>
+          <a:xfrm>
+            <a:off x="-1506192" y="3178875"/>
+            <a:ext cx="513708" cy="523220"/>
+          </a:xfrm>
+          <a:prstGeom prst="rect">
+            <a:avLst/>
+          </a:prstGeom>
+          <a:noFill/>
+        </p:spPr>
+        <p:txBody>
+          <a:bodyPr wrap="square" rtlCol="0">
+            <a:spAutoFit/>
+          </a:bodyPr>
+          <a:lstStyle/>
+          <a:p>
+            <a:r>
+              <a:rPr lang="en-IN" sz="2800" dirty="0"/>
+              <a:t>4</a:t>
+            </a:r>
+          </a:p>
+        </p:txBody>
+      </p:sp>
+      <p:sp>
+        <p:nvSpPr>
+          <p:cNvPr id="16" name="TextBox 15">
+            <a:extLst>
+              <a:ext uri="{FF2B5EF4-FFF2-40B4-BE49-F238E27FC236}">
+                <a16:creationId xmlns:a16="http://schemas.microsoft.com/office/drawing/2014/main" id="{D11AB195-CD01-E70C-9AC1-059E497624F5}"/>
+              </a:ext>
+            </a:extLst>
+          </p:cNvPr>
+          <p:cNvSpPr txBox="1"/>
+          <p:nvPr/>
+        </p:nvSpPr>
+        <p:spPr>
+          <a:xfrm>
+            <a:off x="-2108946" y="3911607"/>
+            <a:ext cx="513708" cy="523220"/>
+          </a:xfrm>
+          <a:prstGeom prst="rect">
+            <a:avLst/>
+          </a:prstGeom>
+          <a:noFill/>
+        </p:spPr>
+        <p:txBody>
+          <a:bodyPr wrap="square" rtlCol="0">
+            <a:spAutoFit/>
+          </a:bodyPr>
+          <a:lstStyle/>
+          <a:p>
+            <a:r>
+              <a:rPr lang="en-IN" sz="2800" dirty="0"/>
+              <a:t>2</a:t>
+            </a:r>
+          </a:p>
+        </p:txBody>
+      </p:sp>
+      <p:sp>
+        <p:nvSpPr>
+          <p:cNvPr id="17" name="TextBox 16">
+            <a:extLst>
+              <a:ext uri="{FF2B5EF4-FFF2-40B4-BE49-F238E27FC236}">
+                <a16:creationId xmlns:a16="http://schemas.microsoft.com/office/drawing/2014/main" id="{6937E2C3-A4B3-7899-0B14-01E7983576C4}"/>
+              </a:ext>
+            </a:extLst>
+          </p:cNvPr>
+          <p:cNvSpPr txBox="1"/>
+          <p:nvPr/>
+        </p:nvSpPr>
+        <p:spPr>
+          <a:xfrm>
+            <a:off x="-1750550" y="3905946"/>
+            <a:ext cx="513708" cy="523220"/>
+          </a:xfrm>
+          <a:prstGeom prst="rect">
+            <a:avLst/>
+          </a:prstGeom>
+          <a:noFill/>
+        </p:spPr>
+        <p:txBody>
+          <a:bodyPr wrap="square" rtlCol="0">
+            <a:spAutoFit/>
+          </a:bodyPr>
+          <a:lstStyle/>
+          <a:p>
+            <a:r>
+              <a:rPr lang="en-IN" sz="2800" dirty="0"/>
+              <a:t>2</a:t>
+            </a:r>
+          </a:p>
+        </p:txBody>
+      </p:sp>
+      <p:sp>
+        <p:nvSpPr>
+          <p:cNvPr id="18" name="TextBox 17">
+            <a:extLst>
+              <a:ext uri="{FF2B5EF4-FFF2-40B4-BE49-F238E27FC236}">
+                <a16:creationId xmlns:a16="http://schemas.microsoft.com/office/drawing/2014/main" id="{09BCA56C-0A9D-E837-2A36-5CF5D13AA126}"/>
+              </a:ext>
+            </a:extLst>
+          </p:cNvPr>
+          <p:cNvSpPr txBox="1"/>
+          <p:nvPr/>
+        </p:nvSpPr>
+        <p:spPr>
+          <a:xfrm>
+            <a:off x="-1401139" y="3882554"/>
+            <a:ext cx="513708" cy="523220"/>
+          </a:xfrm>
+          <a:prstGeom prst="rect">
+            <a:avLst/>
+          </a:prstGeom>
+          <a:noFill/>
+        </p:spPr>
+        <p:txBody>
+          <a:bodyPr wrap="square" rtlCol="0">
+            <a:spAutoFit/>
+          </a:bodyPr>
+          <a:lstStyle/>
+          <a:p>
+            <a:r>
+              <a:rPr lang="en-IN" sz="2800" dirty="0"/>
+              <a:t>2</a:t>
+            </a:r>
+          </a:p>
+        </p:txBody>
+      </p:sp>
+      <p:sp>
+        <p:nvSpPr>
+          <p:cNvPr id="19" name="TextBox 18">
+            <a:extLst>
+              <a:ext uri="{FF2B5EF4-FFF2-40B4-BE49-F238E27FC236}">
+                <a16:creationId xmlns:a16="http://schemas.microsoft.com/office/drawing/2014/main" id="{CDE720E9-9DE6-76C0-3D40-EC1C1F825B35}"/>
+              </a:ext>
+            </a:extLst>
+          </p:cNvPr>
+          <p:cNvSpPr txBox="1"/>
+          <p:nvPr/>
+        </p:nvSpPr>
+        <p:spPr>
+          <a:xfrm>
+            <a:off x="-1133927" y="3894800"/>
+            <a:ext cx="513708" cy="523220"/>
+          </a:xfrm>
+          <a:prstGeom prst="rect">
+            <a:avLst/>
+          </a:prstGeom>
+          <a:noFill/>
+        </p:spPr>
+        <p:txBody>
+          <a:bodyPr wrap="square" rtlCol="0">
+            <a:spAutoFit/>
+          </a:bodyPr>
+          <a:lstStyle/>
+          <a:p>
+            <a:r>
+              <a:rPr lang="en-IN" sz="2800" dirty="0"/>
+              <a:t>2</a:t>
+            </a:r>
+          </a:p>
+        </p:txBody>
+      </p:sp>
+      <p:sp>
+        <p:nvSpPr>
+          <p:cNvPr id="20" name="TextBox 19">
+            <a:extLst>
+              <a:ext uri="{FF2B5EF4-FFF2-40B4-BE49-F238E27FC236}">
+                <a16:creationId xmlns:a16="http://schemas.microsoft.com/office/drawing/2014/main" id="{A448EE56-160E-E571-4A82-35C35C0A7400}"/>
+              </a:ext>
+            </a:extLst>
+          </p:cNvPr>
+          <p:cNvSpPr txBox="1"/>
+          <p:nvPr/>
+        </p:nvSpPr>
+        <p:spPr>
+          <a:xfrm>
+            <a:off x="-877073" y="3894800"/>
+            <a:ext cx="513708" cy="523220"/>
+          </a:xfrm>
+          <a:prstGeom prst="rect">
+            <a:avLst/>
+          </a:prstGeom>
+          <a:noFill/>
+        </p:spPr>
+        <p:txBody>
+          <a:bodyPr wrap="square" rtlCol="0">
+            <a:spAutoFit/>
+          </a:bodyPr>
+          <a:lstStyle/>
+          <a:p>
+            <a:r>
+              <a:rPr lang="en-IN" sz="2800" dirty="0"/>
+              <a:t>2</a:t>
+            </a:r>
+          </a:p>
+        </p:txBody>
+      </p:sp>
+      <p:sp>
+        <p:nvSpPr>
+          <p:cNvPr id="21" name="TextBox 20">
+            <a:extLst>
+              <a:ext uri="{FF2B5EF4-FFF2-40B4-BE49-F238E27FC236}">
+                <a16:creationId xmlns:a16="http://schemas.microsoft.com/office/drawing/2014/main" id="{A12F0312-61A1-F0E3-F3F1-58257D834362}"/>
+              </a:ext>
+            </a:extLst>
+          </p:cNvPr>
+          <p:cNvSpPr txBox="1"/>
+          <p:nvPr/>
+        </p:nvSpPr>
+        <p:spPr>
+          <a:xfrm>
+            <a:off x="-648043" y="3895894"/>
+            <a:ext cx="513708" cy="523220"/>
+          </a:xfrm>
+          <a:prstGeom prst="rect">
+            <a:avLst/>
+          </a:prstGeom>
+          <a:noFill/>
+        </p:spPr>
+        <p:txBody>
+          <a:bodyPr wrap="square" rtlCol="0">
+            <a:spAutoFit/>
+          </a:bodyPr>
+          <a:lstStyle/>
+          <a:p>
+            <a:r>
+              <a:rPr lang="en-IN" sz="2800" dirty="0"/>
+              <a:t>2</a:t>
+            </a:r>
+          </a:p>
+        </p:txBody>
+      </p:sp>
+      <p:sp>
+        <p:nvSpPr>
+          <p:cNvPr id="22" name="TextBox 21">
+            <a:extLst>
+              <a:ext uri="{FF2B5EF4-FFF2-40B4-BE49-F238E27FC236}">
+                <a16:creationId xmlns:a16="http://schemas.microsoft.com/office/drawing/2014/main" id="{71CA12DA-3CB0-DFF1-8E4F-345D401681F8}"/>
+              </a:ext>
+            </a:extLst>
+          </p:cNvPr>
+          <p:cNvSpPr txBox="1"/>
+          <p:nvPr/>
+        </p:nvSpPr>
+        <p:spPr>
+          <a:xfrm>
+            <a:off x="-408913" y="3905946"/>
+            <a:ext cx="513708" cy="523220"/>
+          </a:xfrm>
+          <a:prstGeom prst="rect">
+            <a:avLst/>
+          </a:prstGeom>
+          <a:noFill/>
+        </p:spPr>
+        <p:txBody>
+          <a:bodyPr wrap="square" rtlCol="0">
+            <a:spAutoFit/>
+          </a:bodyPr>
+          <a:lstStyle/>
+          <a:p>
+            <a:r>
+              <a:rPr lang="en-IN" sz="2800" dirty="0"/>
+              <a:t>2</a:t>
+            </a:r>
+          </a:p>
+        </p:txBody>
+      </p:sp>
+      <p:sp>
+        <p:nvSpPr>
+          <p:cNvPr id="23" name="TextBox 22">
+            <a:extLst>
+              <a:ext uri="{FF2B5EF4-FFF2-40B4-BE49-F238E27FC236}">
+                <a16:creationId xmlns:a16="http://schemas.microsoft.com/office/drawing/2014/main" id="{9A08546B-9F70-13E2-480B-D0DC2E7B7942}"/>
+              </a:ext>
+            </a:extLst>
+          </p:cNvPr>
+          <p:cNvSpPr txBox="1"/>
+          <p:nvPr/>
+        </p:nvSpPr>
+        <p:spPr>
+          <a:xfrm>
+            <a:off x="-1716684" y="4669857"/>
+            <a:ext cx="513708" cy="523220"/>
+          </a:xfrm>
+          <a:prstGeom prst="rect">
+            <a:avLst/>
+          </a:prstGeom>
+          <a:noFill/>
+        </p:spPr>
+        <p:txBody>
+          <a:bodyPr wrap="square" rtlCol="0">
+            <a:spAutoFit/>
+          </a:bodyPr>
+          <a:lstStyle/>
+          <a:p>
+            <a:r>
+              <a:rPr lang="en-IN" sz="2800" dirty="0"/>
+              <a:t>6</a:t>
+            </a:r>
+          </a:p>
+        </p:txBody>
+      </p:sp>
+      <p:sp>
+        <p:nvSpPr>
+          <p:cNvPr id="24" name="TextBox 23">
+            <a:extLst>
+              <a:ext uri="{FF2B5EF4-FFF2-40B4-BE49-F238E27FC236}">
+                <a16:creationId xmlns:a16="http://schemas.microsoft.com/office/drawing/2014/main" id="{2F342F02-4DB2-3D14-9D9E-4A796201A77A}"/>
+              </a:ext>
+            </a:extLst>
+          </p:cNvPr>
+          <p:cNvSpPr txBox="1"/>
+          <p:nvPr/>
+        </p:nvSpPr>
+        <p:spPr>
+          <a:xfrm>
+            <a:off x="-1325858" y="4669857"/>
+            <a:ext cx="513708" cy="523220"/>
+          </a:xfrm>
+          <a:prstGeom prst="rect">
+            <a:avLst/>
+          </a:prstGeom>
+          <a:noFill/>
+        </p:spPr>
+        <p:txBody>
+          <a:bodyPr wrap="square" rtlCol="0">
+            <a:spAutoFit/>
+          </a:bodyPr>
+          <a:lstStyle/>
+          <a:p>
+            <a:r>
+              <a:rPr lang="en-IN" sz="2800" dirty="0"/>
+              <a:t>1</a:t>
+            </a:r>
+          </a:p>
+        </p:txBody>
+      </p:sp>
+      <p:sp>
+        <p:nvSpPr>
+          <p:cNvPr id="25" name="TextBox 24">
+            <a:extLst>
+              <a:ext uri="{FF2B5EF4-FFF2-40B4-BE49-F238E27FC236}">
+                <a16:creationId xmlns:a16="http://schemas.microsoft.com/office/drawing/2014/main" id="{22D4B1B7-E0B0-1CEC-A14A-BD9FD334AECA}"/>
+              </a:ext>
+            </a:extLst>
+          </p:cNvPr>
+          <p:cNvSpPr txBox="1"/>
+          <p:nvPr/>
+        </p:nvSpPr>
+        <p:spPr>
+          <a:xfrm>
+            <a:off x="-1019116" y="4674803"/>
+            <a:ext cx="513708" cy="523220"/>
+          </a:xfrm>
+          <a:prstGeom prst="rect">
+            <a:avLst/>
+          </a:prstGeom>
+          <a:noFill/>
+        </p:spPr>
+        <p:txBody>
+          <a:bodyPr wrap="square" rtlCol="0">
+            <a:spAutoFit/>
+          </a:bodyPr>
+          <a:lstStyle/>
+          <a:p>
+            <a:r>
+              <a:rPr lang="en-IN" sz="2800" dirty="0"/>
+              <a:t>1</a:t>
+            </a:r>
+          </a:p>
+        </p:txBody>
+      </p:sp>
+      <p:sp>
+        <p:nvSpPr>
+          <p:cNvPr id="26" name="TextBox 25">
+            <a:extLst>
+              <a:ext uri="{FF2B5EF4-FFF2-40B4-BE49-F238E27FC236}">
+                <a16:creationId xmlns:a16="http://schemas.microsoft.com/office/drawing/2014/main" id="{3491EC8F-F45D-F0F9-B3A8-660382AFEC51}"/>
+              </a:ext>
+            </a:extLst>
+          </p:cNvPr>
+          <p:cNvSpPr txBox="1"/>
+          <p:nvPr/>
+        </p:nvSpPr>
+        <p:spPr>
+          <a:xfrm>
+            <a:off x="-494317" y="4674803"/>
+            <a:ext cx="513708" cy="523220"/>
+          </a:xfrm>
+          <a:prstGeom prst="rect">
+            <a:avLst/>
+          </a:prstGeom>
+          <a:noFill/>
+        </p:spPr>
+        <p:txBody>
+          <a:bodyPr wrap="square" rtlCol="0">
+            <a:spAutoFit/>
+          </a:bodyPr>
+          <a:lstStyle/>
+          <a:p>
+            <a:r>
+              <a:rPr lang="en-IN" sz="2800" dirty="0"/>
+              <a:t>1</a:t>
+            </a:r>
+          </a:p>
+        </p:txBody>
+      </p:sp>
+      <p:sp>
+        <p:nvSpPr>
+          <p:cNvPr id="27" name="TextBox 26">
+            <a:extLst>
+              <a:ext uri="{FF2B5EF4-FFF2-40B4-BE49-F238E27FC236}">
+                <a16:creationId xmlns:a16="http://schemas.microsoft.com/office/drawing/2014/main" id="{2F65735B-5713-C386-7D91-9441C74A3BA8}"/>
+              </a:ext>
+            </a:extLst>
+          </p:cNvPr>
+          <p:cNvSpPr txBox="1"/>
+          <p:nvPr/>
+        </p:nvSpPr>
+        <p:spPr>
+          <a:xfrm>
+            <a:off x="-751171" y="4674803"/>
+            <a:ext cx="513708" cy="523220"/>
+          </a:xfrm>
+          <a:prstGeom prst="rect">
+            <a:avLst/>
+          </a:prstGeom>
+          <a:noFill/>
+        </p:spPr>
+        <p:txBody>
+          <a:bodyPr wrap="square" rtlCol="0">
+            <a:spAutoFit/>
+          </a:bodyPr>
+          <a:lstStyle/>
+          <a:p>
+            <a:r>
+              <a:rPr lang="en-IN" sz="2800" dirty="0"/>
+              <a:t>1</a:t>
+            </a:r>
+          </a:p>
+        </p:txBody>
+      </p:sp>
+      <p:sp>
+        <p:nvSpPr>
+          <p:cNvPr id="28" name="TextBox 27">
+            <a:extLst>
+              <a:ext uri="{FF2B5EF4-FFF2-40B4-BE49-F238E27FC236}">
+                <a16:creationId xmlns:a16="http://schemas.microsoft.com/office/drawing/2014/main" id="{66974997-DF39-859A-9F9D-887760AC1633}"/>
+              </a:ext>
+            </a:extLst>
+          </p:cNvPr>
+          <p:cNvSpPr txBox="1"/>
+          <p:nvPr/>
+        </p:nvSpPr>
+        <p:spPr>
+          <a:xfrm>
+            <a:off x="-2067335" y="4669857"/>
+            <a:ext cx="513708" cy="523220"/>
+          </a:xfrm>
+          <a:prstGeom prst="rect">
+            <a:avLst/>
+          </a:prstGeom>
+          <a:noFill/>
+        </p:spPr>
+        <p:txBody>
+          <a:bodyPr wrap="square" rtlCol="0">
+            <a:spAutoFit/>
+          </a:bodyPr>
+          <a:lstStyle/>
+          <a:p>
+            <a:r>
+              <a:rPr lang="en-IN" sz="2800" dirty="0"/>
+              <a:t>6</a:t>
+            </a:r>
+          </a:p>
+        </p:txBody>
+      </p:sp>
     </p:spTree>
     <p:extLst>
       <p:ext uri="{BB962C8B-B14F-4D97-AF65-F5344CB8AC3E}">
@@ -12720,10 +10805,903 @@
   <p:clrMapOvr>
     <a:masterClrMapping/>
   </p:clrMapOvr>
+  <p:timing>
+    <p:tnLst>
+      <p:par>
+        <p:cTn id="1" dur="indefinite" restart="never" nodeType="tmRoot">
+          <p:childTnLst>
+            <p:seq concurrent="1" nextAc="seek">
+              <p:cTn id="2" dur="indefinite" nodeType="mainSeq">
+                <p:childTnLst>
+                  <p:par>
+                    <p:cTn id="3" fill="hold">
+                      <p:stCondLst>
+                        <p:cond delay="indefinite"/>
+                      </p:stCondLst>
+                      <p:childTnLst>
+                        <p:par>
+                          <p:cTn id="4" fill="hold">
+                            <p:stCondLst>
+                              <p:cond delay="0"/>
+                            </p:stCondLst>
+                            <p:childTnLst>
+                              <p:par>
+                                <p:cTn id="5" presetID="42" presetClass="path" presetSubtype="0" accel="50000" decel="50000" fill="hold" grpId="0" nodeType="clickEffect">
+                                  <p:stCondLst>
+                                    <p:cond delay="0"/>
+                                  </p:stCondLst>
+                                  <p:childTnLst>
+                                    <p:animMotion origin="layout" path="M -5.55556E-7 0 L 0.17448 0 " pathEditMode="relative" rAng="0" ptsTypes="AA">
+                                      <p:cBhvr>
+                                        <p:cTn id="6" dur="2000" fill="hold"/>
+                                        <p:tgtEl>
+                                          <p:spTgt spid="9"/>
+                                        </p:tgtEl>
+                                        <p:attrNameLst>
+                                          <p:attrName>ppt_x</p:attrName>
+                                          <p:attrName>ppt_y</p:attrName>
+                                        </p:attrNameLst>
+                                      </p:cBhvr>
+                                      <p:rCtr x="8715" y="0"/>
+                                    </p:animMotion>
+                                  </p:childTnLst>
+                                </p:cTn>
+                              </p:par>
+                            </p:childTnLst>
+                          </p:cTn>
+                        </p:par>
+                      </p:childTnLst>
+                    </p:cTn>
+                  </p:par>
+                  <p:par>
+                    <p:cTn id="7" fill="hold">
+                      <p:stCondLst>
+                        <p:cond delay="indefinite"/>
+                      </p:stCondLst>
+                      <p:childTnLst>
+                        <p:par>
+                          <p:cTn id="8" fill="hold">
+                            <p:stCondLst>
+                              <p:cond delay="0"/>
+                            </p:stCondLst>
+                            <p:childTnLst>
+                              <p:par>
+                                <p:cTn id="9" presetID="42" presetClass="path" presetSubtype="0" accel="50000" decel="50000" fill="hold" grpId="0" nodeType="clickEffect">
+                                  <p:stCondLst>
+                                    <p:cond delay="0"/>
+                                  </p:stCondLst>
+                                  <p:childTnLst>
+                                    <p:animMotion origin="layout" path="M 4.44444E-6 0 L 0.30486 0 " pathEditMode="relative" rAng="0" ptsTypes="AA">
+                                      <p:cBhvr>
+                                        <p:cTn id="10" dur="2000" fill="hold"/>
+                                        <p:tgtEl>
+                                          <p:spTgt spid="8"/>
+                                        </p:tgtEl>
+                                        <p:attrNameLst>
+                                          <p:attrName>ppt_x</p:attrName>
+                                          <p:attrName>ppt_y</p:attrName>
+                                        </p:attrNameLst>
+                                      </p:cBhvr>
+                                      <p:rCtr x="15243" y="0"/>
+                                    </p:animMotion>
+                                  </p:childTnLst>
+                                </p:cTn>
+                              </p:par>
+                            </p:childTnLst>
+                          </p:cTn>
+                        </p:par>
+                      </p:childTnLst>
+                    </p:cTn>
+                  </p:par>
+                  <p:par>
+                    <p:cTn id="11" fill="hold">
+                      <p:stCondLst>
+                        <p:cond delay="indefinite"/>
+                      </p:stCondLst>
+                      <p:childTnLst>
+                        <p:par>
+                          <p:cTn id="12" fill="hold">
+                            <p:stCondLst>
+                              <p:cond delay="0"/>
+                            </p:stCondLst>
+                            <p:childTnLst>
+                              <p:par>
+                                <p:cTn id="13" presetID="42" presetClass="path" presetSubtype="0" accel="50000" decel="50000" fill="hold" grpId="0" nodeType="clickEffect">
+                                  <p:stCondLst>
+                                    <p:cond delay="0"/>
+                                  </p:stCondLst>
+                                  <p:childTnLst>
+                                    <p:animMotion origin="layout" path="M -3.33333E-6 1.11111E-6 L 0.27414 0.00278 " pathEditMode="relative" rAng="0" ptsTypes="AA">
+                                      <p:cBhvr>
+                                        <p:cTn id="14" dur="2000" fill="hold"/>
+                                        <p:tgtEl>
+                                          <p:spTgt spid="22"/>
+                                        </p:tgtEl>
+                                        <p:attrNameLst>
+                                          <p:attrName>ppt_x</p:attrName>
+                                          <p:attrName>ppt_y</p:attrName>
+                                        </p:attrNameLst>
+                                      </p:cBhvr>
+                                      <p:rCtr x="13698" y="139"/>
+                                    </p:animMotion>
+                                  </p:childTnLst>
+                                </p:cTn>
+                              </p:par>
+                            </p:childTnLst>
+                          </p:cTn>
+                        </p:par>
+                      </p:childTnLst>
+                    </p:cTn>
+                  </p:par>
+                  <p:par>
+                    <p:cTn id="15" fill="hold">
+                      <p:stCondLst>
+                        <p:cond delay="indefinite"/>
+                      </p:stCondLst>
+                      <p:childTnLst>
+                        <p:par>
+                          <p:cTn id="16" fill="hold">
+                            <p:stCondLst>
+                              <p:cond delay="0"/>
+                            </p:stCondLst>
+                            <p:childTnLst>
+                              <p:par>
+                                <p:cTn id="17" presetID="42" presetClass="path" presetSubtype="0" accel="50000" decel="50000" fill="hold" grpId="0" nodeType="clickEffect">
+                                  <p:stCondLst>
+                                    <p:cond delay="0"/>
+                                  </p:stCondLst>
+                                  <p:childTnLst>
+                                    <p:animMotion origin="layout" path="M -2.77778E-7 0 L 0.43976 0 " pathEditMode="relative" rAng="0" ptsTypes="AA">
+                                      <p:cBhvr>
+                                        <p:cTn id="18" dur="2000" fill="hold"/>
+                                        <p:tgtEl>
+                                          <p:spTgt spid="5"/>
+                                        </p:tgtEl>
+                                        <p:attrNameLst>
+                                          <p:attrName>ppt_x</p:attrName>
+                                          <p:attrName>ppt_y</p:attrName>
+                                        </p:attrNameLst>
+                                      </p:cBhvr>
+                                      <p:rCtr x="21979" y="0"/>
+                                    </p:animMotion>
+                                  </p:childTnLst>
+                                </p:cTn>
+                              </p:par>
+                            </p:childTnLst>
+                          </p:cTn>
+                        </p:par>
+                      </p:childTnLst>
+                    </p:cTn>
+                  </p:par>
+                  <p:par>
+                    <p:cTn id="19" fill="hold">
+                      <p:stCondLst>
+                        <p:cond delay="indefinite"/>
+                      </p:stCondLst>
+                      <p:childTnLst>
+                        <p:par>
+                          <p:cTn id="20" fill="hold">
+                            <p:stCondLst>
+                              <p:cond delay="0"/>
+                            </p:stCondLst>
+                            <p:childTnLst>
+                              <p:par>
+                                <p:cTn id="21" presetID="42" presetClass="path" presetSubtype="0" accel="50000" decel="50000" fill="hold" grpId="0" nodeType="clickEffect">
+                                  <p:stCondLst>
+                                    <p:cond delay="0"/>
+                                  </p:stCondLst>
+                                  <p:childTnLst>
+                                    <p:animMotion origin="layout" path="M -1.66667E-6 0 L 0.40452 0.00463 " pathEditMode="relative" rAng="0" ptsTypes="AA">
+                                      <p:cBhvr>
+                                        <p:cTn id="22" dur="2000" fill="hold"/>
+                                        <p:tgtEl>
+                                          <p:spTgt spid="21"/>
+                                        </p:tgtEl>
+                                        <p:attrNameLst>
+                                          <p:attrName>ppt_x</p:attrName>
+                                          <p:attrName>ppt_y</p:attrName>
+                                        </p:attrNameLst>
+                                      </p:cBhvr>
+                                      <p:rCtr x="20226" y="231"/>
+                                    </p:animMotion>
+                                  </p:childTnLst>
+                                </p:cTn>
+                              </p:par>
+                            </p:childTnLst>
+                          </p:cTn>
+                        </p:par>
+                      </p:childTnLst>
+                    </p:cTn>
+                  </p:par>
+                  <p:par>
+                    <p:cTn id="23" fill="hold">
+                      <p:stCondLst>
+                        <p:cond delay="indefinite"/>
+                      </p:stCondLst>
+                      <p:childTnLst>
+                        <p:par>
+                          <p:cTn id="24" fill="hold">
+                            <p:stCondLst>
+                              <p:cond delay="0"/>
+                            </p:stCondLst>
+                            <p:childTnLst>
+                              <p:par>
+                                <p:cTn id="25" presetID="42" presetClass="path" presetSubtype="0" accel="50000" decel="50000" fill="hold" grpId="0" nodeType="clickEffect">
+                                  <p:stCondLst>
+                                    <p:cond delay="0"/>
+                                  </p:stCondLst>
+                                  <p:childTnLst>
+                                    <p:animMotion origin="layout" path="M -1.94444E-6 4.07407E-6 L 0.38646 -0.00162 " pathEditMode="relative" rAng="0" ptsTypes="AA">
+                                      <p:cBhvr>
+                                        <p:cTn id="26" dur="2000" fill="hold"/>
+                                        <p:tgtEl>
+                                          <p:spTgt spid="26"/>
+                                        </p:tgtEl>
+                                        <p:attrNameLst>
+                                          <p:attrName>ppt_x</p:attrName>
+                                          <p:attrName>ppt_y</p:attrName>
+                                        </p:attrNameLst>
+                                      </p:cBhvr>
+                                      <p:rCtr x="19323" y="-93"/>
+                                    </p:animMotion>
+                                  </p:childTnLst>
+                                </p:cTn>
+                              </p:par>
+                            </p:childTnLst>
+                          </p:cTn>
+                        </p:par>
+                      </p:childTnLst>
+                    </p:cTn>
+                  </p:par>
+                  <p:par>
+                    <p:cTn id="27" fill="hold">
+                      <p:stCondLst>
+                        <p:cond delay="indefinite"/>
+                      </p:stCondLst>
+                      <p:childTnLst>
+                        <p:par>
+                          <p:cTn id="28" fill="hold">
+                            <p:stCondLst>
+                              <p:cond delay="0"/>
+                            </p:stCondLst>
+                            <p:childTnLst>
+                              <p:par>
+                                <p:cTn id="29" presetID="42" presetClass="path" presetSubtype="0" accel="50000" decel="50000" fill="hold" grpId="0" nodeType="clickEffect">
+                                  <p:stCondLst>
+                                    <p:cond delay="0"/>
+                                  </p:stCondLst>
+                                  <p:childTnLst>
+                                    <p:animMotion origin="layout" path="M 2.77778E-7 0 L 0.57622 0 " pathEditMode="relative" rAng="0" ptsTypes="AA">
+                                      <p:cBhvr>
+                                        <p:cTn id="30" dur="2000" fill="hold"/>
+                                        <p:tgtEl>
+                                          <p:spTgt spid="3"/>
+                                        </p:tgtEl>
+                                        <p:attrNameLst>
+                                          <p:attrName>ppt_x</p:attrName>
+                                          <p:attrName>ppt_y</p:attrName>
+                                        </p:attrNameLst>
+                                      </p:cBhvr>
+                                      <p:rCtr x="28802" y="0"/>
+                                    </p:animMotion>
+                                  </p:childTnLst>
+                                </p:cTn>
+                              </p:par>
+                            </p:childTnLst>
+                          </p:cTn>
+                        </p:par>
+                      </p:childTnLst>
+                    </p:cTn>
+                  </p:par>
+                  <p:par>
+                    <p:cTn id="31" fill="hold">
+                      <p:stCondLst>
+                        <p:cond delay="indefinite"/>
+                      </p:stCondLst>
+                      <p:childTnLst>
+                        <p:par>
+                          <p:cTn id="32" fill="hold">
+                            <p:stCondLst>
+                              <p:cond delay="0"/>
+                            </p:stCondLst>
+                            <p:childTnLst>
+                              <p:par>
+                                <p:cTn id="33" presetID="42" presetClass="path" presetSubtype="0" accel="50000" decel="50000" fill="hold" grpId="0" nodeType="clickEffect">
+                                  <p:stCondLst>
+                                    <p:cond delay="0"/>
+                                  </p:stCondLst>
+                                  <p:childTnLst>
+                                    <p:animMotion origin="layout" path="M -1.66667E-6 1.48148E-6 L 0.53854 0.00023 " pathEditMode="relative" rAng="0" ptsTypes="AA">
+                                      <p:cBhvr>
+                                        <p:cTn id="34" dur="2000" fill="hold"/>
+                                        <p:tgtEl>
+                                          <p:spTgt spid="20"/>
+                                        </p:tgtEl>
+                                        <p:attrNameLst>
+                                          <p:attrName>ppt_x</p:attrName>
+                                          <p:attrName>ppt_y</p:attrName>
+                                        </p:attrNameLst>
+                                      </p:cBhvr>
+                                      <p:rCtr x="26927" y="0"/>
+                                    </p:animMotion>
+                                  </p:childTnLst>
+                                </p:cTn>
+                              </p:par>
+                            </p:childTnLst>
+                          </p:cTn>
+                        </p:par>
+                      </p:childTnLst>
+                    </p:cTn>
+                  </p:par>
+                  <p:par>
+                    <p:cTn id="35" fill="hold">
+                      <p:stCondLst>
+                        <p:cond delay="indefinite"/>
+                      </p:stCondLst>
+                      <p:childTnLst>
+                        <p:par>
+                          <p:cTn id="36" fill="hold">
+                            <p:stCondLst>
+                              <p:cond delay="0"/>
+                            </p:stCondLst>
+                            <p:childTnLst>
+                              <p:par>
+                                <p:cTn id="37" presetID="42" presetClass="path" presetSubtype="0" accel="50000" decel="50000" fill="hold" grpId="0" nodeType="clickEffect">
+                                  <p:stCondLst>
+                                    <p:cond delay="0"/>
+                                  </p:stCondLst>
+                                  <p:childTnLst>
+                                    <p:animMotion origin="layout" path="M 3.05556E-6 4.07407E-6 L 0.51805 0.00092 " pathEditMode="relative" rAng="0" ptsTypes="AA">
+                                      <p:cBhvr>
+                                        <p:cTn id="38" dur="2000" fill="hold"/>
+                                        <p:tgtEl>
+                                          <p:spTgt spid="27"/>
+                                        </p:tgtEl>
+                                        <p:attrNameLst>
+                                          <p:attrName>ppt_x</p:attrName>
+                                          <p:attrName>ppt_y</p:attrName>
+                                        </p:attrNameLst>
+                                      </p:cBhvr>
+                                      <p:rCtr x="25903" y="46"/>
+                                    </p:animMotion>
+                                  </p:childTnLst>
+                                </p:cTn>
+                              </p:par>
+                            </p:childTnLst>
+                          </p:cTn>
+                        </p:par>
+                      </p:childTnLst>
+                    </p:cTn>
+                  </p:par>
+                  <p:par>
+                    <p:cTn id="39" fill="hold">
+                      <p:stCondLst>
+                        <p:cond delay="indefinite"/>
+                      </p:stCondLst>
+                      <p:childTnLst>
+                        <p:par>
+                          <p:cTn id="40" fill="hold">
+                            <p:stCondLst>
+                              <p:cond delay="0"/>
+                            </p:stCondLst>
+                            <p:childTnLst>
+                              <p:par>
+                                <p:cTn id="41" presetID="42" presetClass="path" presetSubtype="0" accel="50000" decel="50000" fill="hold" grpId="0" nodeType="clickEffect">
+                                  <p:stCondLst>
+                                    <p:cond delay="0"/>
+                                  </p:stCondLst>
+                                  <p:childTnLst>
+                                    <p:animMotion origin="layout" path="M 1.94444E-6 -3.7037E-7 L 0.70625 -0.00162 " pathEditMode="relative" rAng="0" ptsTypes="AA">
+                                      <p:cBhvr>
+                                        <p:cTn id="42" dur="2000" fill="hold"/>
+                                        <p:tgtEl>
+                                          <p:spTgt spid="15"/>
+                                        </p:tgtEl>
+                                        <p:attrNameLst>
+                                          <p:attrName>ppt_x</p:attrName>
+                                          <p:attrName>ppt_y</p:attrName>
+                                        </p:attrNameLst>
+                                      </p:cBhvr>
+                                      <p:rCtr x="35313" y="-93"/>
+                                    </p:animMotion>
+                                  </p:childTnLst>
+                                </p:cTn>
+                              </p:par>
+                            </p:childTnLst>
+                          </p:cTn>
+                        </p:par>
+                      </p:childTnLst>
+                    </p:cTn>
+                  </p:par>
+                  <p:par>
+                    <p:cTn id="43" fill="hold">
+                      <p:stCondLst>
+                        <p:cond delay="indefinite"/>
+                      </p:stCondLst>
+                      <p:childTnLst>
+                        <p:par>
+                          <p:cTn id="44" fill="hold">
+                            <p:stCondLst>
+                              <p:cond delay="0"/>
+                            </p:stCondLst>
+                            <p:childTnLst>
+                              <p:par>
+                                <p:cTn id="45" presetID="42" presetClass="path" presetSubtype="0" accel="50000" decel="50000" fill="hold" grpId="0" nodeType="clickEffect">
+                                  <p:stCondLst>
+                                    <p:cond delay="0"/>
+                                  </p:stCondLst>
+                                  <p:childTnLst>
+                                    <p:animMotion origin="layout" path="M 3.33333E-6 1.48148E-6 L 0.67343 0.00023 " pathEditMode="relative" rAng="0" ptsTypes="AA">
+                                      <p:cBhvr>
+                                        <p:cTn id="46" dur="2000" fill="hold"/>
+                                        <p:tgtEl>
+                                          <p:spTgt spid="19"/>
+                                        </p:tgtEl>
+                                        <p:attrNameLst>
+                                          <p:attrName>ppt_x</p:attrName>
+                                          <p:attrName>ppt_y</p:attrName>
+                                        </p:attrNameLst>
+                                      </p:cBhvr>
+                                      <p:rCtr x="33663" y="0"/>
+                                    </p:animMotion>
+                                  </p:childTnLst>
+                                </p:cTn>
+                              </p:par>
+                            </p:childTnLst>
+                          </p:cTn>
+                        </p:par>
+                      </p:childTnLst>
+                    </p:cTn>
+                  </p:par>
+                  <p:par>
+                    <p:cTn id="47" fill="hold">
+                      <p:stCondLst>
+                        <p:cond delay="indefinite"/>
+                      </p:stCondLst>
+                      <p:childTnLst>
+                        <p:par>
+                          <p:cTn id="48" fill="hold">
+                            <p:stCondLst>
+                              <p:cond delay="0"/>
+                            </p:stCondLst>
+                            <p:childTnLst>
+                              <p:par>
+                                <p:cTn id="49" presetID="42" presetClass="path" presetSubtype="0" accel="50000" decel="50000" fill="hold" grpId="0" nodeType="clickEffect">
+                                  <p:stCondLst>
+                                    <p:cond delay="0"/>
+                                  </p:stCondLst>
+                                  <p:childTnLst>
+                                    <p:animMotion origin="layout" path="M 3.33333E-6 4.07407E-6 L 0.66198 -0.00162 " pathEditMode="relative" rAng="0" ptsTypes="AA">
+                                      <p:cBhvr>
+                                        <p:cTn id="50" dur="2000" fill="hold"/>
+                                        <p:tgtEl>
+                                          <p:spTgt spid="25"/>
+                                        </p:tgtEl>
+                                        <p:attrNameLst>
+                                          <p:attrName>ppt_x</p:attrName>
+                                          <p:attrName>ppt_y</p:attrName>
+                                        </p:attrNameLst>
+                                      </p:cBhvr>
+                                      <p:rCtr x="33090" y="-93"/>
+                                    </p:animMotion>
+                                  </p:childTnLst>
+                                </p:cTn>
+                              </p:par>
+                            </p:childTnLst>
+                          </p:cTn>
+                        </p:par>
+                      </p:childTnLst>
+                    </p:cTn>
+                  </p:par>
+                  <p:par>
+                    <p:cTn id="51" fill="hold">
+                      <p:stCondLst>
+                        <p:cond delay="indefinite"/>
+                      </p:stCondLst>
+                      <p:childTnLst>
+                        <p:par>
+                          <p:cTn id="52" fill="hold">
+                            <p:stCondLst>
+                              <p:cond delay="0"/>
+                            </p:stCondLst>
+                            <p:childTnLst>
+                              <p:par>
+                                <p:cTn id="53" presetID="42" presetClass="path" presetSubtype="0" accel="50000" decel="50000" fill="hold" grpId="0" nodeType="clickEffect">
+                                  <p:stCondLst>
+                                    <p:cond delay="0"/>
+                                  </p:stCondLst>
+                                  <p:childTnLst>
+                                    <p:animMotion origin="layout" path="M -3.88889E-6 1.48148E-6 L 0.85157 0.00023 " pathEditMode="relative" rAng="0" ptsTypes="AA">
+                                      <p:cBhvr>
+                                        <p:cTn id="54" dur="2000" fill="hold"/>
+                                        <p:tgtEl>
+                                          <p:spTgt spid="14"/>
+                                        </p:tgtEl>
+                                        <p:attrNameLst>
+                                          <p:attrName>ppt_x</p:attrName>
+                                          <p:attrName>ppt_y</p:attrName>
+                                        </p:attrNameLst>
+                                      </p:cBhvr>
+                                      <p:rCtr x="42569" y="0"/>
+                                    </p:animMotion>
+                                  </p:childTnLst>
+                                </p:cTn>
+                              </p:par>
+                            </p:childTnLst>
+                          </p:cTn>
+                        </p:par>
+                      </p:childTnLst>
+                    </p:cTn>
+                  </p:par>
+                  <p:par>
+                    <p:cTn id="55" fill="hold">
+                      <p:stCondLst>
+                        <p:cond delay="indefinite"/>
+                      </p:stCondLst>
+                      <p:childTnLst>
+                        <p:par>
+                          <p:cTn id="56" fill="hold">
+                            <p:stCondLst>
+                              <p:cond delay="0"/>
+                            </p:stCondLst>
+                            <p:childTnLst>
+                              <p:par>
+                                <p:cTn id="57" presetID="42" presetClass="path" presetSubtype="0" accel="50000" decel="50000" fill="hold" grpId="0" nodeType="clickEffect">
+                                  <p:stCondLst>
+                                    <p:cond delay="0"/>
+                                  </p:stCondLst>
+                                  <p:childTnLst>
+                                    <p:animMotion origin="layout" path="M 3.61111E-6 3.33333E-6 L 0.80711 0.00208 " pathEditMode="relative" rAng="0" ptsTypes="AA">
+                                      <p:cBhvr>
+                                        <p:cTn id="58" dur="2000" fill="hold"/>
+                                        <p:tgtEl>
+                                          <p:spTgt spid="18"/>
+                                        </p:tgtEl>
+                                        <p:attrNameLst>
+                                          <p:attrName>ppt_x</p:attrName>
+                                          <p:attrName>ppt_y</p:attrName>
+                                        </p:attrNameLst>
+                                      </p:cBhvr>
+                                      <p:rCtr x="40347" y="93"/>
+                                    </p:animMotion>
+                                  </p:childTnLst>
+                                </p:cTn>
+                              </p:par>
+                            </p:childTnLst>
+                          </p:cTn>
+                        </p:par>
+                      </p:childTnLst>
+                    </p:cTn>
+                  </p:par>
+                  <p:par>
+                    <p:cTn id="59" fill="hold">
+                      <p:stCondLst>
+                        <p:cond delay="indefinite"/>
+                      </p:stCondLst>
+                      <p:childTnLst>
+                        <p:par>
+                          <p:cTn id="60" fill="hold">
+                            <p:stCondLst>
+                              <p:cond delay="0"/>
+                            </p:stCondLst>
+                            <p:childTnLst>
+                              <p:par>
+                                <p:cTn id="61" presetID="42" presetClass="path" presetSubtype="0" accel="50000" decel="50000" fill="hold" grpId="0" nodeType="clickEffect">
+                                  <p:stCondLst>
+                                    <p:cond delay="0"/>
+                                  </p:stCondLst>
+                                  <p:childTnLst>
+                                    <p:animMotion origin="layout" path="M 2.77778E-7 -1.48148E-6 L 0.80677 -0.00092 " pathEditMode="relative" rAng="0" ptsTypes="AA">
+                                      <p:cBhvr>
+                                        <p:cTn id="62" dur="2000" fill="hold"/>
+                                        <p:tgtEl>
+                                          <p:spTgt spid="24"/>
+                                        </p:tgtEl>
+                                        <p:attrNameLst>
+                                          <p:attrName>ppt_x</p:attrName>
+                                          <p:attrName>ppt_y</p:attrName>
+                                        </p:attrNameLst>
+                                      </p:cBhvr>
+                                      <p:rCtr x="40330" y="-46"/>
+                                    </p:animMotion>
+                                  </p:childTnLst>
+                                </p:cTn>
+                              </p:par>
+                            </p:childTnLst>
+                          </p:cTn>
+                        </p:par>
+                      </p:childTnLst>
+                    </p:cTn>
+                  </p:par>
+                  <p:par>
+                    <p:cTn id="63" fill="hold">
+                      <p:stCondLst>
+                        <p:cond delay="indefinite"/>
+                      </p:stCondLst>
+                      <p:childTnLst>
+                        <p:par>
+                          <p:cTn id="64" fill="hold">
+                            <p:stCondLst>
+                              <p:cond delay="0"/>
+                            </p:stCondLst>
+                            <p:childTnLst>
+                              <p:par>
+                                <p:cTn id="65" presetID="42" presetClass="path" presetSubtype="0" accel="50000" decel="50000" fill="hold" grpId="0" nodeType="clickEffect">
+                                  <p:stCondLst>
+                                    <p:cond delay="0"/>
+                                  </p:stCondLst>
+                                  <p:childTnLst>
+                                    <p:animMotion origin="layout" path="M 1.38889E-6 1.48148E-6 L 0.99687 0.00023 " pathEditMode="relative" rAng="0" ptsTypes="AA">
+                                      <p:cBhvr>
+                                        <p:cTn id="66" dur="2000" fill="hold"/>
+                                        <p:tgtEl>
+                                          <p:spTgt spid="13"/>
+                                        </p:tgtEl>
+                                        <p:attrNameLst>
+                                          <p:attrName>ppt_x</p:attrName>
+                                          <p:attrName>ppt_y</p:attrName>
+                                        </p:attrNameLst>
+                                      </p:cBhvr>
+                                      <p:rCtr x="49844" y="0"/>
+                                    </p:animMotion>
+                                  </p:childTnLst>
+                                </p:cTn>
+                              </p:par>
+                            </p:childTnLst>
+                          </p:cTn>
+                        </p:par>
+                      </p:childTnLst>
+                    </p:cTn>
+                  </p:par>
+                  <p:par>
+                    <p:cTn id="67" fill="hold">
+                      <p:stCondLst>
+                        <p:cond delay="indefinite"/>
+                      </p:stCondLst>
+                      <p:childTnLst>
+                        <p:par>
+                          <p:cTn id="68" fill="hold">
+                            <p:stCondLst>
+                              <p:cond delay="0"/>
+                            </p:stCondLst>
+                            <p:childTnLst>
+                              <p:par>
+                                <p:cTn id="69" presetID="42" presetClass="path" presetSubtype="0" accel="50000" decel="50000" fill="hold" grpId="0" nodeType="clickEffect">
+                                  <p:stCondLst>
+                                    <p:cond delay="0"/>
+                                  </p:stCondLst>
+                                  <p:childTnLst>
+                                    <p:animMotion origin="layout" path="M -1.94444E-6 1.11111E-6 L 0.9566 -0.00139 " pathEditMode="relative" rAng="0" ptsTypes="AA">
+                                      <p:cBhvr>
+                                        <p:cTn id="70" dur="2000" fill="hold"/>
+                                        <p:tgtEl>
+                                          <p:spTgt spid="17"/>
+                                        </p:tgtEl>
+                                        <p:attrNameLst>
+                                          <p:attrName>ppt_x</p:attrName>
+                                          <p:attrName>ppt_y</p:attrName>
+                                        </p:attrNameLst>
+                                      </p:cBhvr>
+                                      <p:rCtr x="47830" y="-69"/>
+                                    </p:animMotion>
+                                  </p:childTnLst>
+                                </p:cTn>
+                              </p:par>
+                            </p:childTnLst>
+                          </p:cTn>
+                        </p:par>
+                      </p:childTnLst>
+                    </p:cTn>
+                  </p:par>
+                  <p:par>
+                    <p:cTn id="71" fill="hold">
+                      <p:stCondLst>
+                        <p:cond delay="indefinite"/>
+                      </p:stCondLst>
+                      <p:childTnLst>
+                        <p:par>
+                          <p:cTn id="72" fill="hold">
+                            <p:stCondLst>
+                              <p:cond delay="0"/>
+                            </p:stCondLst>
+                            <p:childTnLst>
+                              <p:par>
+                                <p:cTn id="73" presetID="42" presetClass="path" presetSubtype="0" accel="50000" decel="50000" fill="hold" grpId="0" nodeType="clickEffect">
+                                  <p:stCondLst>
+                                    <p:cond delay="0"/>
+                                  </p:stCondLst>
+                                  <p:childTnLst>
+                                    <p:animMotion origin="layout" path="M -1.38889E-6 -1.48148E-6 L 0.95174 -0.00092 " pathEditMode="relative" rAng="0" ptsTypes="AA">
+                                      <p:cBhvr>
+                                        <p:cTn id="74" dur="2000" fill="hold"/>
+                                        <p:tgtEl>
+                                          <p:spTgt spid="23"/>
+                                        </p:tgtEl>
+                                        <p:attrNameLst>
+                                          <p:attrName>ppt_x</p:attrName>
+                                          <p:attrName>ppt_y</p:attrName>
+                                        </p:attrNameLst>
+                                      </p:cBhvr>
+                                      <p:rCtr x="47587" y="-46"/>
+                                    </p:animMotion>
+                                  </p:childTnLst>
+                                </p:cTn>
+                              </p:par>
+                            </p:childTnLst>
+                          </p:cTn>
+                        </p:par>
+                      </p:childTnLst>
+                    </p:cTn>
+                  </p:par>
+                  <p:par>
+                    <p:cTn id="75" fill="hold">
+                      <p:stCondLst>
+                        <p:cond delay="indefinite"/>
+                      </p:stCondLst>
+                      <p:childTnLst>
+                        <p:par>
+                          <p:cTn id="76" fill="hold">
+                            <p:stCondLst>
+                              <p:cond delay="0"/>
+                            </p:stCondLst>
+                            <p:childTnLst>
+                              <p:par>
+                                <p:cTn id="77" presetID="42" presetClass="path" presetSubtype="0" accel="50000" decel="50000" fill="hold" grpId="0" nodeType="clickEffect">
+                                  <p:stCondLst>
+                                    <p:cond delay="0"/>
+                                  </p:stCondLst>
+                                  <p:childTnLst>
+                                    <p:animMotion origin="layout" path="M 2.22222E-6 1.48148E-6 L 1.13541 0.00023 " pathEditMode="relative" rAng="0" ptsTypes="AA">
+                                      <p:cBhvr>
+                                        <p:cTn id="78" dur="2000" fill="hold"/>
+                                        <p:tgtEl>
+                                          <p:spTgt spid="12"/>
+                                        </p:tgtEl>
+                                        <p:attrNameLst>
+                                          <p:attrName>ppt_x</p:attrName>
+                                          <p:attrName>ppt_y</p:attrName>
+                                        </p:attrNameLst>
+                                      </p:cBhvr>
+                                      <p:rCtr x="56771" y="0"/>
+                                    </p:animMotion>
+                                  </p:childTnLst>
+                                </p:cTn>
+                              </p:par>
+                            </p:childTnLst>
+                          </p:cTn>
+                        </p:par>
+                      </p:childTnLst>
+                    </p:cTn>
+                  </p:par>
+                  <p:par>
+                    <p:cTn id="79" fill="hold">
+                      <p:stCondLst>
+                        <p:cond delay="indefinite"/>
+                      </p:stCondLst>
+                      <p:childTnLst>
+                        <p:par>
+                          <p:cTn id="80" fill="hold">
+                            <p:stCondLst>
+                              <p:cond delay="0"/>
+                            </p:stCondLst>
+                            <p:childTnLst>
+                              <p:par>
+                                <p:cTn id="81" presetID="42" presetClass="path" presetSubtype="0" accel="50000" decel="50000" fill="hold" grpId="0" nodeType="clickEffect">
+                                  <p:stCondLst>
+                                    <p:cond delay="0"/>
+                                  </p:stCondLst>
+                                  <p:childTnLst>
+                                    <p:animMotion origin="layout" path="M 5.55556E-7 -4.81481E-6 L 1.09236 -0.00231 " pathEditMode="relative" rAng="0" ptsTypes="AA">
+                                      <p:cBhvr>
+                                        <p:cTn id="82" dur="2000" fill="hold"/>
+                                        <p:tgtEl>
+                                          <p:spTgt spid="16"/>
+                                        </p:tgtEl>
+                                        <p:attrNameLst>
+                                          <p:attrName>ppt_x</p:attrName>
+                                          <p:attrName>ppt_y</p:attrName>
+                                        </p:attrNameLst>
+                                      </p:cBhvr>
+                                      <p:rCtr x="54618" y="-116"/>
+                                    </p:animMotion>
+                                  </p:childTnLst>
+                                </p:cTn>
+                              </p:par>
+                            </p:childTnLst>
+                          </p:cTn>
+                        </p:par>
+                      </p:childTnLst>
+                    </p:cTn>
+                  </p:par>
+                  <p:par>
+                    <p:cTn id="83" fill="hold">
+                      <p:stCondLst>
+                        <p:cond delay="indefinite"/>
+                      </p:stCondLst>
+                      <p:childTnLst>
+                        <p:par>
+                          <p:cTn id="84" fill="hold">
+                            <p:stCondLst>
+                              <p:cond delay="0"/>
+                            </p:stCondLst>
+                            <p:childTnLst>
+                              <p:par>
+                                <p:cTn id="85" presetID="42" presetClass="path" presetSubtype="0" accel="50000" decel="50000" fill="hold" grpId="0" nodeType="clickEffect">
+                                  <p:stCondLst>
+                                    <p:cond delay="0"/>
+                                  </p:stCondLst>
+                                  <p:childTnLst>
+                                    <p:animMotion origin="layout" path="M -3.33333E-6 -1.48148E-6 L 1.08889 -0.00092 " pathEditMode="relative" rAng="0" ptsTypes="AA">
+                                      <p:cBhvr>
+                                        <p:cTn id="86" dur="2000" fill="hold"/>
+                                        <p:tgtEl>
+                                          <p:spTgt spid="28"/>
+                                        </p:tgtEl>
+                                        <p:attrNameLst>
+                                          <p:attrName>ppt_x</p:attrName>
+                                          <p:attrName>ppt_y</p:attrName>
+                                        </p:attrNameLst>
+                                      </p:cBhvr>
+                                      <p:rCtr x="54444" y="-46"/>
+                                    </p:animMotion>
+                                  </p:childTnLst>
+                                </p:cTn>
+                              </p:par>
+                            </p:childTnLst>
+                          </p:cTn>
+                        </p:par>
+                      </p:childTnLst>
+                    </p:cTn>
+                  </p:par>
+                </p:childTnLst>
+              </p:cTn>
+              <p:prevCondLst>
+                <p:cond evt="onPrev" delay="0">
+                  <p:tgtEl>
+                    <p:sldTgt/>
+                  </p:tgtEl>
+                </p:cond>
+              </p:prevCondLst>
+              <p:nextCondLst>
+                <p:cond evt="onNext" delay="0">
+                  <p:tgtEl>
+                    <p:sldTgt/>
+                  </p:tgtEl>
+                </p:cond>
+              </p:nextCondLst>
+            </p:seq>
+          </p:childTnLst>
+        </p:cTn>
+      </p:par>
+    </p:tnLst>
+    <p:bldLst>
+      <p:bldP spid="3" grpId="0"/>
+      <p:bldP spid="5" grpId="0"/>
+      <p:bldP spid="8" grpId="0"/>
+      <p:bldP spid="9" grpId="0"/>
+      <p:bldP spid="12" grpId="0"/>
+      <p:bldP spid="13" grpId="0"/>
+      <p:bldP spid="14" grpId="0"/>
+      <p:bldP spid="15" grpId="0"/>
+      <p:bldP spid="16" grpId="0"/>
+      <p:bldP spid="17" grpId="0"/>
+      <p:bldP spid="18" grpId="0"/>
+      <p:bldP spid="19" grpId="0"/>
+      <p:bldP spid="20" grpId="0"/>
+      <p:bldP spid="21" grpId="0"/>
+      <p:bldP spid="22" grpId="0"/>
+      <p:bldP spid="23" grpId="0"/>
+      <p:bldP spid="24" grpId="0"/>
+      <p:bldP spid="25" grpId="0"/>
+      <p:bldP spid="26" grpId="0"/>
+      <p:bldP spid="27" grpId="0"/>
+      <p:bldP spid="28" grpId="0"/>
+    </p:bldLst>
+  </p:timing>
 </p:sld>
 </file>
 
-<file path=ppt/slides/slide18.xml><?xml version="1.0" encoding="utf-8"?>
+<file path=ppt/slides/slide15.xml><?xml version="1.0" encoding="utf-8"?>
 <p:sld xmlns:a="http://schemas.openxmlformats.org/drawingml/2006/main" xmlns:r="http://schemas.openxmlformats.org/officeDocument/2006/relationships" xmlns:p="http://schemas.openxmlformats.org/presentationml/2006/main">
   <p:cSld>
     <p:spTree>
@@ -13408,10 +12386,1454 @@
           </a:p>
         </p:txBody>
       </p:sp>
+      <p:sp>
+        <p:nvSpPr>
+          <p:cNvPr id="10" name="TextBox 9">
+            <a:extLst>
+              <a:ext uri="{FF2B5EF4-FFF2-40B4-BE49-F238E27FC236}">
+                <a16:creationId xmlns:a16="http://schemas.microsoft.com/office/drawing/2014/main" id="{713D3401-E161-286D-202A-B0D105FED436}"/>
+              </a:ext>
+            </a:extLst>
+          </p:cNvPr>
+          <p:cNvSpPr txBox="1"/>
+          <p:nvPr/>
+        </p:nvSpPr>
+        <p:spPr>
+          <a:xfrm>
+            <a:off x="818203" y="5120641"/>
+            <a:ext cx="996594" cy="646331"/>
+          </a:xfrm>
+          <a:prstGeom prst="rect">
+            <a:avLst/>
+          </a:prstGeom>
+          <a:noFill/>
+        </p:spPr>
+        <p:txBody>
+          <a:bodyPr wrap="square" rtlCol="0">
+            <a:spAutoFit/>
+          </a:bodyPr>
+          <a:lstStyle/>
+          <a:p>
+            <a:pPr algn="ctr"/>
+            <a:r>
+              <a:rPr lang="en-IN" dirty="0"/>
+              <a:t>PAGE</a:t>
+            </a:r>
+          </a:p>
+          <a:p>
+            <a:pPr algn="ctr"/>
+            <a:r>
+              <a:rPr lang="en-IN" dirty="0"/>
+              <a:t>FAULT</a:t>
+            </a:r>
+          </a:p>
+        </p:txBody>
+      </p:sp>
+      <p:sp>
+        <p:nvSpPr>
+          <p:cNvPr id="11" name="TextBox 10">
+            <a:extLst>
+              <a:ext uri="{FF2B5EF4-FFF2-40B4-BE49-F238E27FC236}">
+                <a16:creationId xmlns:a16="http://schemas.microsoft.com/office/drawing/2014/main" id="{2650B010-6F25-CE7B-AC6E-7E941173C725}"/>
+              </a:ext>
+            </a:extLst>
+          </p:cNvPr>
+          <p:cNvSpPr txBox="1"/>
+          <p:nvPr/>
+        </p:nvSpPr>
+        <p:spPr>
+          <a:xfrm>
+            <a:off x="1843037" y="5120641"/>
+            <a:ext cx="996594" cy="646331"/>
+          </a:xfrm>
+          <a:prstGeom prst="rect">
+            <a:avLst/>
+          </a:prstGeom>
+          <a:noFill/>
+        </p:spPr>
+        <p:txBody>
+          <a:bodyPr wrap="square" rtlCol="0">
+            <a:spAutoFit/>
+          </a:bodyPr>
+          <a:lstStyle/>
+          <a:p>
+            <a:pPr algn="ctr"/>
+            <a:r>
+              <a:rPr lang="en-IN" dirty="0"/>
+              <a:t>PAGE</a:t>
+            </a:r>
+          </a:p>
+          <a:p>
+            <a:pPr algn="ctr"/>
+            <a:r>
+              <a:rPr lang="en-IN" dirty="0"/>
+              <a:t>FAULT</a:t>
+            </a:r>
+          </a:p>
+        </p:txBody>
+      </p:sp>
+      <p:sp>
+        <p:nvSpPr>
+          <p:cNvPr id="12" name="TextBox 11">
+            <a:extLst>
+              <a:ext uri="{FF2B5EF4-FFF2-40B4-BE49-F238E27FC236}">
+                <a16:creationId xmlns:a16="http://schemas.microsoft.com/office/drawing/2014/main" id="{E62033CB-7E99-4F87-5927-39623D2F842E}"/>
+              </a:ext>
+            </a:extLst>
+          </p:cNvPr>
+          <p:cNvSpPr txBox="1"/>
+          <p:nvPr/>
+        </p:nvSpPr>
+        <p:spPr>
+          <a:xfrm>
+            <a:off x="6774980" y="5120639"/>
+            <a:ext cx="996594" cy="646331"/>
+          </a:xfrm>
+          <a:prstGeom prst="rect">
+            <a:avLst/>
+          </a:prstGeom>
+          <a:noFill/>
+        </p:spPr>
+        <p:txBody>
+          <a:bodyPr wrap="square" rtlCol="0">
+            <a:spAutoFit/>
+          </a:bodyPr>
+          <a:lstStyle/>
+          <a:p>
+            <a:pPr algn="ctr"/>
+            <a:r>
+              <a:rPr lang="en-IN" dirty="0"/>
+              <a:t>PAGE</a:t>
+            </a:r>
+          </a:p>
+          <a:p>
+            <a:pPr algn="ctr"/>
+            <a:r>
+              <a:rPr lang="en-IN" dirty="0"/>
+              <a:t>FAULT</a:t>
+            </a:r>
+          </a:p>
+        </p:txBody>
+      </p:sp>
+      <p:sp>
+        <p:nvSpPr>
+          <p:cNvPr id="13" name="TextBox 12">
+            <a:extLst>
+              <a:ext uri="{FF2B5EF4-FFF2-40B4-BE49-F238E27FC236}">
+                <a16:creationId xmlns:a16="http://schemas.microsoft.com/office/drawing/2014/main" id="{D7B128EF-6B94-45D0-1FB0-9CC6E95C9E1A}"/>
+              </a:ext>
+            </a:extLst>
+          </p:cNvPr>
+          <p:cNvSpPr txBox="1"/>
+          <p:nvPr/>
+        </p:nvSpPr>
+        <p:spPr>
+          <a:xfrm>
+            <a:off x="4854304" y="5120640"/>
+            <a:ext cx="996594" cy="646331"/>
+          </a:xfrm>
+          <a:prstGeom prst="rect">
+            <a:avLst/>
+          </a:prstGeom>
+          <a:noFill/>
+        </p:spPr>
+        <p:txBody>
+          <a:bodyPr wrap="square" rtlCol="0">
+            <a:spAutoFit/>
+          </a:bodyPr>
+          <a:lstStyle/>
+          <a:p>
+            <a:pPr algn="ctr"/>
+            <a:r>
+              <a:rPr lang="en-IN" dirty="0"/>
+              <a:t>PAGE</a:t>
+            </a:r>
+          </a:p>
+          <a:p>
+            <a:pPr algn="ctr"/>
+            <a:r>
+              <a:rPr lang="en-IN" dirty="0"/>
+              <a:t>FAULT</a:t>
+            </a:r>
+          </a:p>
+        </p:txBody>
+      </p:sp>
+      <p:sp>
+        <p:nvSpPr>
+          <p:cNvPr id="14" name="TextBox 13">
+            <a:extLst>
+              <a:ext uri="{FF2B5EF4-FFF2-40B4-BE49-F238E27FC236}">
+                <a16:creationId xmlns:a16="http://schemas.microsoft.com/office/drawing/2014/main" id="{82BAF9DE-F5B6-C2FD-711B-A2D29CDF7FDA}"/>
+              </a:ext>
+            </a:extLst>
+          </p:cNvPr>
+          <p:cNvSpPr txBox="1"/>
+          <p:nvPr/>
+        </p:nvSpPr>
+        <p:spPr>
+          <a:xfrm>
+            <a:off x="2794807" y="5120641"/>
+            <a:ext cx="996594" cy="646331"/>
+          </a:xfrm>
+          <a:prstGeom prst="rect">
+            <a:avLst/>
+          </a:prstGeom>
+          <a:noFill/>
+        </p:spPr>
+        <p:txBody>
+          <a:bodyPr wrap="square" rtlCol="0">
+            <a:spAutoFit/>
+          </a:bodyPr>
+          <a:lstStyle/>
+          <a:p>
+            <a:pPr algn="ctr"/>
+            <a:r>
+              <a:rPr lang="en-IN" dirty="0"/>
+              <a:t>PAGE</a:t>
+            </a:r>
+          </a:p>
+          <a:p>
+            <a:pPr algn="ctr"/>
+            <a:r>
+              <a:rPr lang="en-IN" dirty="0"/>
+              <a:t>FAULT</a:t>
+            </a:r>
+          </a:p>
+        </p:txBody>
+      </p:sp>
+      <p:pic>
+        <p:nvPicPr>
+          <p:cNvPr id="15" name="Graphic 14" descr="Close">
+            <a:extLst>
+              <a:ext uri="{FF2B5EF4-FFF2-40B4-BE49-F238E27FC236}">
+                <a16:creationId xmlns:a16="http://schemas.microsoft.com/office/drawing/2014/main" id="{CABEE997-9A86-CF76-8A37-8127A00465CD}"/>
+              </a:ext>
+            </a:extLst>
+          </p:cNvPr>
+          <p:cNvPicPr>
+            <a:picLocks noChangeAspect="1"/>
+          </p:cNvPicPr>
+          <p:nvPr/>
+        </p:nvPicPr>
+        <p:blipFill>
+          <a:blip r:embed="rId3">
+            <a:extLst>
+              <a:ext uri="{96DAC541-7B7A-43D3-8B79-37D633B846F1}">
+                <asvg:svgBlip xmlns:asvg="http://schemas.microsoft.com/office/drawing/2016/SVG/main" r:embed="rId4"/>
+              </a:ext>
+            </a:extLst>
+          </a:blip>
+          <a:stretch>
+            <a:fillRect/>
+          </a:stretch>
+        </p:blipFill>
+        <p:spPr>
+          <a:xfrm>
+            <a:off x="992356" y="5761010"/>
+            <a:ext cx="570749" cy="570749"/>
+          </a:xfrm>
+          <a:prstGeom prst="rect">
+            <a:avLst/>
+          </a:prstGeom>
+        </p:spPr>
+      </p:pic>
+      <p:pic>
+        <p:nvPicPr>
+          <p:cNvPr id="16" name="Graphic 15" descr="Close">
+            <a:extLst>
+              <a:ext uri="{FF2B5EF4-FFF2-40B4-BE49-F238E27FC236}">
+                <a16:creationId xmlns:a16="http://schemas.microsoft.com/office/drawing/2014/main" id="{6817EA37-980B-1A18-D8E7-A80D93266DA3}"/>
+              </a:ext>
+            </a:extLst>
+          </p:cNvPr>
+          <p:cNvPicPr>
+            <a:picLocks noChangeAspect="1"/>
+          </p:cNvPicPr>
+          <p:nvPr/>
+        </p:nvPicPr>
+        <p:blipFill>
+          <a:blip r:embed="rId3">
+            <a:extLst>
+              <a:ext uri="{96DAC541-7B7A-43D3-8B79-37D633B846F1}">
+                <asvg:svgBlip xmlns:asvg="http://schemas.microsoft.com/office/drawing/2016/SVG/main" r:embed="rId4"/>
+              </a:ext>
+            </a:extLst>
+          </a:blip>
+          <a:stretch>
+            <a:fillRect/>
+          </a:stretch>
+        </p:blipFill>
+        <p:spPr>
+          <a:xfrm>
+            <a:off x="2062141" y="5766969"/>
+            <a:ext cx="570749" cy="570749"/>
+          </a:xfrm>
+          <a:prstGeom prst="rect">
+            <a:avLst/>
+          </a:prstGeom>
+        </p:spPr>
+      </p:pic>
+      <p:pic>
+        <p:nvPicPr>
+          <p:cNvPr id="17" name="Graphic 16" descr="Close">
+            <a:extLst>
+              <a:ext uri="{FF2B5EF4-FFF2-40B4-BE49-F238E27FC236}">
+                <a16:creationId xmlns:a16="http://schemas.microsoft.com/office/drawing/2014/main" id="{20543693-4B19-6C64-3735-ACC1213F453F}"/>
+              </a:ext>
+            </a:extLst>
+          </p:cNvPr>
+          <p:cNvPicPr>
+            <a:picLocks noChangeAspect="1"/>
+          </p:cNvPicPr>
+          <p:nvPr/>
+        </p:nvPicPr>
+        <p:blipFill>
+          <a:blip r:embed="rId3">
+            <a:extLst>
+              <a:ext uri="{96DAC541-7B7A-43D3-8B79-37D633B846F1}">
+                <asvg:svgBlip xmlns:asvg="http://schemas.microsoft.com/office/drawing/2016/SVG/main" r:embed="rId4"/>
+              </a:ext>
+            </a:extLst>
+          </a:blip>
+          <a:stretch>
+            <a:fillRect/>
+          </a:stretch>
+        </p:blipFill>
+        <p:spPr>
+          <a:xfrm>
+            <a:off x="3012501" y="5766970"/>
+            <a:ext cx="570749" cy="570749"/>
+          </a:xfrm>
+          <a:prstGeom prst="rect">
+            <a:avLst/>
+          </a:prstGeom>
+        </p:spPr>
+      </p:pic>
+      <p:pic>
+        <p:nvPicPr>
+          <p:cNvPr id="18" name="Graphic 17" descr="Close">
+            <a:extLst>
+              <a:ext uri="{FF2B5EF4-FFF2-40B4-BE49-F238E27FC236}">
+                <a16:creationId xmlns:a16="http://schemas.microsoft.com/office/drawing/2014/main" id="{71B75186-5B54-5939-DABB-D42BE4C20753}"/>
+              </a:ext>
+            </a:extLst>
+          </p:cNvPr>
+          <p:cNvPicPr>
+            <a:picLocks noChangeAspect="1"/>
+          </p:cNvPicPr>
+          <p:nvPr/>
+        </p:nvPicPr>
+        <p:blipFill>
+          <a:blip r:embed="rId3">
+            <a:extLst>
+              <a:ext uri="{96DAC541-7B7A-43D3-8B79-37D633B846F1}">
+                <asvg:svgBlip xmlns:asvg="http://schemas.microsoft.com/office/drawing/2016/SVG/main" r:embed="rId4"/>
+              </a:ext>
+            </a:extLst>
+          </a:blip>
+          <a:stretch>
+            <a:fillRect/>
+          </a:stretch>
+        </p:blipFill>
+        <p:spPr>
+          <a:xfrm>
+            <a:off x="5067226" y="5738619"/>
+            <a:ext cx="570749" cy="570749"/>
+          </a:xfrm>
+          <a:prstGeom prst="rect">
+            <a:avLst/>
+          </a:prstGeom>
+        </p:spPr>
+      </p:pic>
+      <p:pic>
+        <p:nvPicPr>
+          <p:cNvPr id="19" name="Graphic 18" descr="Close">
+            <a:extLst>
+              <a:ext uri="{FF2B5EF4-FFF2-40B4-BE49-F238E27FC236}">
+                <a16:creationId xmlns:a16="http://schemas.microsoft.com/office/drawing/2014/main" id="{D1F609E3-FDC7-53CD-059F-BCCF9E97C499}"/>
+              </a:ext>
+            </a:extLst>
+          </p:cNvPr>
+          <p:cNvPicPr>
+            <a:picLocks noChangeAspect="1"/>
+          </p:cNvPicPr>
+          <p:nvPr/>
+        </p:nvPicPr>
+        <p:blipFill>
+          <a:blip r:embed="rId3">
+            <a:extLst>
+              <a:ext uri="{96DAC541-7B7A-43D3-8B79-37D633B846F1}">
+                <asvg:svgBlip xmlns:asvg="http://schemas.microsoft.com/office/drawing/2016/SVG/main" r:embed="rId4"/>
+              </a:ext>
+            </a:extLst>
+          </a:blip>
+          <a:stretch>
+            <a:fillRect/>
+          </a:stretch>
+        </p:blipFill>
+        <p:spPr>
+          <a:xfrm>
+            <a:off x="7015588" y="5738619"/>
+            <a:ext cx="570749" cy="570749"/>
+          </a:xfrm>
+          <a:prstGeom prst="rect">
+            <a:avLst/>
+          </a:prstGeom>
+        </p:spPr>
+      </p:pic>
+      <p:pic>
+        <p:nvPicPr>
+          <p:cNvPr id="20" name="Graphic 19" descr="Checkmark">
+            <a:extLst>
+              <a:ext uri="{FF2B5EF4-FFF2-40B4-BE49-F238E27FC236}">
+                <a16:creationId xmlns:a16="http://schemas.microsoft.com/office/drawing/2014/main" id="{4FAC1455-21BC-0CB2-9A12-A0562E914265}"/>
+              </a:ext>
+            </a:extLst>
+          </p:cNvPr>
+          <p:cNvPicPr>
+            <a:picLocks noChangeAspect="1"/>
+          </p:cNvPicPr>
+          <p:nvPr/>
+        </p:nvPicPr>
+        <p:blipFill>
+          <a:blip r:embed="rId5">
+            <a:extLst>
+              <a:ext uri="{96DAC541-7B7A-43D3-8B79-37D633B846F1}">
+                <asvg:svgBlip xmlns:asvg="http://schemas.microsoft.com/office/drawing/2016/SVG/main" r:embed="rId6"/>
+              </a:ext>
+            </a:extLst>
+          </a:blip>
+          <a:stretch>
+            <a:fillRect/>
+          </a:stretch>
+        </p:blipFill>
+        <p:spPr>
+          <a:xfrm>
+            <a:off x="3992321" y="5761010"/>
+            <a:ext cx="512474" cy="512474"/>
+          </a:xfrm>
+          <a:prstGeom prst="rect">
+            <a:avLst/>
+          </a:prstGeom>
+        </p:spPr>
+      </p:pic>
+      <p:pic>
+        <p:nvPicPr>
+          <p:cNvPr id="21" name="Graphic 20" descr="Checkmark">
+            <a:extLst>
+              <a:ext uri="{FF2B5EF4-FFF2-40B4-BE49-F238E27FC236}">
+                <a16:creationId xmlns:a16="http://schemas.microsoft.com/office/drawing/2014/main" id="{B84CF04F-F92A-D52F-0E86-9EE792C31066}"/>
+              </a:ext>
+            </a:extLst>
+          </p:cNvPr>
+          <p:cNvPicPr>
+            <a:picLocks noChangeAspect="1"/>
+          </p:cNvPicPr>
+          <p:nvPr/>
+        </p:nvPicPr>
+        <p:blipFill>
+          <a:blip r:embed="rId5">
+            <a:extLst>
+              <a:ext uri="{96DAC541-7B7A-43D3-8B79-37D633B846F1}">
+                <asvg:svgBlip xmlns:asvg="http://schemas.microsoft.com/office/drawing/2016/SVG/main" r:embed="rId6"/>
+              </a:ext>
+            </a:extLst>
+          </a:blip>
+          <a:stretch>
+            <a:fillRect/>
+          </a:stretch>
+        </p:blipFill>
+        <p:spPr>
+          <a:xfrm>
+            <a:off x="7977769" y="5767756"/>
+            <a:ext cx="512474" cy="512474"/>
+          </a:xfrm>
+          <a:prstGeom prst="rect">
+            <a:avLst/>
+          </a:prstGeom>
+        </p:spPr>
+      </p:pic>
+      <p:pic>
+        <p:nvPicPr>
+          <p:cNvPr id="22" name="Graphic 21" descr="Checkmark">
+            <a:extLst>
+              <a:ext uri="{FF2B5EF4-FFF2-40B4-BE49-F238E27FC236}">
+                <a16:creationId xmlns:a16="http://schemas.microsoft.com/office/drawing/2014/main" id="{1F2A4F31-176C-809C-80DE-94B30C873BD4}"/>
+              </a:ext>
+            </a:extLst>
+          </p:cNvPr>
+          <p:cNvPicPr>
+            <a:picLocks noChangeAspect="1"/>
+          </p:cNvPicPr>
+          <p:nvPr/>
+        </p:nvPicPr>
+        <p:blipFill>
+          <a:blip r:embed="rId5">
+            <a:extLst>
+              <a:ext uri="{96DAC541-7B7A-43D3-8B79-37D633B846F1}">
+                <asvg:svgBlip xmlns:asvg="http://schemas.microsoft.com/office/drawing/2016/SVG/main" r:embed="rId6"/>
+              </a:ext>
+            </a:extLst>
+          </a:blip>
+          <a:stretch>
+            <a:fillRect/>
+          </a:stretch>
+        </p:blipFill>
+        <p:spPr>
+          <a:xfrm>
+            <a:off x="5988771" y="5745641"/>
+            <a:ext cx="512474" cy="512474"/>
+          </a:xfrm>
+          <a:prstGeom prst="rect">
+            <a:avLst/>
+          </a:prstGeom>
+        </p:spPr>
+      </p:pic>
+      <p:sp>
+        <p:nvSpPr>
+          <p:cNvPr id="23" name="TextBox 22">
+            <a:extLst>
+              <a:ext uri="{FF2B5EF4-FFF2-40B4-BE49-F238E27FC236}">
+                <a16:creationId xmlns:a16="http://schemas.microsoft.com/office/drawing/2014/main" id="{AEFF6F88-76C9-9694-5ECB-AA7699C95C35}"/>
+              </a:ext>
+            </a:extLst>
+          </p:cNvPr>
+          <p:cNvSpPr txBox="1"/>
+          <p:nvPr/>
+        </p:nvSpPr>
+        <p:spPr>
+          <a:xfrm>
+            <a:off x="3758241" y="5120639"/>
+            <a:ext cx="996594" cy="646331"/>
+          </a:xfrm>
+          <a:prstGeom prst="rect">
+            <a:avLst/>
+          </a:prstGeom>
+          <a:noFill/>
+        </p:spPr>
+        <p:txBody>
+          <a:bodyPr wrap="square" rtlCol="0">
+            <a:spAutoFit/>
+          </a:bodyPr>
+          <a:lstStyle/>
+          <a:p>
+            <a:pPr algn="ctr"/>
+            <a:r>
+              <a:rPr lang="en-IN" dirty="0"/>
+              <a:t>PAGE</a:t>
+            </a:r>
+          </a:p>
+          <a:p>
+            <a:pPr algn="ctr"/>
+            <a:r>
+              <a:rPr lang="en-IN" dirty="0"/>
+              <a:t>HIT</a:t>
+            </a:r>
+          </a:p>
+        </p:txBody>
+      </p:sp>
+      <p:sp>
+        <p:nvSpPr>
+          <p:cNvPr id="24" name="TextBox 23">
+            <a:extLst>
+              <a:ext uri="{FF2B5EF4-FFF2-40B4-BE49-F238E27FC236}">
+                <a16:creationId xmlns:a16="http://schemas.microsoft.com/office/drawing/2014/main" id="{6C9AC380-E1E1-8F1B-D407-61B1728AF88D}"/>
+              </a:ext>
+            </a:extLst>
+          </p:cNvPr>
+          <p:cNvSpPr txBox="1"/>
+          <p:nvPr/>
+        </p:nvSpPr>
+        <p:spPr>
+          <a:xfrm>
+            <a:off x="5750146" y="5134249"/>
+            <a:ext cx="996594" cy="646331"/>
+          </a:xfrm>
+          <a:prstGeom prst="rect">
+            <a:avLst/>
+          </a:prstGeom>
+          <a:noFill/>
+        </p:spPr>
+        <p:txBody>
+          <a:bodyPr wrap="square" rtlCol="0">
+            <a:spAutoFit/>
+          </a:bodyPr>
+          <a:lstStyle/>
+          <a:p>
+            <a:pPr algn="ctr"/>
+            <a:r>
+              <a:rPr lang="en-IN" dirty="0"/>
+              <a:t>PAGE</a:t>
+            </a:r>
+          </a:p>
+          <a:p>
+            <a:pPr algn="ctr"/>
+            <a:r>
+              <a:rPr lang="en-IN" dirty="0"/>
+              <a:t>HIT</a:t>
+            </a:r>
+          </a:p>
+        </p:txBody>
+      </p:sp>
+      <p:sp>
+        <p:nvSpPr>
+          <p:cNvPr id="25" name="TextBox 24">
+            <a:extLst>
+              <a:ext uri="{FF2B5EF4-FFF2-40B4-BE49-F238E27FC236}">
+                <a16:creationId xmlns:a16="http://schemas.microsoft.com/office/drawing/2014/main" id="{7381BF99-F123-A1D9-FDC6-134C60DF4081}"/>
+              </a:ext>
+            </a:extLst>
+          </p:cNvPr>
+          <p:cNvSpPr txBox="1"/>
+          <p:nvPr/>
+        </p:nvSpPr>
+        <p:spPr>
+          <a:xfrm>
+            <a:off x="7742414" y="5132750"/>
+            <a:ext cx="996594" cy="646331"/>
+          </a:xfrm>
+          <a:prstGeom prst="rect">
+            <a:avLst/>
+          </a:prstGeom>
+          <a:noFill/>
+        </p:spPr>
+        <p:txBody>
+          <a:bodyPr wrap="square" rtlCol="0">
+            <a:spAutoFit/>
+          </a:bodyPr>
+          <a:lstStyle/>
+          <a:p>
+            <a:pPr algn="ctr"/>
+            <a:r>
+              <a:rPr lang="en-IN" dirty="0"/>
+              <a:t>PAGE</a:t>
+            </a:r>
+          </a:p>
+          <a:p>
+            <a:pPr algn="ctr"/>
+            <a:r>
+              <a:rPr lang="en-IN" dirty="0"/>
+              <a:t>HIT</a:t>
+            </a:r>
+          </a:p>
+        </p:txBody>
+      </p:sp>
     </p:spTree>
     <p:extLst>
       <p:ext uri="{BB962C8B-B14F-4D97-AF65-F5344CB8AC3E}">
         <p14:creationId xmlns:p14="http://schemas.microsoft.com/office/powerpoint/2010/main" val="3814653621"/>
+      </p:ext>
+    </p:extLst>
+  </p:cSld>
+  <p:clrMapOvr>
+    <a:masterClrMapping/>
+  </p:clrMapOvr>
+</p:sld>
+</file>
+
+<file path=ppt/slides/slide16.xml><?xml version="1.0" encoding="utf-8"?>
+<p:sld xmlns:a="http://schemas.openxmlformats.org/drawingml/2006/main" xmlns:r="http://schemas.openxmlformats.org/officeDocument/2006/relationships" xmlns:p="http://schemas.openxmlformats.org/presentationml/2006/main">
+  <p:cSld>
+    <p:spTree>
+      <p:nvGrpSpPr>
+        <p:cNvPr id="1" name=""/>
+        <p:cNvGrpSpPr/>
+        <p:nvPr/>
+      </p:nvGrpSpPr>
+      <p:grpSpPr>
+        <a:xfrm>
+          <a:off x="0" y="0"/>
+          <a:ext cx="0" cy="0"/>
+          <a:chOff x="0" y="0"/>
+          <a:chExt cx="0" cy="0"/>
+        </a:xfrm>
+      </p:grpSpPr>
+      <p:sp>
+        <p:nvSpPr>
+          <p:cNvPr id="2" name="Title 1">
+            <a:extLst>
+              <a:ext uri="{FF2B5EF4-FFF2-40B4-BE49-F238E27FC236}">
+                <a16:creationId xmlns:a16="http://schemas.microsoft.com/office/drawing/2014/main" id="{D97BF629-604E-4CB2-BD3C-39F851597F31}"/>
+              </a:ext>
+            </a:extLst>
+          </p:cNvPr>
+          <p:cNvSpPr>
+            <a:spLocks noGrp="1"/>
+          </p:cNvSpPr>
+          <p:nvPr>
+            <p:ph type="title"/>
+          </p:nvPr>
+        </p:nvSpPr>
+        <p:spPr/>
+        <p:txBody>
+          <a:bodyPr/>
+          <a:lstStyle/>
+          <a:p>
+            <a:pPr algn="ctr"/>
+            <a:r>
+              <a:rPr lang="en-US" b="1" dirty="0">
+                <a:latin typeface="Times New Roman" panose="02020603050405020304" pitchFamily="18" charset="0"/>
+                <a:cs typeface="Times New Roman" panose="02020603050405020304" pitchFamily="18" charset="0"/>
+              </a:rPr>
+              <a:t>Pseudo Code</a:t>
+            </a:r>
+            <a:endParaRPr lang="en-IN" dirty="0"/>
+          </a:p>
+        </p:txBody>
+      </p:sp>
+      <p:sp>
+        <p:nvSpPr>
+          <p:cNvPr id="3" name="Content Placeholder 2">
+            <a:extLst>
+              <a:ext uri="{FF2B5EF4-FFF2-40B4-BE49-F238E27FC236}">
+                <a16:creationId xmlns:a16="http://schemas.microsoft.com/office/drawing/2014/main" id="{0BBB331F-BAFC-881D-8347-0BA9A66DCF08}"/>
+              </a:ext>
+            </a:extLst>
+          </p:cNvPr>
+          <p:cNvSpPr>
+            <a:spLocks noGrp="1"/>
+          </p:cNvSpPr>
+          <p:nvPr>
+            <p:ph idx="1"/>
+          </p:nvPr>
+        </p:nvSpPr>
+        <p:spPr>
+          <a:xfrm>
+            <a:off x="822959" y="1845734"/>
+            <a:ext cx="7838156" cy="4534518"/>
+          </a:xfrm>
+        </p:spPr>
+        <p:txBody>
+          <a:bodyPr>
+            <a:normAutofit fontScale="77500" lnSpcReduction="20000"/>
+          </a:bodyPr>
+          <a:lstStyle/>
+          <a:p>
+            <a:pPr marL="0" indent="0">
+              <a:buNone/>
+            </a:pPr>
+            <a:r>
+              <a:rPr lang="en-US" dirty="0">
+                <a:latin typeface="Times New Roman" panose="02020603050405020304" pitchFamily="18" charset="0"/>
+                <a:cs typeface="Times New Roman" panose="02020603050405020304" pitchFamily="18" charset="0"/>
+              </a:rPr>
+              <a:t>Iterate through the referenced pages. </a:t>
+            </a:r>
+          </a:p>
+          <a:p>
+            <a:pPr marL="0" indent="0">
+              <a:buNone/>
+            </a:pPr>
+            <a:r>
+              <a:rPr lang="en-US" dirty="0">
+                <a:latin typeface="Times New Roman" panose="02020603050405020304" pitchFamily="18" charset="0"/>
+                <a:cs typeface="Times New Roman" panose="02020603050405020304" pitchFamily="18" charset="0"/>
+              </a:rPr>
+              <a:t>If the current page is already present in pages:</a:t>
+            </a:r>
+          </a:p>
+          <a:p>
+            <a:pPr marL="0" indent="0">
+              <a:buNone/>
+            </a:pPr>
+            <a:r>
+              <a:rPr lang="en-US" dirty="0">
+                <a:latin typeface="Times New Roman" panose="02020603050405020304" pitchFamily="18" charset="0"/>
+                <a:cs typeface="Times New Roman" panose="02020603050405020304" pitchFamily="18" charset="0"/>
+              </a:rPr>
+              <a:t>Remove the future page from upcoming pages. </a:t>
+            </a:r>
+          </a:p>
+          <a:p>
+            <a:pPr marL="0" indent="0">
+              <a:buNone/>
+            </a:pPr>
+            <a:r>
+              <a:rPr lang="en-US" dirty="0">
+                <a:latin typeface="Times New Roman" panose="02020603050405020304" pitchFamily="18" charset="0"/>
+                <a:cs typeface="Times New Roman" panose="02020603050405020304" pitchFamily="18" charset="0"/>
+              </a:rPr>
+              <a:t>Append the future page to the end of pages.</a:t>
+            </a:r>
+          </a:p>
+          <a:p>
+            <a:pPr marL="0" indent="0">
+              <a:buNone/>
+            </a:pPr>
+            <a:r>
+              <a:rPr lang="en-US" dirty="0">
+                <a:latin typeface="Times New Roman" panose="02020603050405020304" pitchFamily="18" charset="0"/>
+                <a:cs typeface="Times New Roman" panose="02020603050405020304" pitchFamily="18" charset="0"/>
+              </a:rPr>
+              <a:t>Increment page hits. </a:t>
+            </a:r>
+          </a:p>
+          <a:p>
+            <a:pPr marL="0" indent="0">
+              <a:buNone/>
+            </a:pPr>
+            <a:r>
+              <a:rPr lang="en-US" dirty="0">
+                <a:latin typeface="Times New Roman" panose="02020603050405020304" pitchFamily="18" charset="0"/>
+                <a:cs typeface="Times New Roman" panose="02020603050405020304" pitchFamily="18" charset="0"/>
+              </a:rPr>
+              <a:t>Else: </a:t>
+            </a:r>
+          </a:p>
+          <a:p>
+            <a:pPr marL="0" indent="0">
+              <a:buNone/>
+            </a:pPr>
+            <a:r>
+              <a:rPr lang="en-US" dirty="0">
+                <a:latin typeface="Times New Roman" panose="02020603050405020304" pitchFamily="18" charset="0"/>
+                <a:cs typeface="Times New Roman" panose="02020603050405020304" pitchFamily="18" charset="0"/>
+              </a:rPr>
+              <a:t>Increment page faults. </a:t>
+            </a:r>
+          </a:p>
+          <a:p>
+            <a:pPr marL="0" indent="0">
+              <a:buNone/>
+            </a:pPr>
+            <a:r>
+              <a:rPr lang="en-US" dirty="0">
+                <a:latin typeface="Times New Roman" panose="02020603050405020304" pitchFamily="18" charset="0"/>
+                <a:cs typeface="Times New Roman" panose="02020603050405020304" pitchFamily="18" charset="0"/>
+              </a:rPr>
+              <a:t>If pages contain less pages than its capacity s:</a:t>
+            </a:r>
+          </a:p>
+          <a:p>
+            <a:pPr marL="0" indent="0">
+              <a:buNone/>
+            </a:pPr>
+            <a:r>
+              <a:rPr lang="en-US" dirty="0">
+                <a:latin typeface="Times New Roman" panose="02020603050405020304" pitchFamily="18" charset="0"/>
+                <a:cs typeface="Times New Roman" panose="02020603050405020304" pitchFamily="18" charset="0"/>
+              </a:rPr>
+              <a:t>Append current page into pages. </a:t>
+            </a:r>
+          </a:p>
+          <a:p>
+            <a:pPr marL="0" indent="0">
+              <a:buNone/>
+            </a:pPr>
+            <a:r>
+              <a:rPr lang="en-US" dirty="0">
+                <a:latin typeface="Times New Roman" panose="02020603050405020304" pitchFamily="18" charset="0"/>
+                <a:cs typeface="Times New Roman" panose="02020603050405020304" pitchFamily="18" charset="0"/>
+              </a:rPr>
+              <a:t>Else: </a:t>
+            </a:r>
+          </a:p>
+          <a:p>
+            <a:pPr marL="0" indent="0">
+              <a:buNone/>
+            </a:pPr>
+            <a:r>
+              <a:rPr lang="en-US" dirty="0">
+                <a:latin typeface="Times New Roman" panose="02020603050405020304" pitchFamily="18" charset="0"/>
+                <a:cs typeface="Times New Roman" panose="02020603050405020304" pitchFamily="18" charset="0"/>
+              </a:rPr>
+              <a:t>Remove the last page from pages. </a:t>
+            </a:r>
+          </a:p>
+          <a:p>
+            <a:pPr marL="0" indent="0">
+              <a:buNone/>
+            </a:pPr>
+            <a:r>
+              <a:rPr lang="en-US" dirty="0">
+                <a:latin typeface="Times New Roman" panose="02020603050405020304" pitchFamily="18" charset="0"/>
+                <a:cs typeface="Times New Roman" panose="02020603050405020304" pitchFamily="18" charset="0"/>
+              </a:rPr>
+              <a:t>Append the current page at the end of pages. </a:t>
+            </a:r>
+          </a:p>
+          <a:p>
+            <a:pPr marL="0" indent="0">
+              <a:buNone/>
+            </a:pPr>
+            <a:r>
+              <a:rPr lang="en-US" dirty="0">
+                <a:latin typeface="Times New Roman" panose="02020603050405020304" pitchFamily="18" charset="0"/>
+                <a:cs typeface="Times New Roman" panose="02020603050405020304" pitchFamily="18" charset="0"/>
+              </a:rPr>
+              <a:t>Return the number of page hits and page faults.</a:t>
+            </a:r>
+            <a:endParaRPr lang="en-IN" dirty="0">
+              <a:latin typeface="Times New Roman" panose="02020603050405020304" pitchFamily="18" charset="0"/>
+              <a:cs typeface="Times New Roman" panose="02020603050405020304" pitchFamily="18" charset="0"/>
+            </a:endParaRPr>
+          </a:p>
+        </p:txBody>
+      </p:sp>
+    </p:spTree>
+    <p:extLst>
+      <p:ext uri="{BB962C8B-B14F-4D97-AF65-F5344CB8AC3E}">
+        <p14:creationId xmlns:p14="http://schemas.microsoft.com/office/powerpoint/2010/main" val="1966517492"/>
+      </p:ext>
+    </p:extLst>
+  </p:cSld>
+  <p:clrMapOvr>
+    <a:masterClrMapping/>
+  </p:clrMapOvr>
+</p:sld>
+</file>
+
+<file path=ppt/slides/slide17.xml><?xml version="1.0" encoding="utf-8"?>
+<p:sld xmlns:a="http://schemas.openxmlformats.org/drawingml/2006/main" xmlns:r="http://schemas.openxmlformats.org/officeDocument/2006/relationships" xmlns:p="http://schemas.openxmlformats.org/presentationml/2006/main">
+  <p:cSld>
+    <p:spTree>
+      <p:nvGrpSpPr>
+        <p:cNvPr id="1" name="Shape 126"/>
+        <p:cNvGrpSpPr/>
+        <p:nvPr/>
+      </p:nvGrpSpPr>
+      <p:grpSpPr>
+        <a:xfrm>
+          <a:off x="0" y="0"/>
+          <a:ext cx="0" cy="0"/>
+          <a:chOff x="0" y="0"/>
+          <a:chExt cx="0" cy="0"/>
+        </a:xfrm>
+      </p:grpSpPr>
+      <p:sp>
+        <p:nvSpPr>
+          <p:cNvPr id="127" name="Google Shape;127;p8"/>
+          <p:cNvSpPr txBox="1">
+            <a:spLocks noGrp="1"/>
+          </p:cNvSpPr>
+          <p:nvPr>
+            <p:ph type="title" idx="4294967295"/>
+          </p:nvPr>
+        </p:nvSpPr>
+        <p:spPr>
+          <a:xfrm>
+            <a:off x="-1" y="-1"/>
+            <a:ext cx="2691829" cy="719191"/>
+          </a:xfrm>
+          <a:prstGeom prst="rect">
+            <a:avLst/>
+          </a:prstGeom>
+          <a:noFill/>
+          <a:ln>
+            <a:noFill/>
+          </a:ln>
+        </p:spPr>
+        <p:txBody>
+          <a:bodyPr spcFirstLastPara="1" wrap="square" lIns="91425" tIns="45700" rIns="91425" bIns="45700" anchor="b" anchorCtr="0">
+            <a:noAutofit/>
+          </a:bodyPr>
+          <a:lstStyle/>
+          <a:p>
+            <a:pPr marL="0" lvl="0" indent="0" algn="ctr" rtl="1">
+              <a:lnSpc>
+                <a:spcPct val="100000"/>
+              </a:lnSpc>
+              <a:spcBef>
+                <a:spcPts val="0"/>
+              </a:spcBef>
+              <a:spcAft>
+                <a:spcPts val="0"/>
+              </a:spcAft>
+              <a:buClr>
+                <a:srgbClr val="006666"/>
+              </a:buClr>
+              <a:buSzPts val="4400"/>
+              <a:buFont typeface="Times New Roman"/>
+              <a:buNone/>
+            </a:pPr>
+            <a:r>
+              <a:rPr lang="en-US" sz="4400" b="1" i="0" u="none" dirty="0">
+                <a:solidFill>
+                  <a:schemeClr val="tx1"/>
+                </a:solidFill>
+                <a:latin typeface="Times New Roman"/>
+                <a:ea typeface="Times New Roman"/>
+                <a:cs typeface="Times New Roman"/>
+                <a:sym typeface="Times New Roman"/>
+              </a:rPr>
+              <a:t>Flowchart</a:t>
+            </a:r>
+            <a:endParaRPr b="1" dirty="0">
+              <a:solidFill>
+                <a:schemeClr val="tx1"/>
+              </a:solidFill>
+            </a:endParaRPr>
+          </a:p>
+        </p:txBody>
+      </p:sp>
+      <p:pic>
+        <p:nvPicPr>
+          <p:cNvPr id="9" name="Picture 8">
+            <a:extLst>
+              <a:ext uri="{FF2B5EF4-FFF2-40B4-BE49-F238E27FC236}">
+                <a16:creationId xmlns:a16="http://schemas.microsoft.com/office/drawing/2014/main" id="{A5973538-8062-6624-2AD2-CEFAD15FB280}"/>
+              </a:ext>
+            </a:extLst>
+          </p:cNvPr>
+          <p:cNvPicPr>
+            <a:picLocks noChangeAspect="1"/>
+          </p:cNvPicPr>
+          <p:nvPr/>
+        </p:nvPicPr>
+        <p:blipFill>
+          <a:blip r:embed="rId3"/>
+          <a:stretch>
+            <a:fillRect/>
+          </a:stretch>
+        </p:blipFill>
+        <p:spPr>
+          <a:xfrm>
+            <a:off x="1771195" y="-1"/>
+            <a:ext cx="5601609" cy="6311373"/>
+          </a:xfrm>
+          <a:prstGeom prst="rect">
+            <a:avLst/>
+          </a:prstGeom>
+        </p:spPr>
+      </p:pic>
+    </p:spTree>
+  </p:cSld>
+  <p:clrMapOvr>
+    <a:masterClrMapping/>
+  </p:clrMapOvr>
+  <mc:AlternateContent xmlns:mc="http://schemas.openxmlformats.org/markup-compatibility/2006" xmlns:p14="http://schemas.microsoft.com/office/powerpoint/2010/main">
+    <mc:Choice Requires="p14">
+      <p:transition spd="med" p14:dur="700">
+        <p:fade/>
+      </p:transition>
+    </mc:Choice>
+    <mc:Fallback xmlns="">
+      <p:transition spd="med">
+        <p:fade/>
+      </p:transition>
+    </mc:Fallback>
+  </mc:AlternateContent>
+</p:sld>
+</file>
+
+<file path=ppt/slides/slide18.xml><?xml version="1.0" encoding="utf-8"?>
+<p:sld xmlns:a="http://schemas.openxmlformats.org/drawingml/2006/main" xmlns:r="http://schemas.openxmlformats.org/officeDocument/2006/relationships" xmlns:p="http://schemas.openxmlformats.org/presentationml/2006/main">
+  <p:cSld>
+    <p:spTree>
+      <p:nvGrpSpPr>
+        <p:cNvPr id="1" name=""/>
+        <p:cNvGrpSpPr/>
+        <p:nvPr/>
+      </p:nvGrpSpPr>
+      <p:grpSpPr>
+        <a:xfrm>
+          <a:off x="0" y="0"/>
+          <a:ext cx="0" cy="0"/>
+          <a:chOff x="0" y="0"/>
+          <a:chExt cx="0" cy="0"/>
+        </a:xfrm>
+      </p:grpSpPr>
+      <p:sp>
+        <p:nvSpPr>
+          <p:cNvPr id="2" name="Title 1">
+            <a:extLst>
+              <a:ext uri="{FF2B5EF4-FFF2-40B4-BE49-F238E27FC236}">
+                <a16:creationId xmlns:a16="http://schemas.microsoft.com/office/drawing/2014/main" id="{219A5395-D7D5-BA13-E655-B789F4C8788A}"/>
+              </a:ext>
+            </a:extLst>
+          </p:cNvPr>
+          <p:cNvSpPr>
+            <a:spLocks noGrp="1"/>
+          </p:cNvSpPr>
+          <p:nvPr>
+            <p:ph type="title"/>
+          </p:nvPr>
+        </p:nvSpPr>
+        <p:spPr/>
+        <p:txBody>
+          <a:bodyPr/>
+          <a:lstStyle/>
+          <a:p>
+            <a:r>
+              <a:rPr lang="en-IN" dirty="0"/>
+              <a:t>References</a:t>
+            </a:r>
+          </a:p>
+        </p:txBody>
+      </p:sp>
+      <p:sp>
+        <p:nvSpPr>
+          <p:cNvPr id="3" name="Content Placeholder 2">
+            <a:extLst>
+              <a:ext uri="{FF2B5EF4-FFF2-40B4-BE49-F238E27FC236}">
+                <a16:creationId xmlns:a16="http://schemas.microsoft.com/office/drawing/2014/main" id="{12AF64B4-3D99-471F-BA04-DF64D2831E99}"/>
+              </a:ext>
+            </a:extLst>
+          </p:cNvPr>
+          <p:cNvSpPr>
+            <a:spLocks noGrp="1"/>
+          </p:cNvSpPr>
+          <p:nvPr>
+            <p:ph idx="1"/>
+          </p:nvPr>
+        </p:nvSpPr>
+        <p:spPr>
+          <a:xfrm>
+            <a:off x="822960" y="1876556"/>
+            <a:ext cx="7543801" cy="4023360"/>
+          </a:xfrm>
+        </p:spPr>
+        <p:txBody>
+          <a:bodyPr>
+            <a:normAutofit/>
+          </a:bodyPr>
+          <a:lstStyle/>
+          <a:p>
+            <a:pPr marL="0" indent="0">
+              <a:buNone/>
+            </a:pPr>
+            <a:r>
+              <a:rPr lang="en-IN" b="0" i="0" dirty="0">
+                <a:solidFill>
+                  <a:schemeClr val="tx1"/>
+                </a:solidFill>
+                <a:effectLst/>
+                <a:latin typeface="Roboto" panose="02000000000000000000" pitchFamily="2" charset="0"/>
+              </a:rPr>
+              <a:t>Jenny's Lectures: </a:t>
+            </a:r>
+            <a:r>
+              <a:rPr lang="en-IN" b="0" i="0" dirty="0">
+                <a:solidFill>
+                  <a:schemeClr val="tx1"/>
+                </a:solidFill>
+                <a:effectLst/>
+                <a:latin typeface="Roboto" panose="02000000000000000000" pitchFamily="2" charset="0"/>
+                <a:hlinkClick r:id="rId2"/>
+              </a:rPr>
+              <a:t>FIFO</a:t>
+            </a:r>
+            <a:r>
+              <a:rPr lang="en-IN" b="0" i="0" dirty="0">
+                <a:solidFill>
+                  <a:schemeClr val="tx1"/>
+                </a:solidFill>
+                <a:effectLst/>
+                <a:latin typeface="Roboto" panose="02000000000000000000" pitchFamily="2" charset="0"/>
+              </a:rPr>
+              <a:t> , </a:t>
+            </a:r>
+            <a:r>
+              <a:rPr lang="en-IN" b="0" i="0" dirty="0">
+                <a:solidFill>
+                  <a:schemeClr val="tx1"/>
+                </a:solidFill>
+                <a:effectLst/>
+                <a:latin typeface="Roboto" panose="02000000000000000000" pitchFamily="2" charset="0"/>
+                <a:hlinkClick r:id="rId3"/>
+              </a:rPr>
+              <a:t>LRU</a:t>
+            </a:r>
+            <a:r>
+              <a:rPr lang="en-IN" b="0" i="0" dirty="0">
+                <a:solidFill>
+                  <a:schemeClr val="tx1"/>
+                </a:solidFill>
+                <a:effectLst/>
+                <a:latin typeface="Roboto" panose="02000000000000000000" pitchFamily="2" charset="0"/>
+              </a:rPr>
+              <a:t> and </a:t>
+            </a:r>
+            <a:r>
+              <a:rPr lang="en-IN" b="0" i="0" dirty="0">
+                <a:solidFill>
+                  <a:schemeClr val="tx1"/>
+                </a:solidFill>
+                <a:effectLst/>
+                <a:latin typeface="Roboto" panose="02000000000000000000" pitchFamily="2" charset="0"/>
+                <a:hlinkClick r:id="rId3"/>
+              </a:rPr>
+              <a:t>Optimal Page Replacement</a:t>
+            </a:r>
+            <a:endParaRPr lang="en-IN" dirty="0"/>
+          </a:p>
+          <a:p>
+            <a:pPr marL="0" indent="0">
+              <a:buNone/>
+            </a:pPr>
+            <a:r>
+              <a:rPr lang="en-IN" dirty="0">
+                <a:solidFill>
+                  <a:schemeClr val="tx1"/>
+                </a:solidFill>
+                <a:latin typeface="Roboto" panose="02000000000000000000" pitchFamily="2" charset="0"/>
+              </a:rPr>
+              <a:t>Last moment tuitions:</a:t>
+            </a:r>
+            <a:r>
+              <a:rPr lang="en-IN" dirty="0">
+                <a:solidFill>
+                  <a:srgbClr val="CC9900"/>
+                </a:solidFill>
+              </a:rPr>
+              <a:t> </a:t>
+            </a:r>
+            <a:r>
+              <a:rPr lang="en-US" i="0" dirty="0">
+                <a:solidFill>
+                  <a:schemeClr val="tx1"/>
+                </a:solidFill>
+                <a:effectLst/>
+                <a:latin typeface="YouTube Sans"/>
+                <a:hlinkClick r:id="rId4"/>
+              </a:rPr>
+              <a:t>FIFO</a:t>
+            </a:r>
+            <a:r>
+              <a:rPr lang="en-US" i="0" dirty="0">
+                <a:solidFill>
+                  <a:schemeClr val="tx1"/>
+                </a:solidFill>
+                <a:effectLst/>
+                <a:latin typeface="YouTube Sans"/>
+              </a:rPr>
+              <a:t>, </a:t>
+            </a:r>
+            <a:r>
+              <a:rPr lang="en-US" i="0" dirty="0">
+                <a:solidFill>
+                  <a:schemeClr val="tx1"/>
+                </a:solidFill>
+                <a:effectLst/>
+                <a:latin typeface="YouTube Sans"/>
+                <a:hlinkClick r:id="rId4"/>
+              </a:rPr>
+              <a:t>LRU</a:t>
+            </a:r>
+            <a:r>
+              <a:rPr lang="en-US" i="0" dirty="0">
+                <a:solidFill>
+                  <a:schemeClr val="tx1"/>
+                </a:solidFill>
+                <a:effectLst/>
+                <a:latin typeface="YouTube Sans"/>
+              </a:rPr>
+              <a:t> and </a:t>
+            </a:r>
+            <a:r>
+              <a:rPr lang="en-US" i="0" dirty="0">
+                <a:solidFill>
+                  <a:schemeClr val="tx1"/>
+                </a:solidFill>
+                <a:effectLst/>
+                <a:latin typeface="YouTube Sans"/>
+                <a:hlinkClick r:id="rId4"/>
+              </a:rPr>
+              <a:t>OPTIMAL PAGE REPLACEMENT</a:t>
+            </a:r>
+            <a:endParaRPr lang="en-US" i="0" dirty="0">
+              <a:solidFill>
+                <a:schemeClr val="tx1"/>
+              </a:solidFill>
+              <a:effectLst/>
+              <a:latin typeface="YouTube Sans"/>
+            </a:endParaRPr>
+          </a:p>
+          <a:p>
+            <a:pPr marL="0" indent="0">
+              <a:buNone/>
+            </a:pPr>
+            <a:r>
+              <a:rPr lang="en-IN" dirty="0"/>
+              <a:t>Geeks For Geeks: </a:t>
+            </a:r>
+            <a:r>
+              <a:rPr lang="en-IN" dirty="0">
+                <a:hlinkClick r:id="rId5"/>
+              </a:rPr>
+              <a:t>Page Replacement Algorithm</a:t>
+            </a:r>
+            <a:endParaRPr lang="en-IN" dirty="0"/>
+          </a:p>
+          <a:p>
+            <a:pPr marL="0" indent="0">
+              <a:buNone/>
+            </a:pPr>
+            <a:r>
+              <a:rPr lang="en-IN" dirty="0"/>
+              <a:t>Java point: </a:t>
+            </a:r>
+            <a:r>
+              <a:rPr lang="en-IN" dirty="0">
+                <a:hlinkClick r:id="rId6"/>
+              </a:rPr>
+              <a:t>OS Page Replacement Algorithm</a:t>
+            </a:r>
+            <a:endParaRPr lang="en-IN" dirty="0"/>
+          </a:p>
+          <a:p>
+            <a:pPr marL="0" indent="0">
+              <a:buNone/>
+            </a:pPr>
+            <a:r>
+              <a:rPr lang="en-IN" dirty="0"/>
+              <a:t>Scaler: </a:t>
+            </a:r>
+            <a:r>
+              <a:rPr lang="en-IN" dirty="0">
+                <a:hlinkClick r:id="rId7"/>
+              </a:rPr>
+              <a:t>Page Replacement Algorithm</a:t>
+            </a:r>
+            <a:endParaRPr lang="en-IN" dirty="0"/>
+          </a:p>
+          <a:p>
+            <a:pPr marL="0" indent="0">
+              <a:buNone/>
+            </a:pPr>
+            <a:r>
+              <a:rPr lang="en-IN" b="0" i="0" dirty="0">
+                <a:solidFill>
+                  <a:srgbClr val="000000"/>
+                </a:solidFill>
+                <a:effectLst/>
+                <a:latin typeface="Linux Libertine"/>
+              </a:rPr>
+              <a:t>Wikipedia: </a:t>
+            </a:r>
+            <a:r>
+              <a:rPr lang="en-IN" b="0" i="0" dirty="0">
+                <a:solidFill>
+                  <a:srgbClr val="000000"/>
+                </a:solidFill>
+                <a:effectLst/>
+                <a:latin typeface="Linux Libertine"/>
+                <a:hlinkClick r:id="rId8"/>
+              </a:rPr>
+              <a:t>Page replacement algorithm</a:t>
+            </a:r>
+            <a:endParaRPr lang="en-IN" dirty="0">
+              <a:solidFill>
+                <a:srgbClr val="000000"/>
+              </a:solidFill>
+              <a:latin typeface="Linux Libertine"/>
+            </a:endParaRPr>
+          </a:p>
+          <a:p>
+            <a:pPr marL="0" indent="0">
+              <a:buNone/>
+            </a:pPr>
+            <a:r>
+              <a:rPr lang="en-IN" b="0" i="0" dirty="0">
+                <a:solidFill>
+                  <a:srgbClr val="000000"/>
+                </a:solidFill>
+                <a:effectLst/>
+                <a:latin typeface="Linux Libertine"/>
+              </a:rPr>
+              <a:t>After academy: </a:t>
+            </a:r>
+            <a:r>
+              <a:rPr lang="en-IN" b="0" i="0" dirty="0">
+                <a:solidFill>
+                  <a:srgbClr val="000000"/>
+                </a:solidFill>
+                <a:effectLst/>
+                <a:latin typeface="Linux Libertine"/>
+                <a:hlinkClick r:id="rId9"/>
+              </a:rPr>
+              <a:t>Page Replacement Algorithms</a:t>
+            </a:r>
+            <a:endParaRPr lang="en-IN" b="0" i="0" dirty="0">
+              <a:solidFill>
+                <a:srgbClr val="000000"/>
+              </a:solidFill>
+              <a:effectLst/>
+              <a:latin typeface="Linux Libertine"/>
+            </a:endParaRPr>
+          </a:p>
+          <a:p>
+            <a:pPr marL="0" indent="0">
+              <a:buNone/>
+            </a:pPr>
+            <a:r>
+              <a:rPr lang="en-IN" sz="1800" b="1" i="0" u="none" strike="noStrike" dirty="0" err="1">
+                <a:solidFill>
+                  <a:srgbClr val="000000"/>
+                </a:solidFill>
+                <a:effectLst/>
+                <a:latin typeface="Times New Roman" panose="02020603050405020304" pitchFamily="18" charset="0"/>
+              </a:rPr>
+              <a:t>Github</a:t>
+            </a:r>
+            <a:r>
+              <a:rPr lang="en-IN" sz="1800" b="0" i="0" u="none" strike="noStrike" dirty="0">
+                <a:solidFill>
+                  <a:srgbClr val="000000"/>
+                </a:solidFill>
+                <a:effectLst/>
+                <a:latin typeface="Times New Roman" panose="02020603050405020304" pitchFamily="18" charset="0"/>
+              </a:rPr>
+              <a:t>: </a:t>
+            </a:r>
+            <a:r>
+              <a:rPr lang="en-IN" sz="1800" b="0" i="0" u="sng" strike="noStrike" dirty="0">
+                <a:solidFill>
+                  <a:srgbClr val="1155CC"/>
+                </a:solidFill>
+                <a:effectLst/>
+                <a:latin typeface="Times New Roman" panose="02020603050405020304" pitchFamily="18" charset="0"/>
+                <a:hlinkClick r:id="rId10"/>
+              </a:rPr>
+              <a:t>Ayush Thakur</a:t>
+            </a:r>
+            <a:r>
+              <a:rPr lang="en-IN" sz="1800" b="0" i="0" u="none" strike="noStrike" dirty="0">
+                <a:solidFill>
+                  <a:srgbClr val="000000"/>
+                </a:solidFill>
+                <a:effectLst/>
+                <a:latin typeface="Times New Roman" panose="02020603050405020304" pitchFamily="18" charset="0"/>
+              </a:rPr>
+              <a:t> , </a:t>
+            </a:r>
+            <a:r>
+              <a:rPr lang="en-IN" sz="1800" b="0" i="0" u="sng" strike="noStrike" dirty="0">
+                <a:solidFill>
+                  <a:srgbClr val="1155CC"/>
+                </a:solidFill>
+                <a:effectLst/>
+                <a:latin typeface="Times New Roman" panose="02020603050405020304" pitchFamily="18" charset="0"/>
+                <a:hlinkClick r:id="rId11"/>
+              </a:rPr>
+              <a:t>Sonali Tandon</a:t>
+            </a:r>
+            <a:endParaRPr lang="en-IN" b="0" i="0" dirty="0">
+              <a:solidFill>
+                <a:srgbClr val="000000"/>
+              </a:solidFill>
+              <a:effectLst/>
+              <a:latin typeface="Linux Libertine"/>
+            </a:endParaRPr>
+          </a:p>
+          <a:p>
+            <a:pPr marL="0" indent="0">
+              <a:buNone/>
+            </a:pPr>
+            <a:endParaRPr lang="en-IN" b="0" i="0" dirty="0">
+              <a:solidFill>
+                <a:srgbClr val="000000"/>
+              </a:solidFill>
+              <a:effectLst/>
+              <a:latin typeface="Linux Libertine"/>
+            </a:endParaRPr>
+          </a:p>
+        </p:txBody>
+      </p:sp>
+    </p:spTree>
+    <p:extLst>
+      <p:ext uri="{BB962C8B-B14F-4D97-AF65-F5344CB8AC3E}">
+        <p14:creationId xmlns:p14="http://schemas.microsoft.com/office/powerpoint/2010/main" val="1808901802"/>
       </p:ext>
     </p:extLst>
   </p:cSld>
@@ -18102,12 +18524,354 @@
             <p:ph idx="1"/>
           </p:nvPr>
         </p:nvSpPr>
-        <p:spPr/>
-        <p:txBody>
-          <a:bodyPr/>
+        <p:spPr>
+          <a:xfrm>
+            <a:off x="822958" y="1845734"/>
+            <a:ext cx="8321041" cy="4442050"/>
+          </a:xfrm>
+        </p:spPr>
+        <p:txBody>
+          <a:bodyPr>
+            <a:normAutofit fontScale="92500" lnSpcReduction="10000"/>
+          </a:bodyPr>
           <a:lstStyle/>
           <a:p>
-            <a:endParaRPr lang="en-IN"/>
+            <a:pPr marL="0" indent="0">
+              <a:buNone/>
+            </a:pPr>
+            <a:r>
+              <a:rPr lang="en-IN" sz="2400" dirty="0">
+                <a:latin typeface="Times New Roman" panose="02020603050405020304" pitchFamily="18" charset="0"/>
+                <a:cs typeface="Times New Roman" panose="02020603050405020304" pitchFamily="18" charset="0"/>
+              </a:rPr>
+              <a:t>#declare variable: </a:t>
+            </a:r>
+            <a:r>
+              <a:rPr lang="fr-FR" sz="2400" dirty="0">
+                <a:latin typeface="Times New Roman" panose="02020603050405020304" pitchFamily="18" charset="0"/>
+                <a:cs typeface="Times New Roman" panose="02020603050405020304" pitchFamily="18" charset="0"/>
+              </a:rPr>
+              <a:t>values, pages, frames, </a:t>
+            </a:r>
+            <a:r>
+              <a:rPr lang="fr-FR" sz="2400" dirty="0" err="1">
+                <a:latin typeface="Times New Roman" panose="02020603050405020304" pitchFamily="18" charset="0"/>
+                <a:cs typeface="Times New Roman" panose="02020603050405020304" pitchFamily="18" charset="0"/>
+              </a:rPr>
+              <a:t>pageFaults</a:t>
+            </a:r>
+            <a:r>
+              <a:rPr lang="fr-FR" sz="2400" dirty="0">
+                <a:latin typeface="Times New Roman" panose="02020603050405020304" pitchFamily="18" charset="0"/>
+                <a:cs typeface="Times New Roman" panose="02020603050405020304" pitchFamily="18" charset="0"/>
+              </a:rPr>
+              <a:t>, </a:t>
+            </a:r>
+            <a:r>
+              <a:rPr lang="fr-FR" sz="2400" dirty="0" err="1">
+                <a:latin typeface="Times New Roman" panose="02020603050405020304" pitchFamily="18" charset="0"/>
+                <a:cs typeface="Times New Roman" panose="02020603050405020304" pitchFamily="18" charset="0"/>
+              </a:rPr>
+              <a:t>pageHits</a:t>
+            </a:r>
+            <a:endParaRPr lang="fr-FR" sz="2400" dirty="0">
+              <a:latin typeface="Times New Roman" panose="02020603050405020304" pitchFamily="18" charset="0"/>
+              <a:cs typeface="Times New Roman" panose="02020603050405020304" pitchFamily="18" charset="0"/>
+            </a:endParaRPr>
+          </a:p>
+          <a:p>
+            <a:pPr marL="0" indent="0">
+              <a:buNone/>
+            </a:pPr>
+            <a:r>
+              <a:rPr lang="fr-FR" sz="2400" dirty="0">
+                <a:latin typeface="Times New Roman" panose="02020603050405020304" pitchFamily="18" charset="0"/>
+                <a:cs typeface="Times New Roman" panose="02020603050405020304" pitchFamily="18" charset="0"/>
+              </a:rPr>
+              <a:t>#initialize </a:t>
+            </a:r>
+            <a:r>
+              <a:rPr lang="fr-FR" sz="2400" dirty="0" err="1">
+                <a:latin typeface="Times New Roman" panose="02020603050405020304" pitchFamily="18" charset="0"/>
+                <a:cs typeface="Times New Roman" panose="02020603050405020304" pitchFamily="18" charset="0"/>
+              </a:rPr>
+              <a:t>pageHits</a:t>
+            </a:r>
+            <a:r>
+              <a:rPr lang="fr-FR" sz="2400" dirty="0">
+                <a:latin typeface="Times New Roman" panose="02020603050405020304" pitchFamily="18" charset="0"/>
+                <a:cs typeface="Times New Roman" panose="02020603050405020304" pitchFamily="18" charset="0"/>
+              </a:rPr>
+              <a:t>=0 and </a:t>
+            </a:r>
+            <a:r>
+              <a:rPr lang="fr-FR" sz="2400" dirty="0" err="1">
+                <a:latin typeface="Times New Roman" panose="02020603050405020304" pitchFamily="18" charset="0"/>
+                <a:cs typeface="Times New Roman" panose="02020603050405020304" pitchFamily="18" charset="0"/>
+              </a:rPr>
+              <a:t>pageFaults</a:t>
+            </a:r>
+            <a:r>
+              <a:rPr lang="fr-FR" sz="2400" dirty="0">
+                <a:latin typeface="Times New Roman" panose="02020603050405020304" pitchFamily="18" charset="0"/>
+                <a:cs typeface="Times New Roman" panose="02020603050405020304" pitchFamily="18" charset="0"/>
+              </a:rPr>
+              <a:t>=0</a:t>
+            </a:r>
+          </a:p>
+          <a:p>
+            <a:pPr marL="0" indent="0">
+              <a:buNone/>
+            </a:pPr>
+            <a:r>
+              <a:rPr lang="fr-FR" sz="2400" dirty="0">
+                <a:latin typeface="Times New Roman" panose="02020603050405020304" pitchFamily="18" charset="0"/>
+                <a:cs typeface="Times New Roman" panose="02020603050405020304" pitchFamily="18" charset="0"/>
+              </a:rPr>
+              <a:t>Enter the </a:t>
+            </a:r>
+            <a:r>
+              <a:rPr lang="fr-FR" sz="2400" dirty="0" err="1">
+                <a:latin typeface="Times New Roman" panose="02020603050405020304" pitchFamily="18" charset="0"/>
+                <a:cs typeface="Times New Roman" panose="02020603050405020304" pitchFamily="18" charset="0"/>
+              </a:rPr>
+              <a:t>number</a:t>
+            </a:r>
+            <a:r>
+              <a:rPr lang="fr-FR" sz="2400" dirty="0">
+                <a:latin typeface="Times New Roman" panose="02020603050405020304" pitchFamily="18" charset="0"/>
+                <a:cs typeface="Times New Roman" panose="02020603050405020304" pitchFamily="18" charset="0"/>
+              </a:rPr>
+              <a:t> of pages.</a:t>
+            </a:r>
+          </a:p>
+          <a:p>
+            <a:pPr marL="0" indent="0">
+              <a:buNone/>
+            </a:pPr>
+            <a:r>
+              <a:rPr lang="fr-FR" sz="2400" dirty="0">
+                <a:latin typeface="Times New Roman" panose="02020603050405020304" pitchFamily="18" charset="0"/>
+                <a:cs typeface="Times New Roman" panose="02020603050405020304" pitchFamily="18" charset="0"/>
+              </a:rPr>
+              <a:t>Enter the </a:t>
+            </a:r>
+            <a:r>
+              <a:rPr lang="fr-FR" sz="2400" dirty="0" err="1">
+                <a:latin typeface="Times New Roman" panose="02020603050405020304" pitchFamily="18" charset="0"/>
+                <a:cs typeface="Times New Roman" panose="02020603050405020304" pitchFamily="18" charset="0"/>
+              </a:rPr>
+              <a:t>reference</a:t>
+            </a:r>
+            <a:r>
+              <a:rPr lang="fr-FR" sz="2400" dirty="0">
+                <a:latin typeface="Times New Roman" panose="02020603050405020304" pitchFamily="18" charset="0"/>
+                <a:cs typeface="Times New Roman" panose="02020603050405020304" pitchFamily="18" charset="0"/>
+              </a:rPr>
+              <a:t> string values.</a:t>
+            </a:r>
+          </a:p>
+          <a:p>
+            <a:pPr marL="0" indent="0">
+              <a:buNone/>
+            </a:pPr>
+            <a:r>
+              <a:rPr lang="fr-FR" sz="2400" dirty="0">
+                <a:latin typeface="Times New Roman" panose="02020603050405020304" pitchFamily="18" charset="0"/>
+                <a:cs typeface="Times New Roman" panose="02020603050405020304" pitchFamily="18" charset="0"/>
+              </a:rPr>
+              <a:t>Enter the </a:t>
+            </a:r>
+            <a:r>
+              <a:rPr lang="fr-FR" sz="2400" dirty="0" err="1">
+                <a:latin typeface="Times New Roman" panose="02020603050405020304" pitchFamily="18" charset="0"/>
+                <a:cs typeface="Times New Roman" panose="02020603050405020304" pitchFamily="18" charset="0"/>
+              </a:rPr>
+              <a:t>number</a:t>
+            </a:r>
+            <a:r>
+              <a:rPr lang="fr-FR" sz="2400" dirty="0">
+                <a:latin typeface="Times New Roman" panose="02020603050405020304" pitchFamily="18" charset="0"/>
+                <a:cs typeface="Times New Roman" panose="02020603050405020304" pitchFamily="18" charset="0"/>
+              </a:rPr>
+              <a:t> of frames.</a:t>
+            </a:r>
+          </a:p>
+          <a:p>
+            <a:pPr marL="0" indent="0">
+              <a:buNone/>
+            </a:pPr>
+            <a:r>
+              <a:rPr lang="fr-FR" sz="2400" dirty="0">
+                <a:latin typeface="Times New Roman" panose="02020603050405020304" pitchFamily="18" charset="0"/>
+                <a:cs typeface="Times New Roman" panose="02020603050405020304" pitchFamily="18" charset="0"/>
+              </a:rPr>
+              <a:t>Start travesing the string values </a:t>
+            </a:r>
+            <a:r>
+              <a:rPr lang="fr-FR" sz="2400" dirty="0" err="1">
+                <a:latin typeface="Times New Roman" panose="02020603050405020304" pitchFamily="18" charset="0"/>
+                <a:cs typeface="Times New Roman" panose="02020603050405020304" pitchFamily="18" charset="0"/>
+              </a:rPr>
+              <a:t>into</a:t>
+            </a:r>
+            <a:r>
+              <a:rPr lang="fr-FR" sz="2400" dirty="0">
+                <a:latin typeface="Times New Roman" panose="02020603050405020304" pitchFamily="18" charset="0"/>
+                <a:cs typeface="Times New Roman" panose="02020603050405020304" pitchFamily="18" charset="0"/>
+              </a:rPr>
+              <a:t> the frame.</a:t>
+            </a:r>
+          </a:p>
+          <a:p>
+            <a:pPr marL="0" indent="0">
+              <a:buNone/>
+            </a:pPr>
+            <a:r>
+              <a:rPr lang="fr-FR" sz="2400" dirty="0">
+                <a:latin typeface="Times New Roman" panose="02020603050405020304" pitchFamily="18" charset="0"/>
+                <a:cs typeface="Times New Roman" panose="02020603050405020304" pitchFamily="18" charset="0"/>
+              </a:rPr>
+              <a:t>Check if string value </a:t>
+            </a:r>
+            <a:r>
+              <a:rPr lang="fr-FR" sz="2400" dirty="0" err="1">
+                <a:latin typeface="Times New Roman" panose="02020603050405020304" pitchFamily="18" charset="0"/>
+                <a:cs typeface="Times New Roman" panose="02020603050405020304" pitchFamily="18" charset="0"/>
+              </a:rPr>
+              <a:t>already</a:t>
+            </a:r>
+            <a:r>
+              <a:rPr lang="fr-FR" sz="2400" dirty="0">
+                <a:latin typeface="Times New Roman" panose="02020603050405020304" pitchFamily="18" charset="0"/>
+                <a:cs typeface="Times New Roman" panose="02020603050405020304" pitchFamily="18" charset="0"/>
+              </a:rPr>
+              <a:t> </a:t>
+            </a:r>
+            <a:r>
+              <a:rPr lang="fr-FR" sz="2400" dirty="0" err="1">
+                <a:latin typeface="Times New Roman" panose="02020603050405020304" pitchFamily="18" charset="0"/>
+                <a:cs typeface="Times New Roman" panose="02020603050405020304" pitchFamily="18" charset="0"/>
+              </a:rPr>
+              <a:t>present</a:t>
+            </a:r>
+            <a:r>
+              <a:rPr lang="fr-FR" sz="2400" dirty="0">
+                <a:latin typeface="Times New Roman" panose="02020603050405020304" pitchFamily="18" charset="0"/>
+                <a:cs typeface="Times New Roman" panose="02020603050405020304" pitchFamily="18" charset="0"/>
+              </a:rPr>
+              <a:t> in the memory.</a:t>
+            </a:r>
+          </a:p>
+          <a:p>
+            <a:pPr marL="0" indent="0">
+              <a:buNone/>
+            </a:pPr>
+            <a:r>
+              <a:rPr lang="fr-FR" sz="2400" dirty="0">
+                <a:latin typeface="Times New Roman" panose="02020603050405020304" pitchFamily="18" charset="0"/>
+                <a:cs typeface="Times New Roman" panose="02020603050405020304" pitchFamily="18" charset="0"/>
+              </a:rPr>
+              <a:t>	If yes (</a:t>
+            </a:r>
+            <a:r>
+              <a:rPr lang="fr-FR" sz="2400" dirty="0" err="1">
+                <a:latin typeface="Times New Roman" panose="02020603050405020304" pitchFamily="18" charset="0"/>
+                <a:cs typeface="Times New Roman" panose="02020603050405020304" pitchFamily="18" charset="0"/>
+              </a:rPr>
+              <a:t>pageHit</a:t>
+            </a:r>
+            <a:r>
+              <a:rPr lang="fr-FR" sz="2400" dirty="0">
+                <a:latin typeface="Times New Roman" panose="02020603050405020304" pitchFamily="18" charset="0"/>
+                <a:cs typeface="Times New Roman" panose="02020603050405020304" pitchFamily="18" charset="0"/>
+              </a:rPr>
+              <a:t>)</a:t>
+            </a:r>
+          </a:p>
+          <a:p>
+            <a:pPr marL="0" indent="0">
+              <a:buNone/>
+            </a:pPr>
+            <a:r>
+              <a:rPr lang="fr-FR" sz="2400" dirty="0">
+                <a:latin typeface="Times New Roman" panose="02020603050405020304" pitchFamily="18" charset="0"/>
+                <a:cs typeface="Times New Roman" panose="02020603050405020304" pitchFamily="18" charset="0"/>
+              </a:rPr>
+              <a:t>	</a:t>
+            </a:r>
+            <a:r>
+              <a:rPr lang="fr-FR" sz="2400" dirty="0" err="1">
+                <a:latin typeface="Times New Roman" panose="02020603050405020304" pitchFamily="18" charset="0"/>
+                <a:cs typeface="Times New Roman" panose="02020603050405020304" pitchFamily="18" charset="0"/>
+              </a:rPr>
+              <a:t>Else</a:t>
+            </a:r>
+            <a:r>
+              <a:rPr lang="fr-FR" sz="2400" dirty="0">
+                <a:latin typeface="Times New Roman" panose="02020603050405020304" pitchFamily="18" charset="0"/>
+                <a:cs typeface="Times New Roman" panose="02020603050405020304" pitchFamily="18" charset="0"/>
+              </a:rPr>
+              <a:t> (</a:t>
+            </a:r>
+            <a:r>
+              <a:rPr lang="fr-FR" sz="2400" dirty="0" err="1">
+                <a:latin typeface="Times New Roman" panose="02020603050405020304" pitchFamily="18" charset="0"/>
+                <a:cs typeface="Times New Roman" panose="02020603050405020304" pitchFamily="18" charset="0"/>
+              </a:rPr>
+              <a:t>pageFault</a:t>
+            </a:r>
+            <a:r>
+              <a:rPr lang="fr-FR" sz="2400" dirty="0">
+                <a:latin typeface="Times New Roman" panose="02020603050405020304" pitchFamily="18" charset="0"/>
+                <a:cs typeface="Times New Roman" panose="02020603050405020304" pitchFamily="18" charset="0"/>
+              </a:rPr>
+              <a:t>)</a:t>
+            </a:r>
+          </a:p>
+          <a:p>
+            <a:pPr marL="0" indent="0">
+              <a:buNone/>
+            </a:pPr>
+            <a:r>
+              <a:rPr lang="fr-FR" sz="2400" dirty="0" err="1">
+                <a:latin typeface="Times New Roman" panose="02020603050405020304" pitchFamily="18" charset="0"/>
+                <a:cs typeface="Times New Roman" panose="02020603050405020304" pitchFamily="18" charset="0"/>
+              </a:rPr>
+              <a:t>Print</a:t>
+            </a:r>
+            <a:r>
+              <a:rPr lang="fr-FR" sz="2400" dirty="0">
+                <a:latin typeface="Times New Roman" panose="02020603050405020304" pitchFamily="18" charset="0"/>
+                <a:cs typeface="Times New Roman" panose="02020603050405020304" pitchFamily="18" charset="0"/>
+              </a:rPr>
+              <a:t> </a:t>
+            </a:r>
+            <a:r>
+              <a:rPr lang="fr-FR" sz="2400" dirty="0" err="1">
+                <a:latin typeface="Times New Roman" panose="02020603050405020304" pitchFamily="18" charset="0"/>
+                <a:cs typeface="Times New Roman" panose="02020603050405020304" pitchFamily="18" charset="0"/>
+              </a:rPr>
+              <a:t>pageHits</a:t>
+            </a:r>
+            <a:r>
+              <a:rPr lang="fr-FR" sz="2400" dirty="0">
+                <a:latin typeface="Times New Roman" panose="02020603050405020304" pitchFamily="18" charset="0"/>
+                <a:cs typeface="Times New Roman" panose="02020603050405020304" pitchFamily="18" charset="0"/>
+              </a:rPr>
+              <a:t> and </a:t>
+            </a:r>
+            <a:r>
+              <a:rPr lang="fr-FR" sz="2400" dirty="0" err="1">
+                <a:latin typeface="Times New Roman" panose="02020603050405020304" pitchFamily="18" charset="0"/>
+                <a:cs typeface="Times New Roman" panose="02020603050405020304" pitchFamily="18" charset="0"/>
+              </a:rPr>
+              <a:t>pageFaults</a:t>
+            </a:r>
+            <a:endParaRPr lang="en-IN" sz="2400" dirty="0">
+              <a:latin typeface="Times New Roman" panose="02020603050405020304" pitchFamily="18" charset="0"/>
+              <a:cs typeface="Times New Roman" panose="02020603050405020304" pitchFamily="18" charset="0"/>
+            </a:endParaRPr>
           </a:p>
         </p:txBody>
       </p:sp>
@@ -18125,94 +18889,6 @@
 </file>
 
 <file path=ppt/slides/slide7.xml><?xml version="1.0" encoding="utf-8"?>
-<p:sld xmlns:a="http://schemas.openxmlformats.org/drawingml/2006/main" xmlns:r="http://schemas.openxmlformats.org/officeDocument/2006/relationships" xmlns:p="http://schemas.openxmlformats.org/presentationml/2006/main">
-  <p:cSld>
-    <p:spTree>
-      <p:nvGrpSpPr>
-        <p:cNvPr id="1" name=""/>
-        <p:cNvGrpSpPr/>
-        <p:nvPr/>
-      </p:nvGrpSpPr>
-      <p:grpSpPr>
-        <a:xfrm>
-          <a:off x="0" y="0"/>
-          <a:ext cx="0" cy="0"/>
-          <a:chOff x="0" y="0"/>
-          <a:chExt cx="0" cy="0"/>
-        </a:xfrm>
-      </p:grpSpPr>
-      <p:sp>
-        <p:nvSpPr>
-          <p:cNvPr id="2" name="Title 1">
-            <a:extLst>
-              <a:ext uri="{FF2B5EF4-FFF2-40B4-BE49-F238E27FC236}">
-                <a16:creationId xmlns:a16="http://schemas.microsoft.com/office/drawing/2014/main" id="{4CAC8958-0C16-7AE1-9536-3E2E800CB3D4}"/>
-              </a:ext>
-            </a:extLst>
-          </p:cNvPr>
-          <p:cNvSpPr>
-            <a:spLocks noGrp="1"/>
-          </p:cNvSpPr>
-          <p:nvPr>
-            <p:ph type="title"/>
-          </p:nvPr>
-        </p:nvSpPr>
-        <p:spPr/>
-        <p:txBody>
-          <a:bodyPr/>
-          <a:lstStyle/>
-          <a:p>
-            <a:pPr algn="ctr"/>
-            <a:r>
-              <a:rPr lang="en-IN" b="1" dirty="0">
-                <a:latin typeface="Times New Roman" panose="02020603050405020304" pitchFamily="18" charset="0"/>
-                <a:cs typeface="Times New Roman" panose="02020603050405020304" pitchFamily="18" charset="0"/>
-              </a:rPr>
-              <a:t>Pseudo Code</a:t>
-            </a:r>
-            <a:endParaRPr lang="en-IN" dirty="0"/>
-          </a:p>
-        </p:txBody>
-      </p:sp>
-      <p:sp>
-        <p:nvSpPr>
-          <p:cNvPr id="3" name="Content Placeholder 2">
-            <a:extLst>
-              <a:ext uri="{FF2B5EF4-FFF2-40B4-BE49-F238E27FC236}">
-                <a16:creationId xmlns:a16="http://schemas.microsoft.com/office/drawing/2014/main" id="{5EE2B7F9-70E0-16E1-0AD4-1284A8605FD1}"/>
-              </a:ext>
-            </a:extLst>
-          </p:cNvPr>
-          <p:cNvSpPr>
-            <a:spLocks noGrp="1"/>
-          </p:cNvSpPr>
-          <p:nvPr>
-            <p:ph idx="1"/>
-          </p:nvPr>
-        </p:nvSpPr>
-        <p:spPr/>
-        <p:txBody>
-          <a:bodyPr/>
-          <a:lstStyle/>
-          <a:p>
-            <a:endParaRPr lang="en-IN"/>
-          </a:p>
-        </p:txBody>
-      </p:sp>
-    </p:spTree>
-    <p:extLst>
-      <p:ext uri="{BB962C8B-B14F-4D97-AF65-F5344CB8AC3E}">
-        <p14:creationId xmlns:p14="http://schemas.microsoft.com/office/powerpoint/2010/main" val="2872624488"/>
-      </p:ext>
-    </p:extLst>
-  </p:cSld>
-  <p:clrMapOvr>
-    <a:masterClrMapping/>
-  </p:clrMapOvr>
-</p:sld>
-</file>
-
-<file path=ppt/slides/slide8.xml><?xml version="1.0" encoding="utf-8"?>
 <p:sld xmlns:a="http://schemas.openxmlformats.org/drawingml/2006/main" xmlns:r="http://schemas.openxmlformats.org/officeDocument/2006/relationships" xmlns:p="http://schemas.openxmlformats.org/presentationml/2006/main">
   <p:cSld>
     <p:spTree>
@@ -18693,12 +19369,12 @@
 </p:sld>
 </file>
 
-<file path=ppt/slides/slide9.xml><?xml version="1.0" encoding="utf-8"?>
+<file path=ppt/slides/slide8.xml><?xml version="1.0" encoding="utf-8"?>
 <p:sld xmlns:a="http://schemas.openxmlformats.org/drawingml/2006/main" xmlns:r="http://schemas.openxmlformats.org/officeDocument/2006/relationships" xmlns:p="http://schemas.openxmlformats.org/presentationml/2006/main">
   <p:cSld>
     <p:spTree>
       <p:nvGrpSpPr>
-        <p:cNvPr id="1" name="Shape 126"/>
+        <p:cNvPr id="1" name=""/>
         <p:cNvGrpSpPr/>
         <p:nvPr/>
       </p:nvGrpSpPr>
@@ -18712,101 +19388,230 @@
       </p:grpSpPr>
       <p:sp>
         <p:nvSpPr>
-          <p:cNvPr id="127" name="Google Shape;127;p8"/>
-          <p:cNvSpPr txBox="1">
-            <a:spLocks noGrp="1"/>
-          </p:cNvSpPr>
-          <p:nvPr>
-            <p:ph type="title" idx="4294967295"/>
-          </p:nvPr>
+          <p:cNvPr id="7" name="Flowchart: Process 6">
+            <a:extLst>
+              <a:ext uri="{FF2B5EF4-FFF2-40B4-BE49-F238E27FC236}">
+                <a16:creationId xmlns:a16="http://schemas.microsoft.com/office/drawing/2014/main" id="{5FF32576-4F4D-20A3-3B03-1DAA3FA8BCA0}"/>
+              </a:ext>
+            </a:extLst>
+          </p:cNvPr>
+          <p:cNvSpPr/>
+          <p:nvPr/>
         </p:nvSpPr>
         <p:spPr>
           <a:xfrm>
-            <a:off x="-1" y="-1"/>
-            <a:ext cx="2691829" cy="719191"/>
+            <a:off x="729465" y="2583417"/>
+            <a:ext cx="8121098" cy="2214614"/>
+          </a:xfrm>
+          <a:prstGeom prst="flowChartProcess">
+            <a:avLst/>
+          </a:prstGeom>
+          <a:noFill/>
+          <a:ln>
+            <a:solidFill>
+              <a:schemeClr val="tx1"/>
+            </a:solidFill>
+          </a:ln>
+          <a:effectLst>
+            <a:glow rad="63500">
+              <a:schemeClr val="accent5">
+                <a:satMod val="175000"/>
+                <a:alpha val="40000"/>
+              </a:schemeClr>
+            </a:glow>
+            <a:outerShdw blurRad="40000" dist="20000" dir="5400000" rotWithShape="0">
+              <a:srgbClr val="000000">
+                <a:alpha val="38000"/>
+              </a:srgbClr>
+            </a:outerShdw>
+          </a:effectLst>
+          <a:scene3d>
+            <a:camera prst="perspectiveFront"/>
+            <a:lightRig rig="threePt" dir="t"/>
+          </a:scene3d>
+        </p:spPr>
+        <p:style>
+          <a:lnRef idx="1">
+            <a:schemeClr val="accent2"/>
+          </a:lnRef>
+          <a:fillRef idx="2">
+            <a:schemeClr val="accent2"/>
+          </a:fillRef>
+          <a:effectRef idx="1">
+            <a:schemeClr val="accent2"/>
+          </a:effectRef>
+          <a:fontRef idx="minor">
+            <a:schemeClr val="dk1"/>
+          </a:fontRef>
+        </p:style>
+        <p:txBody>
+          <a:bodyPr rtlCol="0" anchor="ctr"/>
+          <a:lstStyle/>
+          <a:p>
+            <a:pPr algn="ctr"/>
+            <a:r>
+              <a:rPr lang="en-US" sz="2400" i="0" dirty="0">
+                <a:solidFill>
+                  <a:schemeClr val="tx1"/>
+                </a:solidFill>
+                <a:effectLst/>
+                <a:latin typeface="Times New Roman" panose="02020603050405020304" pitchFamily="18" charset="0"/>
+                <a:cs typeface="Times New Roman" panose="02020603050405020304" pitchFamily="18" charset="0"/>
+              </a:rPr>
+              <a:t>Least Recently Used algorithm is a page replacement technique used for memory management. According to this method, that page is replaced which is least recently used . Thus in memory any page that has been unused for a longer period of time than the others is replaced.</a:t>
+            </a:r>
+            <a:endParaRPr lang="en-IN" sz="2400" dirty="0">
+              <a:solidFill>
+                <a:schemeClr val="tx1"/>
+              </a:solidFill>
+              <a:latin typeface="Times New Roman" panose="02020603050405020304" pitchFamily="18" charset="0"/>
+              <a:cs typeface="Times New Roman" panose="02020603050405020304" pitchFamily="18" charset="0"/>
+            </a:endParaRPr>
+          </a:p>
+        </p:txBody>
+      </p:sp>
+      <p:sp>
+        <p:nvSpPr>
+          <p:cNvPr id="16" name="Ribbon: Tilted Down 15">
+            <a:extLst>
+              <a:ext uri="{FF2B5EF4-FFF2-40B4-BE49-F238E27FC236}">
+                <a16:creationId xmlns:a16="http://schemas.microsoft.com/office/drawing/2014/main" id="{CAE00CF1-76F1-BAB0-2F25-64B10DCD8AB6}"/>
+              </a:ext>
+            </a:extLst>
+          </p:cNvPr>
+          <p:cNvSpPr/>
+          <p:nvPr/>
+        </p:nvSpPr>
+        <p:spPr>
+          <a:xfrm>
+            <a:off x="0" y="1841863"/>
+            <a:ext cx="3066585" cy="741554"/>
+          </a:xfrm>
+          <a:prstGeom prst="ribbon">
+            <a:avLst>
+              <a:gd name="adj1" fmla="val 18267"/>
+              <a:gd name="adj2" fmla="val 64035"/>
+            </a:avLst>
+          </a:prstGeom>
+          <a:solidFill>
+            <a:schemeClr val="accent2">
+              <a:lumMod val="20000"/>
+              <a:lumOff val="80000"/>
+            </a:schemeClr>
+          </a:solidFill>
+          <a:ln>
+            <a:solidFill>
+              <a:schemeClr val="tx1"/>
+            </a:solidFill>
+          </a:ln>
+        </p:spPr>
+        <p:style>
+          <a:lnRef idx="3">
+            <a:schemeClr val="lt1"/>
+          </a:lnRef>
+          <a:fillRef idx="1">
+            <a:schemeClr val="accent6"/>
+          </a:fillRef>
+          <a:effectRef idx="1">
+            <a:schemeClr val="accent6"/>
+          </a:effectRef>
+          <a:fontRef idx="minor">
+            <a:schemeClr val="lt1"/>
+          </a:fontRef>
+        </p:style>
+        <p:txBody>
+          <a:bodyPr rtlCol="0" anchor="ctr"/>
+          <a:lstStyle/>
+          <a:p>
+            <a:pPr algn="ctr"/>
+            <a:r>
+              <a:rPr lang="en-US" sz="2000" b="1" dirty="0">
+                <a:solidFill>
+                  <a:schemeClr val="tx1"/>
+                </a:solidFill>
+                <a:latin typeface="Times New Roman" panose="02020603050405020304" pitchFamily="18" charset="0"/>
+                <a:cs typeface="Times New Roman" panose="02020603050405020304" pitchFamily="18" charset="0"/>
+              </a:rPr>
+              <a:t>Algorithm</a:t>
+            </a:r>
+            <a:endParaRPr lang="en-IN" sz="2000" b="1" dirty="0">
+              <a:solidFill>
+                <a:schemeClr val="tx1"/>
+              </a:solidFill>
+              <a:latin typeface="Times New Roman" panose="02020603050405020304" pitchFamily="18" charset="0"/>
+              <a:cs typeface="Times New Roman" panose="02020603050405020304" pitchFamily="18" charset="0"/>
+            </a:endParaRPr>
+          </a:p>
+        </p:txBody>
+      </p:sp>
+      <p:sp>
+        <p:nvSpPr>
+          <p:cNvPr id="3" name="TextBox 2">
+            <a:extLst>
+              <a:ext uri="{FF2B5EF4-FFF2-40B4-BE49-F238E27FC236}">
+                <a16:creationId xmlns:a16="http://schemas.microsoft.com/office/drawing/2014/main" id="{2AE9B832-3862-8AC4-BC30-1A5A4EDCCDF0}"/>
+              </a:ext>
+            </a:extLst>
+          </p:cNvPr>
+          <p:cNvSpPr txBox="1"/>
+          <p:nvPr/>
+        </p:nvSpPr>
+        <p:spPr>
+          <a:xfrm>
+            <a:off x="1103970" y="0"/>
+            <a:ext cx="6936060" cy="646331"/>
           </a:xfrm>
           <a:prstGeom prst="rect">
             <a:avLst/>
           </a:prstGeom>
           <a:noFill/>
-          <a:ln>
-            <a:noFill/>
-          </a:ln>
-        </p:spPr>
-        <p:txBody>
-          <a:bodyPr spcFirstLastPara="1" wrap="square" lIns="91425" tIns="45700" rIns="91425" bIns="45700" anchor="b" anchorCtr="0">
-            <a:noAutofit/>
+        </p:spPr>
+        <p:txBody>
+          <a:bodyPr wrap="square">
+            <a:spAutoFit/>
           </a:bodyPr>
           <a:lstStyle/>
           <a:p>
-            <a:pPr marL="0" lvl="0" indent="0" algn="ctr" rtl="1">
-              <a:lnSpc>
-                <a:spcPct val="100000"/>
-              </a:lnSpc>
-              <a:spcBef>
-                <a:spcPts val="0"/>
-              </a:spcBef>
-              <a:spcAft>
-                <a:spcPts val="0"/>
-              </a:spcAft>
-              <a:buClr>
-                <a:srgbClr val="006666"/>
-              </a:buClr>
-              <a:buSzPts val="4400"/>
-              <a:buFont typeface="Times New Roman"/>
-              <a:buNone/>
-            </a:pPr>
-            <a:r>
-              <a:rPr lang="en-US" sz="4400" b="1" i="0" u="none" dirty="0">
-                <a:solidFill>
-                  <a:schemeClr val="tx1"/>
-                </a:solidFill>
-                <a:latin typeface="Times New Roman"/>
-                <a:ea typeface="Times New Roman"/>
-                <a:cs typeface="Times New Roman"/>
-                <a:sym typeface="Times New Roman"/>
+            <a:pPr algn="ctr"/>
+            <a:r>
+              <a:rPr lang="en-US" sz="3600" b="1" dirty="0">
+                <a:ln w="0"/>
+                <a:effectLst>
+                  <a:outerShdw blurRad="38100" dist="25400" dir="5400000" algn="ctr" rotWithShape="0">
+                    <a:srgbClr val="6E747A">
+                      <a:alpha val="43000"/>
+                    </a:srgbClr>
+                  </a:outerShdw>
+                </a:effectLst>
+                <a:latin typeface="Times New Roman" panose="02020603050405020304" pitchFamily="18" charset="0"/>
+                <a:cs typeface="Times New Roman" panose="02020603050405020304" pitchFamily="18" charset="0"/>
               </a:rPr>
-              <a:t>Flowchart</a:t>
-            </a:r>
-            <a:endParaRPr b="1" dirty="0">
-              <a:solidFill>
-                <a:schemeClr val="tx1"/>
-              </a:solidFill>
-            </a:endParaRPr>
-          </a:p>
-        </p:txBody>
-      </p:sp>
-      <p:pic>
-        <p:nvPicPr>
-          <p:cNvPr id="128" name="Google Shape;128;p8"/>
-          <p:cNvPicPr preferRelativeResize="0">
-            <a:picLocks noGrp="1"/>
-          </p:cNvPicPr>
-          <p:nvPr>
-            <p:ph idx="4294967295"/>
-          </p:nvPr>
-        </p:nvPicPr>
-        <p:blipFill rotWithShape="1">
-          <a:blip r:embed="rId3">
-            <a:alphaModFix/>
-          </a:blip>
-          <a:stretch/>
-        </p:blipFill>
-        <p:spPr>
-          <a:xfrm>
-            <a:off x="1839074" y="0"/>
-            <a:ext cx="5264150" cy="6708775"/>
-          </a:xfrm>
-          <a:prstGeom prst="rect">
-            <a:avLst/>
-          </a:prstGeom>
-          <a:noFill/>
-          <a:ln>
-            <a:noFill/>
-          </a:ln>
-        </p:spPr>
-      </p:pic>
+              <a:t>LEAST </a:t>
+            </a:r>
+            <a:r>
+              <a:rPr lang="en-US" sz="3600" b="1" cap="none" spc="0" dirty="0">
+                <a:ln w="0"/>
+                <a:effectLst>
+                  <a:outerShdw blurRad="38100" dist="25400" dir="5400000" algn="ctr" rotWithShape="0">
+                    <a:srgbClr val="6E747A">
+                      <a:alpha val="43000"/>
+                    </a:srgbClr>
+                  </a:outerShdw>
+                </a:effectLst>
+                <a:latin typeface="Times New Roman" panose="02020603050405020304" pitchFamily="18" charset="0"/>
+                <a:cs typeface="Times New Roman" panose="02020603050405020304" pitchFamily="18" charset="0"/>
+              </a:rPr>
+              <a:t>PAGE REPLACEMENT</a:t>
+            </a:r>
+          </a:p>
+        </p:txBody>
+      </p:sp>
     </p:spTree>
+    <p:extLst>
+      <p:ext uri="{BB962C8B-B14F-4D97-AF65-F5344CB8AC3E}">
+        <p14:creationId xmlns:p14="http://schemas.microsoft.com/office/powerpoint/2010/main" val="3335191982"/>
+      </p:ext>
+    </p:extLst>
   </p:cSld>
   <p:clrMapOvr>
     <a:masterClrMapping/>
@@ -18823,6 +19628,2360 @@
       </p:transition>
     </mc:Fallback>
   </mc:AlternateContent>
+  <p:timing>
+    <p:tnLst>
+      <p:par>
+        <p:cTn id="1" dur="indefinite" restart="never" nodeType="tmRoot">
+          <p:childTnLst>
+            <p:seq concurrent="1" nextAc="seek">
+              <p:cTn id="2" dur="indefinite" nodeType="mainSeq">
+                <p:childTnLst>
+                  <p:par>
+                    <p:cTn id="3" fill="hold">
+                      <p:stCondLst>
+                        <p:cond delay="indefinite"/>
+                        <p:cond evt="onBegin" delay="0">
+                          <p:tn val="2"/>
+                        </p:cond>
+                      </p:stCondLst>
+                      <p:childTnLst>
+                        <p:par>
+                          <p:cTn id="4" fill="hold">
+                            <p:stCondLst>
+                              <p:cond delay="0"/>
+                            </p:stCondLst>
+                            <p:childTnLst>
+                              <p:par>
+                                <p:cTn id="5" presetID="53" presetClass="entr" presetSubtype="16" fill="hold" grpId="0" nodeType="withEffect">
+                                  <p:stCondLst>
+                                    <p:cond delay="0"/>
+                                  </p:stCondLst>
+                                  <p:childTnLst>
+                                    <p:set>
+                                      <p:cBhvr>
+                                        <p:cTn id="6" dur="1" fill="hold">
+                                          <p:stCondLst>
+                                            <p:cond delay="0"/>
+                                          </p:stCondLst>
+                                        </p:cTn>
+                                        <p:tgtEl>
+                                          <p:spTgt spid="16"/>
+                                        </p:tgtEl>
+                                        <p:attrNameLst>
+                                          <p:attrName>style.visibility</p:attrName>
+                                        </p:attrNameLst>
+                                      </p:cBhvr>
+                                      <p:to>
+                                        <p:strVal val="visible"/>
+                                      </p:to>
+                                    </p:set>
+                                    <p:anim calcmode="lin" valueType="num">
+                                      <p:cBhvr>
+                                        <p:cTn id="7" dur="500" fill="hold"/>
+                                        <p:tgtEl>
+                                          <p:spTgt spid="16"/>
+                                        </p:tgtEl>
+                                        <p:attrNameLst>
+                                          <p:attrName>ppt_w</p:attrName>
+                                        </p:attrNameLst>
+                                      </p:cBhvr>
+                                      <p:tavLst>
+                                        <p:tav tm="0">
+                                          <p:val>
+                                            <p:fltVal val="0"/>
+                                          </p:val>
+                                        </p:tav>
+                                        <p:tav tm="100000">
+                                          <p:val>
+                                            <p:strVal val="#ppt_w"/>
+                                          </p:val>
+                                        </p:tav>
+                                      </p:tavLst>
+                                    </p:anim>
+                                    <p:anim calcmode="lin" valueType="num">
+                                      <p:cBhvr>
+                                        <p:cTn id="8" dur="500" fill="hold"/>
+                                        <p:tgtEl>
+                                          <p:spTgt spid="16"/>
+                                        </p:tgtEl>
+                                        <p:attrNameLst>
+                                          <p:attrName>ppt_h</p:attrName>
+                                        </p:attrNameLst>
+                                      </p:cBhvr>
+                                      <p:tavLst>
+                                        <p:tav tm="0">
+                                          <p:val>
+                                            <p:fltVal val="0"/>
+                                          </p:val>
+                                        </p:tav>
+                                        <p:tav tm="100000">
+                                          <p:val>
+                                            <p:strVal val="#ppt_h"/>
+                                          </p:val>
+                                        </p:tav>
+                                      </p:tavLst>
+                                    </p:anim>
+                                    <p:animEffect transition="in" filter="fade">
+                                      <p:cBhvr>
+                                        <p:cTn id="9" dur="500"/>
+                                        <p:tgtEl>
+                                          <p:spTgt spid="16"/>
+                                        </p:tgtEl>
+                                      </p:cBhvr>
+                                    </p:animEffect>
+                                  </p:childTnLst>
+                                </p:cTn>
+                              </p:par>
+                            </p:childTnLst>
+                          </p:cTn>
+                        </p:par>
+                      </p:childTnLst>
+                    </p:cTn>
+                  </p:par>
+                </p:childTnLst>
+              </p:cTn>
+              <p:prevCondLst>
+                <p:cond evt="onPrev" delay="0">
+                  <p:tgtEl>
+                    <p:sldTgt/>
+                  </p:tgtEl>
+                </p:cond>
+              </p:prevCondLst>
+              <p:nextCondLst>
+                <p:cond evt="onNext" delay="0">
+                  <p:tgtEl>
+                    <p:sldTgt/>
+                  </p:tgtEl>
+                </p:cond>
+              </p:nextCondLst>
+            </p:seq>
+          </p:childTnLst>
+        </p:cTn>
+      </p:par>
+    </p:tnLst>
+    <p:bldLst>
+      <p:bldP spid="16" grpId="0" animBg="1"/>
+    </p:bldLst>
+  </p:timing>
+</p:sld>
+</file>
+
+<file path=ppt/slides/slide9.xml><?xml version="1.0" encoding="utf-8"?>
+<p:sld xmlns:a="http://schemas.openxmlformats.org/drawingml/2006/main" xmlns:r="http://schemas.openxmlformats.org/officeDocument/2006/relationships" xmlns:p="http://schemas.openxmlformats.org/presentationml/2006/main">
+  <p:cSld>
+    <p:spTree>
+      <p:nvGrpSpPr>
+        <p:cNvPr id="1" name=""/>
+        <p:cNvGrpSpPr/>
+        <p:nvPr/>
+      </p:nvGrpSpPr>
+      <p:grpSpPr>
+        <a:xfrm>
+          <a:off x="0" y="0"/>
+          <a:ext cx="0" cy="0"/>
+          <a:chOff x="0" y="0"/>
+          <a:chExt cx="0" cy="0"/>
+        </a:xfrm>
+      </p:grpSpPr>
+      <p:sp>
+        <p:nvSpPr>
+          <p:cNvPr id="2" name="Title 1">
+            <a:extLst>
+              <a:ext uri="{FF2B5EF4-FFF2-40B4-BE49-F238E27FC236}">
+                <a16:creationId xmlns:a16="http://schemas.microsoft.com/office/drawing/2014/main" id="{3018B333-8609-6A41-9D31-5E89AF6113D1}"/>
+              </a:ext>
+            </a:extLst>
+          </p:cNvPr>
+          <p:cNvSpPr>
+            <a:spLocks noGrp="1"/>
+          </p:cNvSpPr>
+          <p:nvPr>
+            <p:ph type="title"/>
+          </p:nvPr>
+        </p:nvSpPr>
+        <p:spPr/>
+        <p:txBody>
+          <a:bodyPr/>
+          <a:lstStyle/>
+          <a:p>
+            <a:r>
+              <a:rPr lang="en-IN" b="1" dirty="0">
+                <a:latin typeface="Times New Roman" panose="02020603050405020304" pitchFamily="18" charset="0"/>
+                <a:cs typeface="Times New Roman" panose="02020603050405020304" pitchFamily="18" charset="0"/>
+              </a:rPr>
+              <a:t>Example</a:t>
+            </a:r>
+          </a:p>
+        </p:txBody>
+      </p:sp>
+      <p:graphicFrame>
+        <p:nvGraphicFramePr>
+          <p:cNvPr id="4" name="Table 4">
+            <a:extLst>
+              <a:ext uri="{FF2B5EF4-FFF2-40B4-BE49-F238E27FC236}">
+                <a16:creationId xmlns:a16="http://schemas.microsoft.com/office/drawing/2014/main" id="{9E2AAA53-20CD-E4BD-9CC8-45A29F15FCAC}"/>
+              </a:ext>
+            </a:extLst>
+          </p:cNvPr>
+          <p:cNvGraphicFramePr>
+            <a:graphicFrameLocks noGrp="1"/>
+          </p:cNvGraphicFramePr>
+          <p:nvPr>
+            <p:ph idx="1"/>
+            <p:extLst>
+              <p:ext uri="{D42A27DB-BD31-4B8C-83A1-F6EECF244321}">
+                <p14:modId xmlns:p14="http://schemas.microsoft.com/office/powerpoint/2010/main" val="1147201774"/>
+              </p:ext>
+            </p:extLst>
+          </p:nvPr>
+        </p:nvGraphicFramePr>
+        <p:xfrm>
+          <a:off x="822960" y="2925049"/>
+          <a:ext cx="7920984" cy="2407239"/>
+        </p:xfrm>
+        <a:graphic>
+          <a:graphicData uri="http://schemas.openxmlformats.org/drawingml/2006/table">
+            <a:tbl>
+              <a:tblPr firstRow="1" bandRow="1">
+                <a:tableStyleId>{D7AC3CCA-C797-4891-BE02-D94E43425B78}</a:tableStyleId>
+              </a:tblPr>
+              <a:tblGrid>
+                <a:gridCol w="990123">
+                  <a:extLst>
+                    <a:ext uri="{9D8B030D-6E8A-4147-A177-3AD203B41FA5}">
+                      <a16:colId xmlns:a16="http://schemas.microsoft.com/office/drawing/2014/main" val="1054678124"/>
+                    </a:ext>
+                  </a:extLst>
+                </a:gridCol>
+                <a:gridCol w="990123">
+                  <a:extLst>
+                    <a:ext uri="{9D8B030D-6E8A-4147-A177-3AD203B41FA5}">
+                      <a16:colId xmlns:a16="http://schemas.microsoft.com/office/drawing/2014/main" val="4003542621"/>
+                    </a:ext>
+                  </a:extLst>
+                </a:gridCol>
+                <a:gridCol w="990123">
+                  <a:extLst>
+                    <a:ext uri="{9D8B030D-6E8A-4147-A177-3AD203B41FA5}">
+                      <a16:colId xmlns:a16="http://schemas.microsoft.com/office/drawing/2014/main" val="1140716483"/>
+                    </a:ext>
+                  </a:extLst>
+                </a:gridCol>
+                <a:gridCol w="990123">
+                  <a:extLst>
+                    <a:ext uri="{9D8B030D-6E8A-4147-A177-3AD203B41FA5}">
+                      <a16:colId xmlns:a16="http://schemas.microsoft.com/office/drawing/2014/main" val="4193832787"/>
+                    </a:ext>
+                  </a:extLst>
+                </a:gridCol>
+                <a:gridCol w="990123">
+                  <a:extLst>
+                    <a:ext uri="{9D8B030D-6E8A-4147-A177-3AD203B41FA5}">
+                      <a16:colId xmlns:a16="http://schemas.microsoft.com/office/drawing/2014/main" val="3358983340"/>
+                    </a:ext>
+                  </a:extLst>
+                </a:gridCol>
+                <a:gridCol w="990123">
+                  <a:extLst>
+                    <a:ext uri="{9D8B030D-6E8A-4147-A177-3AD203B41FA5}">
+                      <a16:colId xmlns:a16="http://schemas.microsoft.com/office/drawing/2014/main" val="3845818185"/>
+                    </a:ext>
+                  </a:extLst>
+                </a:gridCol>
+                <a:gridCol w="990123">
+                  <a:extLst>
+                    <a:ext uri="{9D8B030D-6E8A-4147-A177-3AD203B41FA5}">
+                      <a16:colId xmlns:a16="http://schemas.microsoft.com/office/drawing/2014/main" val="515684843"/>
+                    </a:ext>
+                  </a:extLst>
+                </a:gridCol>
+                <a:gridCol w="990123">
+                  <a:extLst>
+                    <a:ext uri="{9D8B030D-6E8A-4147-A177-3AD203B41FA5}">
+                      <a16:colId xmlns:a16="http://schemas.microsoft.com/office/drawing/2014/main" val="2216464724"/>
+                    </a:ext>
+                  </a:extLst>
+                </a:gridCol>
+              </a:tblGrid>
+              <a:tr h="802413">
+                <a:tc>
+                  <a:txBody>
+                    <a:bodyPr/>
+                    <a:lstStyle/>
+                    <a:p>
+                      <a:endParaRPr lang="en-IN" dirty="0"/>
+                    </a:p>
+                  </a:txBody>
+                  <a:tcPr/>
+                </a:tc>
+                <a:tc>
+                  <a:txBody>
+                    <a:bodyPr/>
+                    <a:lstStyle/>
+                    <a:p>
+                      <a:endParaRPr lang="en-IN"/>
+                    </a:p>
+                  </a:txBody>
+                  <a:tcPr/>
+                </a:tc>
+                <a:tc>
+                  <a:txBody>
+                    <a:bodyPr/>
+                    <a:lstStyle/>
+                    <a:p>
+                      <a:endParaRPr lang="en-IN"/>
+                    </a:p>
+                  </a:txBody>
+                  <a:tcPr/>
+                </a:tc>
+                <a:tc>
+                  <a:txBody>
+                    <a:bodyPr/>
+                    <a:lstStyle/>
+                    <a:p>
+                      <a:endParaRPr lang="en-IN"/>
+                    </a:p>
+                  </a:txBody>
+                  <a:tcPr/>
+                </a:tc>
+                <a:tc>
+                  <a:txBody>
+                    <a:bodyPr/>
+                    <a:lstStyle/>
+                    <a:p>
+                      <a:endParaRPr lang="en-IN"/>
+                    </a:p>
+                  </a:txBody>
+                  <a:tcPr/>
+                </a:tc>
+                <a:tc>
+                  <a:txBody>
+                    <a:bodyPr/>
+                    <a:lstStyle/>
+                    <a:p>
+                      <a:endParaRPr lang="en-IN"/>
+                    </a:p>
+                  </a:txBody>
+                  <a:tcPr/>
+                </a:tc>
+                <a:tc>
+                  <a:txBody>
+                    <a:bodyPr/>
+                    <a:lstStyle/>
+                    <a:p>
+                      <a:endParaRPr lang="en-IN"/>
+                    </a:p>
+                  </a:txBody>
+                  <a:tcPr/>
+                </a:tc>
+                <a:tc>
+                  <a:txBody>
+                    <a:bodyPr/>
+                    <a:lstStyle/>
+                    <a:p>
+                      <a:endParaRPr lang="en-IN"/>
+                    </a:p>
+                  </a:txBody>
+                  <a:tcPr/>
+                </a:tc>
+                <a:extLst>
+                  <a:ext uri="{0D108BD9-81ED-4DB2-BD59-A6C34878D82A}">
+                    <a16:rowId xmlns:a16="http://schemas.microsoft.com/office/drawing/2014/main" val="2314344416"/>
+                  </a:ext>
+                </a:extLst>
+              </a:tr>
+              <a:tr h="802413">
+                <a:tc>
+                  <a:txBody>
+                    <a:bodyPr/>
+                    <a:lstStyle/>
+                    <a:p>
+                      <a:endParaRPr lang="en-IN"/>
+                    </a:p>
+                  </a:txBody>
+                  <a:tcPr/>
+                </a:tc>
+                <a:tc>
+                  <a:txBody>
+                    <a:bodyPr/>
+                    <a:lstStyle/>
+                    <a:p>
+                      <a:endParaRPr lang="en-IN"/>
+                    </a:p>
+                  </a:txBody>
+                  <a:tcPr/>
+                </a:tc>
+                <a:tc>
+                  <a:txBody>
+                    <a:bodyPr/>
+                    <a:lstStyle/>
+                    <a:p>
+                      <a:endParaRPr lang="en-IN"/>
+                    </a:p>
+                  </a:txBody>
+                  <a:tcPr/>
+                </a:tc>
+                <a:tc>
+                  <a:txBody>
+                    <a:bodyPr/>
+                    <a:lstStyle/>
+                    <a:p>
+                      <a:endParaRPr lang="en-IN"/>
+                    </a:p>
+                  </a:txBody>
+                  <a:tcPr/>
+                </a:tc>
+                <a:tc>
+                  <a:txBody>
+                    <a:bodyPr/>
+                    <a:lstStyle/>
+                    <a:p>
+                      <a:endParaRPr lang="en-IN"/>
+                    </a:p>
+                  </a:txBody>
+                  <a:tcPr/>
+                </a:tc>
+                <a:tc>
+                  <a:txBody>
+                    <a:bodyPr/>
+                    <a:lstStyle/>
+                    <a:p>
+                      <a:endParaRPr lang="en-IN"/>
+                    </a:p>
+                  </a:txBody>
+                  <a:tcPr/>
+                </a:tc>
+                <a:tc>
+                  <a:txBody>
+                    <a:bodyPr/>
+                    <a:lstStyle/>
+                    <a:p>
+                      <a:endParaRPr lang="en-IN"/>
+                    </a:p>
+                  </a:txBody>
+                  <a:tcPr/>
+                </a:tc>
+                <a:tc>
+                  <a:txBody>
+                    <a:bodyPr/>
+                    <a:lstStyle/>
+                    <a:p>
+                      <a:endParaRPr lang="en-IN"/>
+                    </a:p>
+                  </a:txBody>
+                  <a:tcPr/>
+                </a:tc>
+                <a:extLst>
+                  <a:ext uri="{0D108BD9-81ED-4DB2-BD59-A6C34878D82A}">
+                    <a16:rowId xmlns:a16="http://schemas.microsoft.com/office/drawing/2014/main" val="4163419670"/>
+                  </a:ext>
+                </a:extLst>
+              </a:tr>
+              <a:tr h="802413">
+                <a:tc>
+                  <a:txBody>
+                    <a:bodyPr/>
+                    <a:lstStyle/>
+                    <a:p>
+                      <a:endParaRPr lang="en-IN"/>
+                    </a:p>
+                  </a:txBody>
+                  <a:tcPr/>
+                </a:tc>
+                <a:tc>
+                  <a:txBody>
+                    <a:bodyPr/>
+                    <a:lstStyle/>
+                    <a:p>
+                      <a:endParaRPr lang="en-IN" dirty="0"/>
+                    </a:p>
+                  </a:txBody>
+                  <a:tcPr/>
+                </a:tc>
+                <a:tc>
+                  <a:txBody>
+                    <a:bodyPr/>
+                    <a:lstStyle/>
+                    <a:p>
+                      <a:endParaRPr lang="en-IN"/>
+                    </a:p>
+                  </a:txBody>
+                  <a:tcPr/>
+                </a:tc>
+                <a:tc>
+                  <a:txBody>
+                    <a:bodyPr/>
+                    <a:lstStyle/>
+                    <a:p>
+                      <a:endParaRPr lang="en-IN"/>
+                    </a:p>
+                  </a:txBody>
+                  <a:tcPr/>
+                </a:tc>
+                <a:tc>
+                  <a:txBody>
+                    <a:bodyPr/>
+                    <a:lstStyle/>
+                    <a:p>
+                      <a:endParaRPr lang="en-IN"/>
+                    </a:p>
+                  </a:txBody>
+                  <a:tcPr/>
+                </a:tc>
+                <a:tc>
+                  <a:txBody>
+                    <a:bodyPr/>
+                    <a:lstStyle/>
+                    <a:p>
+                      <a:endParaRPr lang="en-IN"/>
+                    </a:p>
+                  </a:txBody>
+                  <a:tcPr/>
+                </a:tc>
+                <a:tc>
+                  <a:txBody>
+                    <a:bodyPr/>
+                    <a:lstStyle/>
+                    <a:p>
+                      <a:endParaRPr lang="en-IN"/>
+                    </a:p>
+                  </a:txBody>
+                  <a:tcPr/>
+                </a:tc>
+                <a:tc>
+                  <a:txBody>
+                    <a:bodyPr/>
+                    <a:lstStyle/>
+                    <a:p>
+                      <a:endParaRPr lang="en-IN" dirty="0"/>
+                    </a:p>
+                  </a:txBody>
+                  <a:tcPr/>
+                </a:tc>
+                <a:extLst>
+                  <a:ext uri="{0D108BD9-81ED-4DB2-BD59-A6C34878D82A}">
+                    <a16:rowId xmlns:a16="http://schemas.microsoft.com/office/drawing/2014/main" val="644729442"/>
+                  </a:ext>
+                </a:extLst>
+              </a:tr>
+            </a:tbl>
+          </a:graphicData>
+        </a:graphic>
+      </p:graphicFrame>
+      <p:sp>
+        <p:nvSpPr>
+          <p:cNvPr id="5" name="TextBox 4">
+            <a:extLst>
+              <a:ext uri="{FF2B5EF4-FFF2-40B4-BE49-F238E27FC236}">
+                <a16:creationId xmlns:a16="http://schemas.microsoft.com/office/drawing/2014/main" id="{645784F4-DC30-81B9-53AD-DD7590F00074}"/>
+              </a:ext>
+            </a:extLst>
+          </p:cNvPr>
+          <p:cNvSpPr txBox="1"/>
+          <p:nvPr/>
+        </p:nvSpPr>
+        <p:spPr>
+          <a:xfrm>
+            <a:off x="1808252" y="2106202"/>
+            <a:ext cx="5291191" cy="523220"/>
+          </a:xfrm>
+          <a:prstGeom prst="rect">
+            <a:avLst/>
+          </a:prstGeom>
+          <a:noFill/>
+        </p:spPr>
+        <p:txBody>
+          <a:bodyPr wrap="square" rtlCol="0">
+            <a:spAutoFit/>
+          </a:bodyPr>
+          <a:lstStyle/>
+          <a:p>
+            <a:pPr algn="ctr"/>
+            <a:r>
+              <a:rPr lang="en-IN" sz="2800" dirty="0"/>
+              <a:t>&lt; </a:t>
+            </a:r>
+            <a:r>
+              <a:rPr lang="en-US" sz="2800" b="1" dirty="0">
+                <a:solidFill>
+                  <a:srgbClr val="000000"/>
+                </a:solidFill>
+                <a:latin typeface="Arial"/>
+                <a:ea typeface="Arial"/>
+                <a:cs typeface="Arial"/>
+                <a:sym typeface="Arial"/>
+              </a:rPr>
+              <a:t>3, 2, 1, 3, 4, 1, 6, 2</a:t>
+            </a:r>
+            <a:r>
+              <a:rPr lang="en-US" sz="2800" dirty="0">
+                <a:solidFill>
+                  <a:srgbClr val="000000"/>
+                </a:solidFill>
+                <a:latin typeface="Arial"/>
+                <a:ea typeface="Arial"/>
+                <a:cs typeface="Arial"/>
+                <a:sym typeface="Arial"/>
+              </a:rPr>
+              <a:t> </a:t>
+            </a:r>
+            <a:r>
+              <a:rPr lang="en-IN" sz="2800" b="0" i="0" dirty="0">
+                <a:solidFill>
+                  <a:srgbClr val="333333"/>
+                </a:solidFill>
+                <a:effectLst/>
+                <a:latin typeface="PT Serif" panose="020B0604020202020204" pitchFamily="18" charset="0"/>
+              </a:rPr>
+              <a:t>&gt;</a:t>
+            </a:r>
+            <a:endParaRPr lang="en-IN" sz="2800" dirty="0"/>
+          </a:p>
+        </p:txBody>
+      </p:sp>
+      <p:sp>
+        <p:nvSpPr>
+          <p:cNvPr id="6" name="TextBox 5">
+            <a:extLst>
+              <a:ext uri="{FF2B5EF4-FFF2-40B4-BE49-F238E27FC236}">
+                <a16:creationId xmlns:a16="http://schemas.microsoft.com/office/drawing/2014/main" id="{E7B064B5-176E-95A9-2BFD-91991122CD70}"/>
+              </a:ext>
+            </a:extLst>
+          </p:cNvPr>
+          <p:cNvSpPr txBox="1"/>
+          <p:nvPr/>
+        </p:nvSpPr>
+        <p:spPr>
+          <a:xfrm>
+            <a:off x="199147" y="3148930"/>
+            <a:ext cx="482886" cy="369332"/>
+          </a:xfrm>
+          <a:prstGeom prst="rect">
+            <a:avLst/>
+          </a:prstGeom>
+          <a:noFill/>
+        </p:spPr>
+        <p:txBody>
+          <a:bodyPr wrap="square" rtlCol="0">
+            <a:spAutoFit/>
+          </a:bodyPr>
+          <a:lstStyle/>
+          <a:p>
+            <a:r>
+              <a:rPr lang="en-IN" dirty="0"/>
+              <a:t>1</a:t>
+            </a:r>
+          </a:p>
+        </p:txBody>
+      </p:sp>
+      <p:sp>
+        <p:nvSpPr>
+          <p:cNvPr id="7" name="TextBox 6">
+            <a:extLst>
+              <a:ext uri="{FF2B5EF4-FFF2-40B4-BE49-F238E27FC236}">
+                <a16:creationId xmlns:a16="http://schemas.microsoft.com/office/drawing/2014/main" id="{577423C4-531B-FE6F-34FF-67E54E4595B4}"/>
+              </a:ext>
+            </a:extLst>
+          </p:cNvPr>
+          <p:cNvSpPr txBox="1"/>
+          <p:nvPr/>
+        </p:nvSpPr>
+        <p:spPr>
+          <a:xfrm>
+            <a:off x="203771" y="4795483"/>
+            <a:ext cx="482886" cy="369332"/>
+          </a:xfrm>
+          <a:prstGeom prst="rect">
+            <a:avLst/>
+          </a:prstGeom>
+          <a:noFill/>
+        </p:spPr>
+        <p:txBody>
+          <a:bodyPr wrap="square" rtlCol="0">
+            <a:spAutoFit/>
+          </a:bodyPr>
+          <a:lstStyle/>
+          <a:p>
+            <a:r>
+              <a:rPr lang="en-IN" dirty="0"/>
+              <a:t>3</a:t>
+            </a:r>
+          </a:p>
+        </p:txBody>
+      </p:sp>
+      <p:sp>
+        <p:nvSpPr>
+          <p:cNvPr id="8" name="TextBox 7">
+            <a:extLst>
+              <a:ext uri="{FF2B5EF4-FFF2-40B4-BE49-F238E27FC236}">
+                <a16:creationId xmlns:a16="http://schemas.microsoft.com/office/drawing/2014/main" id="{B733C093-C4F3-0294-F33F-96C5EF6CA314}"/>
+              </a:ext>
+            </a:extLst>
+          </p:cNvPr>
+          <p:cNvSpPr txBox="1"/>
+          <p:nvPr/>
+        </p:nvSpPr>
+        <p:spPr>
+          <a:xfrm>
+            <a:off x="199147" y="3944002"/>
+            <a:ext cx="482886" cy="369332"/>
+          </a:xfrm>
+          <a:prstGeom prst="rect">
+            <a:avLst/>
+          </a:prstGeom>
+          <a:noFill/>
+        </p:spPr>
+        <p:txBody>
+          <a:bodyPr wrap="square" rtlCol="0">
+            <a:spAutoFit/>
+          </a:bodyPr>
+          <a:lstStyle/>
+          <a:p>
+            <a:r>
+              <a:rPr lang="en-IN" dirty="0"/>
+              <a:t>2</a:t>
+            </a:r>
+          </a:p>
+        </p:txBody>
+      </p:sp>
+      <p:sp>
+        <p:nvSpPr>
+          <p:cNvPr id="9" name="TextBox 8">
+            <a:extLst>
+              <a:ext uri="{FF2B5EF4-FFF2-40B4-BE49-F238E27FC236}">
+                <a16:creationId xmlns:a16="http://schemas.microsoft.com/office/drawing/2014/main" id="{47A2D9E8-61C0-AE6E-98D5-8C59B7D1F7E7}"/>
+              </a:ext>
+            </a:extLst>
+          </p:cNvPr>
+          <p:cNvSpPr txBox="1"/>
+          <p:nvPr/>
+        </p:nvSpPr>
+        <p:spPr>
+          <a:xfrm>
+            <a:off x="-292556" y="3102763"/>
+            <a:ext cx="421240" cy="461665"/>
+          </a:xfrm>
+          <a:prstGeom prst="rect">
+            <a:avLst/>
+          </a:prstGeom>
+          <a:noFill/>
+        </p:spPr>
+        <p:txBody>
+          <a:bodyPr wrap="square" rtlCol="0">
+            <a:spAutoFit/>
+          </a:bodyPr>
+          <a:lstStyle/>
+          <a:p>
+            <a:r>
+              <a:rPr lang="en-IN" sz="2400" dirty="0"/>
+              <a:t>3</a:t>
+            </a:r>
+          </a:p>
+        </p:txBody>
+      </p:sp>
+      <p:sp>
+        <p:nvSpPr>
+          <p:cNvPr id="10" name="TextBox 9">
+            <a:extLst>
+              <a:ext uri="{FF2B5EF4-FFF2-40B4-BE49-F238E27FC236}">
+                <a16:creationId xmlns:a16="http://schemas.microsoft.com/office/drawing/2014/main" id="{CE22EAA6-F6EA-14D5-01CB-CB5D4FE1D92A}"/>
+              </a:ext>
+            </a:extLst>
+          </p:cNvPr>
+          <p:cNvSpPr txBox="1"/>
+          <p:nvPr/>
+        </p:nvSpPr>
+        <p:spPr>
+          <a:xfrm>
+            <a:off x="-310665" y="4749316"/>
+            <a:ext cx="421240" cy="461665"/>
+          </a:xfrm>
+          <a:prstGeom prst="rect">
+            <a:avLst/>
+          </a:prstGeom>
+          <a:noFill/>
+        </p:spPr>
+        <p:txBody>
+          <a:bodyPr wrap="square" rtlCol="0">
+            <a:spAutoFit/>
+          </a:bodyPr>
+          <a:lstStyle/>
+          <a:p>
+            <a:r>
+              <a:rPr lang="en-IN" sz="2400" dirty="0"/>
+              <a:t>1</a:t>
+            </a:r>
+          </a:p>
+        </p:txBody>
+      </p:sp>
+      <p:sp>
+        <p:nvSpPr>
+          <p:cNvPr id="11" name="TextBox 10">
+            <a:extLst>
+              <a:ext uri="{FF2B5EF4-FFF2-40B4-BE49-F238E27FC236}">
+                <a16:creationId xmlns:a16="http://schemas.microsoft.com/office/drawing/2014/main" id="{9F4F963C-FAAC-F687-6D40-33ADD33E3B31}"/>
+              </a:ext>
+            </a:extLst>
+          </p:cNvPr>
+          <p:cNvSpPr txBox="1"/>
+          <p:nvPr/>
+        </p:nvSpPr>
+        <p:spPr>
+          <a:xfrm>
+            <a:off x="-503176" y="3897835"/>
+            <a:ext cx="421240" cy="461665"/>
+          </a:xfrm>
+          <a:prstGeom prst="rect">
+            <a:avLst/>
+          </a:prstGeom>
+          <a:noFill/>
+        </p:spPr>
+        <p:txBody>
+          <a:bodyPr wrap="square" rtlCol="0">
+            <a:spAutoFit/>
+          </a:bodyPr>
+          <a:lstStyle/>
+          <a:p>
+            <a:r>
+              <a:rPr lang="en-IN" sz="2400" dirty="0"/>
+              <a:t>2</a:t>
+            </a:r>
+          </a:p>
+        </p:txBody>
+      </p:sp>
+      <p:sp>
+        <p:nvSpPr>
+          <p:cNvPr id="12" name="TextBox 11">
+            <a:extLst>
+              <a:ext uri="{FF2B5EF4-FFF2-40B4-BE49-F238E27FC236}">
+                <a16:creationId xmlns:a16="http://schemas.microsoft.com/office/drawing/2014/main" id="{2F07EA2A-05A7-D3CA-A2E7-0AB4A396863A}"/>
+              </a:ext>
+            </a:extLst>
+          </p:cNvPr>
+          <p:cNvSpPr txBox="1"/>
+          <p:nvPr/>
+        </p:nvSpPr>
+        <p:spPr>
+          <a:xfrm>
+            <a:off x="-644103" y="3102762"/>
+            <a:ext cx="421240" cy="461665"/>
+          </a:xfrm>
+          <a:prstGeom prst="rect">
+            <a:avLst/>
+          </a:prstGeom>
+          <a:noFill/>
+        </p:spPr>
+        <p:txBody>
+          <a:bodyPr wrap="square" rtlCol="0">
+            <a:spAutoFit/>
+          </a:bodyPr>
+          <a:lstStyle/>
+          <a:p>
+            <a:r>
+              <a:rPr lang="en-IN" sz="2400" dirty="0"/>
+              <a:t>3</a:t>
+            </a:r>
+          </a:p>
+        </p:txBody>
+      </p:sp>
+      <p:sp>
+        <p:nvSpPr>
+          <p:cNvPr id="13" name="TextBox 12">
+            <a:extLst>
+              <a:ext uri="{FF2B5EF4-FFF2-40B4-BE49-F238E27FC236}">
+                <a16:creationId xmlns:a16="http://schemas.microsoft.com/office/drawing/2014/main" id="{A380C566-F1CE-AD81-2C3D-EF79B2A75C59}"/>
+              </a:ext>
+            </a:extLst>
+          </p:cNvPr>
+          <p:cNvSpPr txBox="1"/>
+          <p:nvPr/>
+        </p:nvSpPr>
+        <p:spPr>
+          <a:xfrm>
+            <a:off x="-310665" y="3897835"/>
+            <a:ext cx="421240" cy="461665"/>
+          </a:xfrm>
+          <a:prstGeom prst="rect">
+            <a:avLst/>
+          </a:prstGeom>
+          <a:noFill/>
+        </p:spPr>
+        <p:txBody>
+          <a:bodyPr wrap="square" rtlCol="0">
+            <a:spAutoFit/>
+          </a:bodyPr>
+          <a:lstStyle/>
+          <a:p>
+            <a:r>
+              <a:rPr lang="en-IN" sz="2400" dirty="0"/>
+              <a:t>2</a:t>
+            </a:r>
+          </a:p>
+        </p:txBody>
+      </p:sp>
+      <p:sp>
+        <p:nvSpPr>
+          <p:cNvPr id="14" name="TextBox 13">
+            <a:extLst>
+              <a:ext uri="{FF2B5EF4-FFF2-40B4-BE49-F238E27FC236}">
+                <a16:creationId xmlns:a16="http://schemas.microsoft.com/office/drawing/2014/main" id="{1291E6CB-5598-024B-C590-AE11317BE5AF}"/>
+              </a:ext>
+            </a:extLst>
+          </p:cNvPr>
+          <p:cNvSpPr txBox="1"/>
+          <p:nvPr/>
+        </p:nvSpPr>
+        <p:spPr>
+          <a:xfrm>
+            <a:off x="-481899" y="3102763"/>
+            <a:ext cx="421240" cy="461665"/>
+          </a:xfrm>
+          <a:prstGeom prst="rect">
+            <a:avLst/>
+          </a:prstGeom>
+          <a:noFill/>
+        </p:spPr>
+        <p:txBody>
+          <a:bodyPr wrap="square" rtlCol="0">
+            <a:spAutoFit/>
+          </a:bodyPr>
+          <a:lstStyle/>
+          <a:p>
+            <a:r>
+              <a:rPr lang="en-IN" sz="2400" dirty="0"/>
+              <a:t>3</a:t>
+            </a:r>
+          </a:p>
+        </p:txBody>
+      </p:sp>
+      <p:sp>
+        <p:nvSpPr>
+          <p:cNvPr id="15" name="TextBox 14">
+            <a:extLst>
+              <a:ext uri="{FF2B5EF4-FFF2-40B4-BE49-F238E27FC236}">
+                <a16:creationId xmlns:a16="http://schemas.microsoft.com/office/drawing/2014/main" id="{3BA2CFE5-B8A4-1584-2538-FF1868B47F1F}"/>
+              </a:ext>
+            </a:extLst>
+          </p:cNvPr>
+          <p:cNvSpPr txBox="1"/>
+          <p:nvPr/>
+        </p:nvSpPr>
+        <p:spPr>
+          <a:xfrm>
+            <a:off x="-720560" y="4749315"/>
+            <a:ext cx="421240" cy="461665"/>
+          </a:xfrm>
+          <a:prstGeom prst="rect">
+            <a:avLst/>
+          </a:prstGeom>
+          <a:noFill/>
+        </p:spPr>
+        <p:txBody>
+          <a:bodyPr wrap="square" rtlCol="0">
+            <a:spAutoFit/>
+          </a:bodyPr>
+          <a:lstStyle/>
+          <a:p>
+            <a:r>
+              <a:rPr lang="en-IN" sz="2400" dirty="0"/>
+              <a:t>1</a:t>
+            </a:r>
+          </a:p>
+        </p:txBody>
+      </p:sp>
+      <p:sp>
+        <p:nvSpPr>
+          <p:cNvPr id="16" name="TextBox 15">
+            <a:extLst>
+              <a:ext uri="{FF2B5EF4-FFF2-40B4-BE49-F238E27FC236}">
+                <a16:creationId xmlns:a16="http://schemas.microsoft.com/office/drawing/2014/main" id="{8530E749-4692-D5BD-1BCF-507327270505}"/>
+              </a:ext>
+            </a:extLst>
+          </p:cNvPr>
+          <p:cNvSpPr txBox="1"/>
+          <p:nvPr/>
+        </p:nvSpPr>
+        <p:spPr>
+          <a:xfrm>
+            <a:off x="-462080" y="4749316"/>
+            <a:ext cx="421240" cy="461665"/>
+          </a:xfrm>
+          <a:prstGeom prst="rect">
+            <a:avLst/>
+          </a:prstGeom>
+          <a:noFill/>
+        </p:spPr>
+        <p:txBody>
+          <a:bodyPr wrap="square" rtlCol="0">
+            <a:spAutoFit/>
+          </a:bodyPr>
+          <a:lstStyle/>
+          <a:p>
+            <a:r>
+              <a:rPr lang="en-IN" sz="2400" dirty="0"/>
+              <a:t>1</a:t>
+            </a:r>
+          </a:p>
+        </p:txBody>
+      </p:sp>
+      <p:sp>
+        <p:nvSpPr>
+          <p:cNvPr id="17" name="TextBox 16">
+            <a:extLst>
+              <a:ext uri="{FF2B5EF4-FFF2-40B4-BE49-F238E27FC236}">
+                <a16:creationId xmlns:a16="http://schemas.microsoft.com/office/drawing/2014/main" id="{EC1AB392-8910-39F8-CB7C-DDF4A55F451B}"/>
+              </a:ext>
+            </a:extLst>
+          </p:cNvPr>
+          <p:cNvSpPr txBox="1"/>
+          <p:nvPr/>
+        </p:nvSpPr>
+        <p:spPr>
+          <a:xfrm>
+            <a:off x="-669510" y="3897835"/>
+            <a:ext cx="421240" cy="461665"/>
+          </a:xfrm>
+          <a:prstGeom prst="rect">
+            <a:avLst/>
+          </a:prstGeom>
+          <a:noFill/>
+        </p:spPr>
+        <p:txBody>
+          <a:bodyPr wrap="square" rtlCol="0">
+            <a:spAutoFit/>
+          </a:bodyPr>
+          <a:lstStyle/>
+          <a:p>
+            <a:r>
+              <a:rPr lang="en-IN" sz="2400" dirty="0"/>
+              <a:t>2</a:t>
+            </a:r>
+          </a:p>
+        </p:txBody>
+      </p:sp>
+      <p:sp>
+        <p:nvSpPr>
+          <p:cNvPr id="18" name="TextBox 17">
+            <a:extLst>
+              <a:ext uri="{FF2B5EF4-FFF2-40B4-BE49-F238E27FC236}">
+                <a16:creationId xmlns:a16="http://schemas.microsoft.com/office/drawing/2014/main" id="{A67AD823-5F2F-0954-999C-E1B622F9AB47}"/>
+              </a:ext>
+            </a:extLst>
+          </p:cNvPr>
+          <p:cNvSpPr txBox="1"/>
+          <p:nvPr/>
+        </p:nvSpPr>
+        <p:spPr>
+          <a:xfrm>
+            <a:off x="-834645" y="3102762"/>
+            <a:ext cx="421240" cy="461665"/>
+          </a:xfrm>
+          <a:prstGeom prst="rect">
+            <a:avLst/>
+          </a:prstGeom>
+          <a:noFill/>
+        </p:spPr>
+        <p:txBody>
+          <a:bodyPr wrap="square" rtlCol="0">
+            <a:spAutoFit/>
+          </a:bodyPr>
+          <a:lstStyle/>
+          <a:p>
+            <a:r>
+              <a:rPr lang="en-IN" sz="2400" dirty="0"/>
+              <a:t>3</a:t>
+            </a:r>
+          </a:p>
+        </p:txBody>
+      </p:sp>
+      <p:sp>
+        <p:nvSpPr>
+          <p:cNvPr id="19" name="TextBox 18">
+            <a:extLst>
+              <a:ext uri="{FF2B5EF4-FFF2-40B4-BE49-F238E27FC236}">
+                <a16:creationId xmlns:a16="http://schemas.microsoft.com/office/drawing/2014/main" id="{F876DFB7-6DF0-7830-6E68-7A65DADA3BCA}"/>
+              </a:ext>
+            </a:extLst>
+          </p:cNvPr>
+          <p:cNvSpPr txBox="1"/>
+          <p:nvPr/>
+        </p:nvSpPr>
+        <p:spPr>
+          <a:xfrm>
+            <a:off x="-1039379" y="3897834"/>
+            <a:ext cx="421240" cy="461665"/>
+          </a:xfrm>
+          <a:prstGeom prst="rect">
+            <a:avLst/>
+          </a:prstGeom>
+          <a:noFill/>
+        </p:spPr>
+        <p:txBody>
+          <a:bodyPr wrap="square" rtlCol="0">
+            <a:spAutoFit/>
+          </a:bodyPr>
+          <a:lstStyle/>
+          <a:p>
+            <a:r>
+              <a:rPr lang="en-IN" sz="2400" dirty="0"/>
+              <a:t>4</a:t>
+            </a:r>
+          </a:p>
+        </p:txBody>
+      </p:sp>
+      <p:sp>
+        <p:nvSpPr>
+          <p:cNvPr id="20" name="TextBox 19">
+            <a:extLst>
+              <a:ext uri="{FF2B5EF4-FFF2-40B4-BE49-F238E27FC236}">
+                <a16:creationId xmlns:a16="http://schemas.microsoft.com/office/drawing/2014/main" id="{DF777DE3-EAC9-9EA5-0FE5-BA99A047738D}"/>
+              </a:ext>
+            </a:extLst>
+          </p:cNvPr>
+          <p:cNvSpPr txBox="1"/>
+          <p:nvPr/>
+        </p:nvSpPr>
+        <p:spPr>
+          <a:xfrm>
+            <a:off x="-1196469" y="3102761"/>
+            <a:ext cx="421240" cy="461665"/>
+          </a:xfrm>
+          <a:prstGeom prst="rect">
+            <a:avLst/>
+          </a:prstGeom>
+          <a:noFill/>
+        </p:spPr>
+        <p:txBody>
+          <a:bodyPr wrap="square" rtlCol="0">
+            <a:spAutoFit/>
+          </a:bodyPr>
+          <a:lstStyle/>
+          <a:p>
+            <a:r>
+              <a:rPr lang="en-IN" sz="2400" dirty="0"/>
+              <a:t>3</a:t>
+            </a:r>
+          </a:p>
+        </p:txBody>
+      </p:sp>
+      <p:sp>
+        <p:nvSpPr>
+          <p:cNvPr id="21" name="TextBox 20">
+            <a:extLst>
+              <a:ext uri="{FF2B5EF4-FFF2-40B4-BE49-F238E27FC236}">
+                <a16:creationId xmlns:a16="http://schemas.microsoft.com/office/drawing/2014/main" id="{44EFDAB6-E0D3-1C35-E65F-CB5B238AE563}"/>
+              </a:ext>
+            </a:extLst>
+          </p:cNvPr>
+          <p:cNvSpPr txBox="1"/>
+          <p:nvPr/>
+        </p:nvSpPr>
+        <p:spPr>
+          <a:xfrm>
+            <a:off x="-589917" y="4749316"/>
+            <a:ext cx="421240" cy="461665"/>
+          </a:xfrm>
+          <a:prstGeom prst="rect">
+            <a:avLst/>
+          </a:prstGeom>
+          <a:noFill/>
+        </p:spPr>
+        <p:txBody>
+          <a:bodyPr wrap="square" rtlCol="0">
+            <a:spAutoFit/>
+          </a:bodyPr>
+          <a:lstStyle/>
+          <a:p>
+            <a:r>
+              <a:rPr lang="en-IN" sz="2400" dirty="0"/>
+              <a:t>1</a:t>
+            </a:r>
+          </a:p>
+        </p:txBody>
+      </p:sp>
+      <p:sp>
+        <p:nvSpPr>
+          <p:cNvPr id="22" name="TextBox 21">
+            <a:extLst>
+              <a:ext uri="{FF2B5EF4-FFF2-40B4-BE49-F238E27FC236}">
+                <a16:creationId xmlns:a16="http://schemas.microsoft.com/office/drawing/2014/main" id="{A375F974-8865-2749-F029-BDFAC8646171}"/>
+              </a:ext>
+            </a:extLst>
+          </p:cNvPr>
+          <p:cNvSpPr txBox="1"/>
+          <p:nvPr/>
+        </p:nvSpPr>
+        <p:spPr>
+          <a:xfrm>
+            <a:off x="-860308" y="3897834"/>
+            <a:ext cx="421240" cy="461665"/>
+          </a:xfrm>
+          <a:prstGeom prst="rect">
+            <a:avLst/>
+          </a:prstGeom>
+          <a:noFill/>
+        </p:spPr>
+        <p:txBody>
+          <a:bodyPr wrap="square" rtlCol="0">
+            <a:spAutoFit/>
+          </a:bodyPr>
+          <a:lstStyle/>
+          <a:p>
+            <a:r>
+              <a:rPr lang="en-IN" sz="2400" dirty="0"/>
+              <a:t>4</a:t>
+            </a:r>
+          </a:p>
+        </p:txBody>
+      </p:sp>
+      <p:sp>
+        <p:nvSpPr>
+          <p:cNvPr id="23" name="TextBox 22">
+            <a:extLst>
+              <a:ext uri="{FF2B5EF4-FFF2-40B4-BE49-F238E27FC236}">
+                <a16:creationId xmlns:a16="http://schemas.microsoft.com/office/drawing/2014/main" id="{7506D045-CC34-7A76-008E-F7F4CC782BAD}"/>
+              </a:ext>
+            </a:extLst>
+          </p:cNvPr>
+          <p:cNvSpPr txBox="1"/>
+          <p:nvPr/>
+        </p:nvSpPr>
+        <p:spPr>
+          <a:xfrm>
+            <a:off x="-1025703" y="3091725"/>
+            <a:ext cx="421240" cy="461665"/>
+          </a:xfrm>
+          <a:prstGeom prst="rect">
+            <a:avLst/>
+          </a:prstGeom>
+          <a:noFill/>
+        </p:spPr>
+        <p:txBody>
+          <a:bodyPr wrap="square" rtlCol="0">
+            <a:spAutoFit/>
+          </a:bodyPr>
+          <a:lstStyle/>
+          <a:p>
+            <a:r>
+              <a:rPr lang="en-IN" sz="2400" dirty="0"/>
+              <a:t>3</a:t>
+            </a:r>
+          </a:p>
+        </p:txBody>
+      </p:sp>
+      <p:sp>
+        <p:nvSpPr>
+          <p:cNvPr id="24" name="TextBox 23">
+            <a:extLst>
+              <a:ext uri="{FF2B5EF4-FFF2-40B4-BE49-F238E27FC236}">
+                <a16:creationId xmlns:a16="http://schemas.microsoft.com/office/drawing/2014/main" id="{72D79CBA-CF9D-98F3-2E55-5F67F5E128DE}"/>
+              </a:ext>
+            </a:extLst>
+          </p:cNvPr>
+          <p:cNvSpPr txBox="1"/>
+          <p:nvPr/>
+        </p:nvSpPr>
+        <p:spPr>
+          <a:xfrm>
+            <a:off x="-1394973" y="3897833"/>
+            <a:ext cx="421240" cy="461665"/>
+          </a:xfrm>
+          <a:prstGeom prst="rect">
+            <a:avLst/>
+          </a:prstGeom>
+          <a:noFill/>
+        </p:spPr>
+        <p:txBody>
+          <a:bodyPr wrap="square" rtlCol="0">
+            <a:spAutoFit/>
+          </a:bodyPr>
+          <a:lstStyle/>
+          <a:p>
+            <a:r>
+              <a:rPr lang="en-IN" sz="2400" dirty="0"/>
+              <a:t>2</a:t>
+            </a:r>
+          </a:p>
+        </p:txBody>
+      </p:sp>
+      <p:sp>
+        <p:nvSpPr>
+          <p:cNvPr id="25" name="TextBox 24">
+            <a:extLst>
+              <a:ext uri="{FF2B5EF4-FFF2-40B4-BE49-F238E27FC236}">
+                <a16:creationId xmlns:a16="http://schemas.microsoft.com/office/drawing/2014/main" id="{B97EEA9E-F3AF-A6E7-CBDF-989C8478F6F7}"/>
+              </a:ext>
+            </a:extLst>
+          </p:cNvPr>
+          <p:cNvSpPr txBox="1"/>
+          <p:nvPr/>
+        </p:nvSpPr>
+        <p:spPr>
+          <a:xfrm>
+            <a:off x="-849607" y="4749314"/>
+            <a:ext cx="421240" cy="461665"/>
+          </a:xfrm>
+          <a:prstGeom prst="rect">
+            <a:avLst/>
+          </a:prstGeom>
+          <a:noFill/>
+        </p:spPr>
+        <p:txBody>
+          <a:bodyPr wrap="square" rtlCol="0">
+            <a:spAutoFit/>
+          </a:bodyPr>
+          <a:lstStyle/>
+          <a:p>
+            <a:r>
+              <a:rPr lang="en-IN" sz="2400" dirty="0"/>
+              <a:t>1</a:t>
+            </a:r>
+          </a:p>
+        </p:txBody>
+      </p:sp>
+      <p:sp>
+        <p:nvSpPr>
+          <p:cNvPr id="26" name="TextBox 25">
+            <a:extLst>
+              <a:ext uri="{FF2B5EF4-FFF2-40B4-BE49-F238E27FC236}">
+                <a16:creationId xmlns:a16="http://schemas.microsoft.com/office/drawing/2014/main" id="{5890B4EF-4E11-78F7-FD11-1E5A0D6F4B72}"/>
+              </a:ext>
+            </a:extLst>
+          </p:cNvPr>
+          <p:cNvSpPr txBox="1"/>
+          <p:nvPr/>
+        </p:nvSpPr>
+        <p:spPr>
+          <a:xfrm>
+            <a:off x="-959027" y="4749314"/>
+            <a:ext cx="421240" cy="461665"/>
+          </a:xfrm>
+          <a:prstGeom prst="rect">
+            <a:avLst/>
+          </a:prstGeom>
+          <a:noFill/>
+        </p:spPr>
+        <p:txBody>
+          <a:bodyPr wrap="square" rtlCol="0">
+            <a:spAutoFit/>
+          </a:bodyPr>
+          <a:lstStyle/>
+          <a:p>
+            <a:r>
+              <a:rPr lang="en-IN" sz="2400" dirty="0"/>
+              <a:t>1</a:t>
+            </a:r>
+          </a:p>
+        </p:txBody>
+      </p:sp>
+      <p:sp>
+        <p:nvSpPr>
+          <p:cNvPr id="27" name="TextBox 26">
+            <a:extLst>
+              <a:ext uri="{FF2B5EF4-FFF2-40B4-BE49-F238E27FC236}">
+                <a16:creationId xmlns:a16="http://schemas.microsoft.com/office/drawing/2014/main" id="{6F2A2BA2-C4A9-7432-D153-D00AB19ED09B}"/>
+              </a:ext>
+            </a:extLst>
+          </p:cNvPr>
+          <p:cNvSpPr txBox="1"/>
+          <p:nvPr/>
+        </p:nvSpPr>
+        <p:spPr>
+          <a:xfrm>
+            <a:off x="-1234996" y="3897834"/>
+            <a:ext cx="421240" cy="461665"/>
+          </a:xfrm>
+          <a:prstGeom prst="rect">
+            <a:avLst/>
+          </a:prstGeom>
+          <a:noFill/>
+        </p:spPr>
+        <p:txBody>
+          <a:bodyPr wrap="square" rtlCol="0">
+            <a:spAutoFit/>
+          </a:bodyPr>
+          <a:lstStyle/>
+          <a:p>
+            <a:r>
+              <a:rPr lang="en-IN" sz="2400" dirty="0"/>
+              <a:t>4</a:t>
+            </a:r>
+          </a:p>
+        </p:txBody>
+      </p:sp>
+      <p:sp>
+        <p:nvSpPr>
+          <p:cNvPr id="28" name="TextBox 27">
+            <a:extLst>
+              <a:ext uri="{FF2B5EF4-FFF2-40B4-BE49-F238E27FC236}">
+                <a16:creationId xmlns:a16="http://schemas.microsoft.com/office/drawing/2014/main" id="{C6857890-957F-EE30-1176-812BFD53FFCF}"/>
+              </a:ext>
+            </a:extLst>
+          </p:cNvPr>
+          <p:cNvSpPr txBox="1"/>
+          <p:nvPr/>
+        </p:nvSpPr>
+        <p:spPr>
+          <a:xfrm>
+            <a:off x="-1548943" y="3080687"/>
+            <a:ext cx="421240" cy="461665"/>
+          </a:xfrm>
+          <a:prstGeom prst="rect">
+            <a:avLst/>
+          </a:prstGeom>
+          <a:noFill/>
+        </p:spPr>
+        <p:txBody>
+          <a:bodyPr wrap="square" rtlCol="0">
+            <a:spAutoFit/>
+          </a:bodyPr>
+          <a:lstStyle/>
+          <a:p>
+            <a:r>
+              <a:rPr lang="en-IN" sz="2400" dirty="0"/>
+              <a:t>6</a:t>
+            </a:r>
+          </a:p>
+        </p:txBody>
+      </p:sp>
+      <p:sp>
+        <p:nvSpPr>
+          <p:cNvPr id="29" name="TextBox 28">
+            <a:extLst>
+              <a:ext uri="{FF2B5EF4-FFF2-40B4-BE49-F238E27FC236}">
+                <a16:creationId xmlns:a16="http://schemas.microsoft.com/office/drawing/2014/main" id="{1B85E9F0-EF1E-88E0-F6E1-5B05A0D938A1}"/>
+              </a:ext>
+            </a:extLst>
+          </p:cNvPr>
+          <p:cNvSpPr txBox="1"/>
+          <p:nvPr/>
+        </p:nvSpPr>
+        <p:spPr>
+          <a:xfrm>
+            <a:off x="-1361346" y="3091724"/>
+            <a:ext cx="421240" cy="461665"/>
+          </a:xfrm>
+          <a:prstGeom prst="rect">
+            <a:avLst/>
+          </a:prstGeom>
+          <a:noFill/>
+        </p:spPr>
+        <p:txBody>
+          <a:bodyPr wrap="square" rtlCol="0">
+            <a:spAutoFit/>
+          </a:bodyPr>
+          <a:lstStyle/>
+          <a:p>
+            <a:r>
+              <a:rPr lang="en-IN" sz="2400" dirty="0"/>
+              <a:t>6</a:t>
+            </a:r>
+          </a:p>
+        </p:txBody>
+      </p:sp>
+    </p:spTree>
+    <p:extLst>
+      <p:ext uri="{BB962C8B-B14F-4D97-AF65-F5344CB8AC3E}">
+        <p14:creationId xmlns:p14="http://schemas.microsoft.com/office/powerpoint/2010/main" val="3582010604"/>
+      </p:ext>
+    </p:extLst>
+  </p:cSld>
+  <p:clrMapOvr>
+    <a:masterClrMapping/>
+  </p:clrMapOvr>
+  <p:timing>
+    <p:tnLst>
+      <p:par>
+        <p:cTn id="1" dur="indefinite" restart="never" nodeType="tmRoot">
+          <p:childTnLst>
+            <p:seq concurrent="1" nextAc="seek">
+              <p:cTn id="2" dur="indefinite" nodeType="mainSeq">
+                <p:childTnLst>
+                  <p:par>
+                    <p:cTn id="3" fill="hold">
+                      <p:stCondLst>
+                        <p:cond delay="indefinite"/>
+                      </p:stCondLst>
+                      <p:childTnLst>
+                        <p:par>
+                          <p:cTn id="4" fill="hold">
+                            <p:stCondLst>
+                              <p:cond delay="0"/>
+                            </p:stCondLst>
+                            <p:childTnLst>
+                              <p:par>
+                                <p:cTn id="5" presetID="42" presetClass="path" presetSubtype="0" accel="50000" decel="50000" fill="hold" grpId="0" nodeType="clickEffect">
+                                  <p:stCondLst>
+                                    <p:cond delay="0"/>
+                                  </p:stCondLst>
+                                  <p:childTnLst>
+                                    <p:animMotion origin="layout" path="M 4.16667E-6 3.7037E-7 L 0.16614 -0.00347 " pathEditMode="relative" rAng="0" ptsTypes="AA">
+                                      <p:cBhvr>
+                                        <p:cTn id="6" dur="2000" fill="hold"/>
+                                        <p:tgtEl>
+                                          <p:spTgt spid="9"/>
+                                        </p:tgtEl>
+                                        <p:attrNameLst>
+                                          <p:attrName>ppt_x</p:attrName>
+                                          <p:attrName>ppt_y</p:attrName>
+                                        </p:attrNameLst>
+                                      </p:cBhvr>
+                                      <p:rCtr x="8299" y="-185"/>
+                                    </p:animMotion>
+                                  </p:childTnLst>
+                                </p:cTn>
+                              </p:par>
+                            </p:childTnLst>
+                          </p:cTn>
+                        </p:par>
+                      </p:childTnLst>
+                    </p:cTn>
+                  </p:par>
+                  <p:par>
+                    <p:cTn id="7" fill="hold">
+                      <p:stCondLst>
+                        <p:cond delay="indefinite"/>
+                      </p:stCondLst>
+                      <p:childTnLst>
+                        <p:par>
+                          <p:cTn id="8" fill="hold">
+                            <p:stCondLst>
+                              <p:cond delay="0"/>
+                            </p:stCondLst>
+                            <p:childTnLst>
+                              <p:par>
+                                <p:cTn id="9" presetID="42" presetClass="path" presetSubtype="0" accel="50000" decel="50000" fill="hold" grpId="0" nodeType="clickEffect">
+                                  <p:stCondLst>
+                                    <p:cond delay="0"/>
+                                  </p:stCondLst>
+                                  <p:childTnLst>
+                                    <p:animMotion origin="layout" path="M -2.5E-6 3.7037E-7 L 0.29705 -0.00509 " pathEditMode="relative" rAng="0" ptsTypes="AA">
+                                      <p:cBhvr>
+                                        <p:cTn id="10" dur="2000" fill="hold"/>
+                                        <p:tgtEl>
+                                          <p:spTgt spid="14"/>
+                                        </p:tgtEl>
+                                        <p:attrNameLst>
+                                          <p:attrName>ppt_x</p:attrName>
+                                          <p:attrName>ppt_y</p:attrName>
+                                        </p:attrNameLst>
+                                      </p:cBhvr>
+                                      <p:rCtr x="14844" y="-255"/>
+                                    </p:animMotion>
+                                  </p:childTnLst>
+                                </p:cTn>
+                              </p:par>
+                            </p:childTnLst>
+                          </p:cTn>
+                        </p:par>
+                      </p:childTnLst>
+                    </p:cTn>
+                  </p:par>
+                  <p:par>
+                    <p:cTn id="11" fill="hold">
+                      <p:stCondLst>
+                        <p:cond delay="indefinite"/>
+                      </p:stCondLst>
+                      <p:childTnLst>
+                        <p:par>
+                          <p:cTn id="12" fill="hold">
+                            <p:stCondLst>
+                              <p:cond delay="0"/>
+                            </p:stCondLst>
+                            <p:childTnLst>
+                              <p:par>
+                                <p:cTn id="13" presetID="42" presetClass="path" presetSubtype="0" accel="50000" decel="50000" fill="hold" grpId="0" nodeType="clickEffect">
+                                  <p:stCondLst>
+                                    <p:cond delay="0"/>
+                                  </p:stCondLst>
+                                  <p:childTnLst>
+                                    <p:animMotion origin="layout" path="M -2.5E-6 -1.85185E-6 L 0.2783 0.00046 " pathEditMode="relative" rAng="0" ptsTypes="AA">
+                                      <p:cBhvr>
+                                        <p:cTn id="14" dur="2000" fill="hold"/>
+                                        <p:tgtEl>
+                                          <p:spTgt spid="13"/>
+                                        </p:tgtEl>
+                                        <p:attrNameLst>
+                                          <p:attrName>ppt_x</p:attrName>
+                                          <p:attrName>ppt_y</p:attrName>
+                                        </p:attrNameLst>
+                                      </p:cBhvr>
+                                      <p:rCtr x="13906" y="23"/>
+                                    </p:animMotion>
+                                  </p:childTnLst>
+                                </p:cTn>
+                              </p:par>
+                            </p:childTnLst>
+                          </p:cTn>
+                        </p:par>
+                      </p:childTnLst>
+                    </p:cTn>
+                  </p:par>
+                  <p:par>
+                    <p:cTn id="15" fill="hold">
+                      <p:stCondLst>
+                        <p:cond delay="indefinite"/>
+                      </p:stCondLst>
+                      <p:childTnLst>
+                        <p:par>
+                          <p:cTn id="16" fill="hold">
+                            <p:stCondLst>
+                              <p:cond delay="0"/>
+                            </p:stCondLst>
+                            <p:childTnLst>
+                              <p:par>
+                                <p:cTn id="17" presetID="42" presetClass="path" presetSubtype="0" accel="50000" decel="50000" fill="hold" grpId="0" nodeType="clickEffect">
+                                  <p:stCondLst>
+                                    <p:cond delay="0"/>
+                                  </p:stCondLst>
+                                  <p:childTnLst>
+                                    <p:animMotion origin="layout" path="M -4.16667E-6 3.7037E-7 L 0.41598 -0.00509 " pathEditMode="relative" rAng="0" ptsTypes="AA">
+                                      <p:cBhvr>
+                                        <p:cTn id="18" dur="2000" fill="hold"/>
+                                        <p:tgtEl>
+                                          <p:spTgt spid="12"/>
+                                        </p:tgtEl>
+                                        <p:attrNameLst>
+                                          <p:attrName>ppt_x</p:attrName>
+                                          <p:attrName>ppt_y</p:attrName>
+                                        </p:attrNameLst>
+                                      </p:cBhvr>
+                                      <p:rCtr x="20799" y="-255"/>
+                                    </p:animMotion>
+                                  </p:childTnLst>
+                                </p:cTn>
+                              </p:par>
+                            </p:childTnLst>
+                          </p:cTn>
+                        </p:par>
+                      </p:childTnLst>
+                    </p:cTn>
+                  </p:par>
+                  <p:par>
+                    <p:cTn id="19" fill="hold">
+                      <p:stCondLst>
+                        <p:cond delay="indefinite"/>
+                      </p:stCondLst>
+                      <p:childTnLst>
+                        <p:par>
+                          <p:cTn id="20" fill="hold">
+                            <p:stCondLst>
+                              <p:cond delay="0"/>
+                            </p:stCondLst>
+                            <p:childTnLst>
+                              <p:par>
+                                <p:cTn id="21" presetID="42" presetClass="path" presetSubtype="0" accel="50000" decel="50000" fill="hold" grpId="0" nodeType="clickEffect">
+                                  <p:stCondLst>
+                                    <p:cond delay="0"/>
+                                  </p:stCondLst>
+                                  <p:childTnLst>
+                                    <p:animMotion origin="layout" path="M 4.44444E-6 -1.85185E-6 L 0.40503 -0.00116 " pathEditMode="relative" rAng="0" ptsTypes="AA">
+                                      <p:cBhvr>
+                                        <p:cTn id="22" dur="2000" fill="hold"/>
+                                        <p:tgtEl>
+                                          <p:spTgt spid="11"/>
+                                        </p:tgtEl>
+                                        <p:attrNameLst>
+                                          <p:attrName>ppt_x</p:attrName>
+                                          <p:attrName>ppt_y</p:attrName>
+                                        </p:attrNameLst>
+                                      </p:cBhvr>
+                                      <p:rCtr x="20243" y="-69"/>
+                                    </p:animMotion>
+                                  </p:childTnLst>
+                                </p:cTn>
+                              </p:par>
+                            </p:childTnLst>
+                          </p:cTn>
+                        </p:par>
+                      </p:childTnLst>
+                    </p:cTn>
+                  </p:par>
+                  <p:par>
+                    <p:cTn id="23" fill="hold">
+                      <p:stCondLst>
+                        <p:cond delay="indefinite"/>
+                      </p:stCondLst>
+                      <p:childTnLst>
+                        <p:par>
+                          <p:cTn id="24" fill="hold">
+                            <p:stCondLst>
+                              <p:cond delay="0"/>
+                            </p:stCondLst>
+                            <p:childTnLst>
+                              <p:par>
+                                <p:cTn id="25" presetID="42" presetClass="path" presetSubtype="0" accel="50000" decel="50000" fill="hold" grpId="0" nodeType="clickEffect">
+                                  <p:stCondLst>
+                                    <p:cond delay="0"/>
+                                  </p:stCondLst>
+                                  <p:childTnLst>
+                                    <p:animMotion origin="layout" path="M -2.5E-6 2.59259E-6 L 0.38733 -0.00417 " pathEditMode="relative" rAng="0" ptsTypes="AA">
+                                      <p:cBhvr>
+                                        <p:cTn id="26" dur="2000" fill="hold"/>
+                                        <p:tgtEl>
+                                          <p:spTgt spid="10"/>
+                                        </p:tgtEl>
+                                        <p:attrNameLst>
+                                          <p:attrName>ppt_x</p:attrName>
+                                          <p:attrName>ppt_y</p:attrName>
+                                        </p:attrNameLst>
+                                      </p:cBhvr>
+                                      <p:rCtr x="19358" y="-208"/>
+                                    </p:animMotion>
+                                  </p:childTnLst>
+                                </p:cTn>
+                              </p:par>
+                            </p:childTnLst>
+                          </p:cTn>
+                        </p:par>
+                      </p:childTnLst>
+                    </p:cTn>
+                  </p:par>
+                  <p:par>
+                    <p:cTn id="27" fill="hold">
+                      <p:stCondLst>
+                        <p:cond delay="indefinite"/>
+                      </p:stCondLst>
+                      <p:childTnLst>
+                        <p:par>
+                          <p:cTn id="28" fill="hold">
+                            <p:stCondLst>
+                              <p:cond delay="0"/>
+                            </p:stCondLst>
+                            <p:childTnLst>
+                              <p:par>
+                                <p:cTn id="29" presetID="42" presetClass="path" presetSubtype="0" accel="50000" decel="50000" fill="hold" grpId="0" nodeType="clickEffect">
+                                  <p:stCondLst>
+                                    <p:cond delay="0"/>
+                                  </p:stCondLst>
+                                  <p:childTnLst>
+                                    <p:animMotion origin="layout" path="M -8.33333E-7 3.7037E-7 L 0.54913 -0.00509 " pathEditMode="relative" rAng="0" ptsTypes="AA">
+                                      <p:cBhvr>
+                                        <p:cTn id="30" dur="2000" fill="hold"/>
+                                        <p:tgtEl>
+                                          <p:spTgt spid="18"/>
+                                        </p:tgtEl>
+                                        <p:attrNameLst>
+                                          <p:attrName>ppt_x</p:attrName>
+                                          <p:attrName>ppt_y</p:attrName>
+                                        </p:attrNameLst>
+                                      </p:cBhvr>
+                                      <p:rCtr x="27448" y="-255"/>
+                                    </p:animMotion>
+                                  </p:childTnLst>
+                                </p:cTn>
+                              </p:par>
+                            </p:childTnLst>
+                          </p:cTn>
+                        </p:par>
+                      </p:childTnLst>
+                    </p:cTn>
+                  </p:par>
+                  <p:par>
+                    <p:cTn id="31" fill="hold">
+                      <p:stCondLst>
+                        <p:cond delay="indefinite"/>
+                      </p:stCondLst>
+                      <p:childTnLst>
+                        <p:par>
+                          <p:cTn id="32" fill="hold">
+                            <p:stCondLst>
+                              <p:cond delay="0"/>
+                            </p:stCondLst>
+                            <p:childTnLst>
+                              <p:par>
+                                <p:cTn id="33" presetID="42" presetClass="path" presetSubtype="0" accel="50000" decel="50000" fill="hold" grpId="0" nodeType="clickEffect">
+                                  <p:stCondLst>
+                                    <p:cond delay="0"/>
+                                  </p:stCondLst>
+                                  <p:childTnLst>
+                                    <p:animMotion origin="layout" path="M 3.61111E-6 -1.85185E-6 L 0.53559 0.00046 " pathEditMode="relative" rAng="0" ptsTypes="AA">
+                                      <p:cBhvr>
+                                        <p:cTn id="34" dur="2000" fill="hold"/>
+                                        <p:tgtEl>
+                                          <p:spTgt spid="17"/>
+                                        </p:tgtEl>
+                                        <p:attrNameLst>
+                                          <p:attrName>ppt_x</p:attrName>
+                                          <p:attrName>ppt_y</p:attrName>
+                                        </p:attrNameLst>
+                                      </p:cBhvr>
+                                      <p:rCtr x="26771" y="23"/>
+                                    </p:animMotion>
+                                  </p:childTnLst>
+                                </p:cTn>
+                              </p:par>
+                            </p:childTnLst>
+                          </p:cTn>
+                        </p:par>
+                      </p:childTnLst>
+                    </p:cTn>
+                  </p:par>
+                  <p:par>
+                    <p:cTn id="35" fill="hold">
+                      <p:stCondLst>
+                        <p:cond delay="indefinite"/>
+                      </p:stCondLst>
+                      <p:childTnLst>
+                        <p:par>
+                          <p:cTn id="36" fill="hold">
+                            <p:stCondLst>
+                              <p:cond delay="0"/>
+                            </p:stCondLst>
+                            <p:childTnLst>
+                              <p:par>
+                                <p:cTn id="37" presetID="42" presetClass="path" presetSubtype="0" accel="50000" decel="50000" fill="hold" grpId="0" nodeType="clickEffect">
+                                  <p:stCondLst>
+                                    <p:cond delay="0"/>
+                                  </p:stCondLst>
+                                  <p:childTnLst>
+                                    <p:animMotion origin="layout" path="M 5.55556E-7 2.59259E-6 L 0.51736 -0.00695 " pathEditMode="relative" rAng="0" ptsTypes="AA">
+                                      <p:cBhvr>
+                                        <p:cTn id="38" dur="2000" fill="hold"/>
+                                        <p:tgtEl>
+                                          <p:spTgt spid="16"/>
+                                        </p:tgtEl>
+                                        <p:attrNameLst>
+                                          <p:attrName>ppt_x</p:attrName>
+                                          <p:attrName>ppt_y</p:attrName>
+                                        </p:attrNameLst>
+                                      </p:cBhvr>
+                                      <p:rCtr x="25868" y="-347"/>
+                                    </p:animMotion>
+                                  </p:childTnLst>
+                                </p:cTn>
+                              </p:par>
+                            </p:childTnLst>
+                          </p:cTn>
+                        </p:par>
+                      </p:childTnLst>
+                    </p:cTn>
+                  </p:par>
+                  <p:par>
+                    <p:cTn id="39" fill="hold">
+                      <p:stCondLst>
+                        <p:cond delay="indefinite"/>
+                      </p:stCondLst>
+                      <p:childTnLst>
+                        <p:par>
+                          <p:cTn id="40" fill="hold">
+                            <p:stCondLst>
+                              <p:cond delay="0"/>
+                            </p:stCondLst>
+                            <p:childTnLst>
+                              <p:par>
+                                <p:cTn id="41" presetID="42" presetClass="path" presetSubtype="0" accel="50000" decel="50000" fill="hold" grpId="0" nodeType="clickEffect">
+                                  <p:stCondLst>
+                                    <p:cond delay="0"/>
+                                  </p:stCondLst>
+                                  <p:childTnLst>
+                                    <p:animMotion origin="layout" path="M 2.5E-6 -7.40741E-7 L 0.68576 -0.00648 " pathEditMode="relative" rAng="0" ptsTypes="AA">
+                                      <p:cBhvr>
+                                        <p:cTn id="42" dur="2000" fill="hold"/>
+                                        <p:tgtEl>
+                                          <p:spTgt spid="23"/>
+                                        </p:tgtEl>
+                                        <p:attrNameLst>
+                                          <p:attrName>ppt_x</p:attrName>
+                                          <p:attrName>ppt_y</p:attrName>
+                                        </p:attrNameLst>
+                                      </p:cBhvr>
+                                      <p:rCtr x="34288" y="-324"/>
+                                    </p:animMotion>
+                                  </p:childTnLst>
+                                </p:cTn>
+                              </p:par>
+                            </p:childTnLst>
+                          </p:cTn>
+                        </p:par>
+                      </p:childTnLst>
+                    </p:cTn>
+                  </p:par>
+                  <p:par>
+                    <p:cTn id="43" fill="hold">
+                      <p:stCondLst>
+                        <p:cond delay="indefinite"/>
+                      </p:stCondLst>
+                      <p:childTnLst>
+                        <p:par>
+                          <p:cTn id="44" fill="hold">
+                            <p:stCondLst>
+                              <p:cond delay="0"/>
+                            </p:stCondLst>
+                            <p:childTnLst>
+                              <p:par>
+                                <p:cTn id="45" presetID="42" presetClass="path" presetSubtype="0" accel="50000" decel="50000" fill="hold" grpId="0" nodeType="clickEffect">
+                                  <p:stCondLst>
+                                    <p:cond delay="0"/>
+                                  </p:stCondLst>
+                                  <p:childTnLst>
+                                    <p:animMotion origin="layout" path="M -3.05556E-6 -1.85185E-6 L 0.66545 0.00185 " pathEditMode="relative" rAng="0" ptsTypes="AA">
+                                      <p:cBhvr>
+                                        <p:cTn id="46" dur="2000" fill="hold"/>
+                                        <p:tgtEl>
+                                          <p:spTgt spid="22"/>
+                                        </p:tgtEl>
+                                        <p:attrNameLst>
+                                          <p:attrName>ppt_x</p:attrName>
+                                          <p:attrName>ppt_y</p:attrName>
+                                        </p:attrNameLst>
+                                      </p:cBhvr>
+                                      <p:rCtr x="33264" y="93"/>
+                                    </p:animMotion>
+                                  </p:childTnLst>
+                                </p:cTn>
+                              </p:par>
+                            </p:childTnLst>
+                          </p:cTn>
+                        </p:par>
+                      </p:childTnLst>
+                    </p:cTn>
+                  </p:par>
+                  <p:par>
+                    <p:cTn id="47" fill="hold">
+                      <p:stCondLst>
+                        <p:cond delay="indefinite"/>
+                      </p:stCondLst>
+                      <p:childTnLst>
+                        <p:par>
+                          <p:cTn id="48" fill="hold">
+                            <p:stCondLst>
+                              <p:cond delay="0"/>
+                            </p:stCondLst>
+                            <p:childTnLst>
+                              <p:par>
+                                <p:cTn id="49" presetID="42" presetClass="path" presetSubtype="0" accel="50000" decel="50000" fill="hold" grpId="0" nodeType="clickEffect">
+                                  <p:stCondLst>
+                                    <p:cond delay="0"/>
+                                  </p:stCondLst>
+                                  <p:childTnLst>
+                                    <p:animMotion origin="layout" path="M 3.05556E-6 2.59259E-6 L 0.63593 -0.00857 " pathEditMode="relative" rAng="0" ptsTypes="AA">
+                                      <p:cBhvr>
+                                        <p:cTn id="50" dur="2000" fill="hold"/>
+                                        <p:tgtEl>
+                                          <p:spTgt spid="21"/>
+                                        </p:tgtEl>
+                                        <p:attrNameLst>
+                                          <p:attrName>ppt_x</p:attrName>
+                                          <p:attrName>ppt_y</p:attrName>
+                                        </p:attrNameLst>
+                                      </p:cBhvr>
+                                      <p:rCtr x="31788" y="-440"/>
+                                    </p:animMotion>
+                                  </p:childTnLst>
+                                </p:cTn>
+                              </p:par>
+                            </p:childTnLst>
+                          </p:cTn>
+                        </p:par>
+                      </p:childTnLst>
+                    </p:cTn>
+                  </p:par>
+                  <p:par>
+                    <p:cTn id="51" fill="hold">
+                      <p:stCondLst>
+                        <p:cond delay="indefinite"/>
+                      </p:stCondLst>
+                      <p:childTnLst>
+                        <p:par>
+                          <p:cTn id="52" fill="hold">
+                            <p:stCondLst>
+                              <p:cond delay="0"/>
+                            </p:stCondLst>
+                            <p:childTnLst>
+                              <p:par>
+                                <p:cTn id="53" presetID="42" presetClass="path" presetSubtype="0" accel="50000" decel="50000" fill="hold" grpId="0" nodeType="clickEffect">
+                                  <p:stCondLst>
+                                    <p:cond delay="0"/>
+                                  </p:stCondLst>
+                                  <p:childTnLst>
+                                    <p:animMotion origin="layout" path="M 2.5E-6 3.7037E-7 L 0.80885 -0.00509 " pathEditMode="relative" rAng="0" ptsTypes="AA">
+                                      <p:cBhvr>
+                                        <p:cTn id="54" dur="2000" fill="hold"/>
+                                        <p:tgtEl>
+                                          <p:spTgt spid="20"/>
+                                        </p:tgtEl>
+                                        <p:attrNameLst>
+                                          <p:attrName>ppt_x</p:attrName>
+                                          <p:attrName>ppt_y</p:attrName>
+                                        </p:attrNameLst>
+                                      </p:cBhvr>
+                                      <p:rCtr x="40434" y="-255"/>
+                                    </p:animMotion>
+                                  </p:childTnLst>
+                                </p:cTn>
+                              </p:par>
+                            </p:childTnLst>
+                          </p:cTn>
+                        </p:par>
+                      </p:childTnLst>
+                    </p:cTn>
+                  </p:par>
+                  <p:par>
+                    <p:cTn id="55" fill="hold">
+                      <p:stCondLst>
+                        <p:cond delay="indefinite"/>
+                      </p:stCondLst>
+                      <p:childTnLst>
+                        <p:par>
+                          <p:cTn id="56" fill="hold">
+                            <p:stCondLst>
+                              <p:cond delay="0"/>
+                            </p:stCondLst>
+                            <p:childTnLst>
+                              <p:par>
+                                <p:cTn id="57" presetID="42" presetClass="path" presetSubtype="0" accel="50000" decel="50000" fill="hold" grpId="0" nodeType="clickEffect">
+                                  <p:stCondLst>
+                                    <p:cond delay="0"/>
+                                  </p:stCondLst>
+                                  <p:childTnLst>
+                                    <p:animMotion origin="layout" path="M -5E-6 -1.85185E-6 L 0.78959 0.00347 " pathEditMode="relative" rAng="0" ptsTypes="AA">
+                                      <p:cBhvr>
+                                        <p:cTn id="58" dur="2000" fill="hold"/>
+                                        <p:tgtEl>
+                                          <p:spTgt spid="19"/>
+                                        </p:tgtEl>
+                                        <p:attrNameLst>
+                                          <p:attrName>ppt_x</p:attrName>
+                                          <p:attrName>ppt_y</p:attrName>
+                                        </p:attrNameLst>
+                                      </p:cBhvr>
+                                      <p:rCtr x="39479" y="162"/>
+                                    </p:animMotion>
+                                  </p:childTnLst>
+                                </p:cTn>
+                              </p:par>
+                            </p:childTnLst>
+                          </p:cTn>
+                        </p:par>
+                      </p:childTnLst>
+                    </p:cTn>
+                  </p:par>
+                  <p:par>
+                    <p:cTn id="59" fill="hold">
+                      <p:stCondLst>
+                        <p:cond delay="indefinite"/>
+                      </p:stCondLst>
+                      <p:childTnLst>
+                        <p:par>
+                          <p:cTn id="60" fill="hold">
+                            <p:stCondLst>
+                              <p:cond delay="0"/>
+                            </p:stCondLst>
+                            <p:childTnLst>
+                              <p:par>
+                                <p:cTn id="61" presetID="42" presetClass="path" presetSubtype="0" accel="50000" decel="50000" fill="hold" grpId="0" nodeType="clickEffect">
+                                  <p:stCondLst>
+                                    <p:cond delay="0"/>
+                                  </p:stCondLst>
+                                  <p:childTnLst>
+                                    <p:animMotion origin="layout" path="M -8.33333E-7 2.59259E-6 L 0.76024 -0.00417 " pathEditMode="relative" rAng="0" ptsTypes="AA">
+                                      <p:cBhvr>
+                                        <p:cTn id="62" dur="2000" fill="hold"/>
+                                        <p:tgtEl>
+                                          <p:spTgt spid="15"/>
+                                        </p:tgtEl>
+                                        <p:attrNameLst>
+                                          <p:attrName>ppt_x</p:attrName>
+                                          <p:attrName>ppt_y</p:attrName>
+                                        </p:attrNameLst>
+                                      </p:cBhvr>
+                                      <p:rCtr x="38003" y="-208"/>
+                                    </p:animMotion>
+                                  </p:childTnLst>
+                                </p:cTn>
+                              </p:par>
+                            </p:childTnLst>
+                          </p:cTn>
+                        </p:par>
+                      </p:childTnLst>
+                    </p:cTn>
+                  </p:par>
+                  <p:par>
+                    <p:cTn id="63" fill="hold">
+                      <p:stCondLst>
+                        <p:cond delay="indefinite"/>
+                      </p:stCondLst>
+                      <p:childTnLst>
+                        <p:par>
+                          <p:cTn id="64" fill="hold">
+                            <p:stCondLst>
+                              <p:cond delay="0"/>
+                            </p:stCondLst>
+                            <p:childTnLst>
+                              <p:par>
+                                <p:cTn id="65" presetID="42" presetClass="path" presetSubtype="0" accel="50000" decel="50000" fill="hold" grpId="0" nodeType="clickEffect">
+                                  <p:stCondLst>
+                                    <p:cond delay="0"/>
+                                  </p:stCondLst>
+                                  <p:childTnLst>
+                                    <p:animMotion origin="layout" path="M -1.94444E-6 -7.40741E-7 L 0.94045 -0.0037 " pathEditMode="relative" rAng="0" ptsTypes="AA">
+                                      <p:cBhvr>
+                                        <p:cTn id="66" dur="2000" fill="hold"/>
+                                        <p:tgtEl>
+                                          <p:spTgt spid="29"/>
+                                        </p:tgtEl>
+                                        <p:attrNameLst>
+                                          <p:attrName>ppt_x</p:attrName>
+                                          <p:attrName>ppt_y</p:attrName>
+                                        </p:attrNameLst>
+                                      </p:cBhvr>
+                                      <p:rCtr x="47014" y="-185"/>
+                                    </p:animMotion>
+                                  </p:childTnLst>
+                                </p:cTn>
+                              </p:par>
+                            </p:childTnLst>
+                          </p:cTn>
+                        </p:par>
+                      </p:childTnLst>
+                    </p:cTn>
+                  </p:par>
+                  <p:par>
+                    <p:cTn id="67" fill="hold">
+                      <p:stCondLst>
+                        <p:cond delay="indefinite"/>
+                      </p:stCondLst>
+                      <p:childTnLst>
+                        <p:par>
+                          <p:cTn id="68" fill="hold">
+                            <p:stCondLst>
+                              <p:cond delay="0"/>
+                            </p:stCondLst>
+                            <p:childTnLst>
+                              <p:par>
+                                <p:cTn id="69" presetID="42" presetClass="path" presetSubtype="0" accel="50000" decel="50000" fill="hold" grpId="0" nodeType="clickEffect">
+                                  <p:stCondLst>
+                                    <p:cond delay="0"/>
+                                  </p:stCondLst>
+                                  <p:childTnLst>
+                                    <p:animMotion origin="layout" path="M -8.33333E-7 -1.85185E-6 L 0.92205 0.00347 " pathEditMode="relative" rAng="0" ptsTypes="AA">
+                                      <p:cBhvr>
+                                        <p:cTn id="70" dur="2000" fill="hold"/>
+                                        <p:tgtEl>
+                                          <p:spTgt spid="27"/>
+                                        </p:tgtEl>
+                                        <p:attrNameLst>
+                                          <p:attrName>ppt_x</p:attrName>
+                                          <p:attrName>ppt_y</p:attrName>
+                                        </p:attrNameLst>
+                                      </p:cBhvr>
+                                      <p:rCtr x="46094" y="162"/>
+                                    </p:animMotion>
+                                  </p:childTnLst>
+                                </p:cTn>
+                              </p:par>
+                            </p:childTnLst>
+                          </p:cTn>
+                        </p:par>
+                      </p:childTnLst>
+                    </p:cTn>
+                  </p:par>
+                  <p:par>
+                    <p:cTn id="71" fill="hold">
+                      <p:stCondLst>
+                        <p:cond delay="indefinite"/>
+                      </p:stCondLst>
+                      <p:childTnLst>
+                        <p:par>
+                          <p:cTn id="72" fill="hold">
+                            <p:stCondLst>
+                              <p:cond delay="0"/>
+                            </p:stCondLst>
+                            <p:childTnLst>
+                              <p:par>
+                                <p:cTn id="73" presetID="42" presetClass="path" presetSubtype="0" accel="50000" decel="50000" fill="hold" grpId="0" nodeType="clickEffect">
+                                  <p:stCondLst>
+                                    <p:cond delay="0"/>
+                                  </p:stCondLst>
+                                  <p:childTnLst>
+                                    <p:animMotion origin="layout" path="M 1.66667E-6 2.59259E-6 L 0.87986 -0.00556 " pathEditMode="relative" rAng="0" ptsTypes="AA">
+                                      <p:cBhvr>
+                                        <p:cTn id="74" dur="2000" fill="hold"/>
+                                        <p:tgtEl>
+                                          <p:spTgt spid="25"/>
+                                        </p:tgtEl>
+                                        <p:attrNameLst>
+                                          <p:attrName>ppt_x</p:attrName>
+                                          <p:attrName>ppt_y</p:attrName>
+                                        </p:attrNameLst>
+                                      </p:cBhvr>
+                                      <p:rCtr x="43993" y="-278"/>
+                                    </p:animMotion>
+                                  </p:childTnLst>
+                                </p:cTn>
+                              </p:par>
+                            </p:childTnLst>
+                          </p:cTn>
+                        </p:par>
+                      </p:childTnLst>
+                    </p:cTn>
+                  </p:par>
+                  <p:par>
+                    <p:cTn id="75" fill="hold">
+                      <p:stCondLst>
+                        <p:cond delay="indefinite"/>
+                      </p:stCondLst>
+                      <p:childTnLst>
+                        <p:par>
+                          <p:cTn id="76" fill="hold">
+                            <p:stCondLst>
+                              <p:cond delay="0"/>
+                            </p:stCondLst>
+                            <p:childTnLst>
+                              <p:par>
+                                <p:cTn id="77" presetID="42" presetClass="path" presetSubtype="0" accel="50000" decel="50000" fill="hold" grpId="0" nodeType="clickEffect">
+                                  <p:stCondLst>
+                                    <p:cond delay="0"/>
+                                  </p:stCondLst>
+                                  <p:childTnLst>
+                                    <p:animMotion origin="layout" path="M 0.00017 0.00301 L 1.06128 -0.00208 " pathEditMode="relative" rAng="0" ptsTypes="AA">
+                                      <p:cBhvr>
+                                        <p:cTn id="78" dur="2000" fill="hold"/>
+                                        <p:tgtEl>
+                                          <p:spTgt spid="28"/>
+                                        </p:tgtEl>
+                                        <p:attrNameLst>
+                                          <p:attrName>ppt_x</p:attrName>
+                                          <p:attrName>ppt_y</p:attrName>
+                                        </p:attrNameLst>
+                                      </p:cBhvr>
+                                      <p:rCtr x="53056" y="-255"/>
+                                    </p:animMotion>
+                                  </p:childTnLst>
+                                </p:cTn>
+                              </p:par>
+                            </p:childTnLst>
+                          </p:cTn>
+                        </p:par>
+                      </p:childTnLst>
+                    </p:cTn>
+                  </p:par>
+                  <p:par>
+                    <p:cTn id="79" fill="hold">
+                      <p:stCondLst>
+                        <p:cond delay="indefinite"/>
+                      </p:stCondLst>
+                      <p:childTnLst>
+                        <p:par>
+                          <p:cTn id="80" fill="hold">
+                            <p:stCondLst>
+                              <p:cond delay="0"/>
+                            </p:stCondLst>
+                            <p:childTnLst>
+                              <p:par>
+                                <p:cTn id="81" presetID="42" presetClass="path" presetSubtype="0" accel="50000" decel="50000" fill="hold" grpId="0" nodeType="clickEffect">
+                                  <p:stCondLst>
+                                    <p:cond delay="0"/>
+                                  </p:stCondLst>
+                                  <p:childTnLst>
+                                    <p:animMotion origin="layout" path="M 3.88889E-6 -1.85185E-6 L 1.04444 0.00347 " pathEditMode="relative" rAng="0" ptsTypes="AA">
+                                      <p:cBhvr>
+                                        <p:cTn id="82" dur="2000" fill="hold"/>
+                                        <p:tgtEl>
+                                          <p:spTgt spid="24"/>
+                                        </p:tgtEl>
+                                        <p:attrNameLst>
+                                          <p:attrName>ppt_x</p:attrName>
+                                          <p:attrName>ppt_y</p:attrName>
+                                        </p:attrNameLst>
+                                      </p:cBhvr>
+                                      <p:rCtr x="52222" y="162"/>
+                                    </p:animMotion>
+                                  </p:childTnLst>
+                                </p:cTn>
+                              </p:par>
+                            </p:childTnLst>
+                          </p:cTn>
+                        </p:par>
+                      </p:childTnLst>
+                    </p:cTn>
+                  </p:par>
+                  <p:par>
+                    <p:cTn id="83" fill="hold">
+                      <p:stCondLst>
+                        <p:cond delay="indefinite"/>
+                      </p:stCondLst>
+                      <p:childTnLst>
+                        <p:par>
+                          <p:cTn id="84" fill="hold">
+                            <p:stCondLst>
+                              <p:cond delay="0"/>
+                            </p:stCondLst>
+                            <p:childTnLst>
+                              <p:par>
+                                <p:cTn id="85" presetID="42" presetClass="path" presetSubtype="0" accel="50000" decel="50000" fill="hold" grpId="0" nodeType="clickEffect">
+                                  <p:stCondLst>
+                                    <p:cond delay="0"/>
+                                  </p:stCondLst>
+                                  <p:childTnLst>
+                                    <p:animMotion origin="layout" path="M 8.33333E-7 2.59259E-6 L 1.00642 -0.00417 " pathEditMode="relative" rAng="0" ptsTypes="AA">
+                                      <p:cBhvr>
+                                        <p:cTn id="86" dur="2000" fill="hold"/>
+                                        <p:tgtEl>
+                                          <p:spTgt spid="26"/>
+                                        </p:tgtEl>
+                                        <p:attrNameLst>
+                                          <p:attrName>ppt_x</p:attrName>
+                                          <p:attrName>ppt_y</p:attrName>
+                                        </p:attrNameLst>
+                                      </p:cBhvr>
+                                      <p:rCtr x="50313" y="-208"/>
+                                    </p:animMotion>
+                                  </p:childTnLst>
+                                </p:cTn>
+                              </p:par>
+                            </p:childTnLst>
+                          </p:cTn>
+                        </p:par>
+                      </p:childTnLst>
+                    </p:cTn>
+                  </p:par>
+                </p:childTnLst>
+              </p:cTn>
+              <p:prevCondLst>
+                <p:cond evt="onPrev" delay="0">
+                  <p:tgtEl>
+                    <p:sldTgt/>
+                  </p:tgtEl>
+                </p:cond>
+              </p:prevCondLst>
+              <p:nextCondLst>
+                <p:cond evt="onNext" delay="0">
+                  <p:tgtEl>
+                    <p:sldTgt/>
+                  </p:tgtEl>
+                </p:cond>
+              </p:nextCondLst>
+            </p:seq>
+          </p:childTnLst>
+        </p:cTn>
+      </p:par>
+    </p:tnLst>
+    <p:bldLst>
+      <p:bldP spid="9" grpId="0"/>
+      <p:bldP spid="10" grpId="0"/>
+      <p:bldP spid="11" grpId="0"/>
+      <p:bldP spid="12" grpId="0"/>
+      <p:bldP spid="13" grpId="0"/>
+      <p:bldP spid="14" grpId="0"/>
+      <p:bldP spid="15" grpId="0"/>
+      <p:bldP spid="16" grpId="0"/>
+      <p:bldP spid="17" grpId="0"/>
+      <p:bldP spid="18" grpId="0"/>
+      <p:bldP spid="19" grpId="0"/>
+      <p:bldP spid="20" grpId="0"/>
+      <p:bldP spid="21" grpId="0"/>
+      <p:bldP spid="22" grpId="0"/>
+      <p:bldP spid="23" grpId="0"/>
+      <p:bldP spid="24" grpId="0"/>
+      <p:bldP spid="25" grpId="0"/>
+      <p:bldP spid="26" grpId="0"/>
+      <p:bldP spid="27" grpId="0"/>
+      <p:bldP spid="28" grpId="0"/>
+      <p:bldP spid="29" grpId="0"/>
+    </p:bldLst>
+  </p:timing>
 </p:sld>
 </file>
 
